--- a/Rapport/Projet_Domotique_présentation.pptx
+++ b/Rapport/Projet_Domotique_présentation.pptx
@@ -13,7 +13,11 @@
     <p:sldId id="261" r:id="rId7"/>
     <p:sldId id="262" r:id="rId8"/>
     <p:sldId id="263" r:id="rId9"/>
-    <p:sldId id="264" r:id="rId10"/>
+    <p:sldId id="266" r:id="rId10"/>
+    <p:sldId id="267" r:id="rId11"/>
+    <p:sldId id="268" r:id="rId12"/>
+    <p:sldId id="264" r:id="rId13"/>
+    <p:sldId id="265" r:id="rId14"/>
   </p:sldIdLst>
   <p:sldSz cx="9144000" cy="6858000" type="screen4x3"/>
   <p:notesSz cx="6858000" cy="9144000"/>
@@ -499,7 +503,8 @@
           <a:p>
             <a:fld id="{7385B5F2-299D-41E4-81B4-55AECBC730DC}" type="datetimeFigureOut">
               <a:rPr lang="fr-FR" smtClean="0"/>
-              <a:t>23/01/2018</a:t>
+              <a:pPr/>
+              <a:t>24/01/2018</a:t>
             </a:fld>
             <a:endParaRPr lang="fr-FR"/>
           </a:p>
@@ -541,6 +546,7 @@
           <a:p>
             <a:fld id="{7D3A4F89-43D3-49E1-8303-387E1D1B5F0A}" type="slidenum">
               <a:rPr lang="fr-FR" smtClean="0"/>
+              <a:pPr/>
               <a:t>‹N°›</a:t>
             </a:fld>
             <a:endParaRPr lang="fr-FR"/>
@@ -664,7 +670,8 @@
           <a:p>
             <a:fld id="{7385B5F2-299D-41E4-81B4-55AECBC730DC}" type="datetimeFigureOut">
               <a:rPr lang="fr-FR" smtClean="0"/>
-              <a:t>23/01/2018</a:t>
+              <a:pPr/>
+              <a:t>24/01/2018</a:t>
             </a:fld>
             <a:endParaRPr lang="fr-FR"/>
           </a:p>
@@ -706,6 +713,7 @@
           <a:p>
             <a:fld id="{7D3A4F89-43D3-49E1-8303-387E1D1B5F0A}" type="slidenum">
               <a:rPr lang="fr-FR" smtClean="0"/>
+              <a:pPr/>
               <a:t>‹N°›</a:t>
             </a:fld>
             <a:endParaRPr lang="fr-FR"/>
@@ -839,7 +847,8 @@
           <a:p>
             <a:fld id="{7385B5F2-299D-41E4-81B4-55AECBC730DC}" type="datetimeFigureOut">
               <a:rPr lang="fr-FR" smtClean="0"/>
-              <a:t>23/01/2018</a:t>
+              <a:pPr/>
+              <a:t>24/01/2018</a:t>
             </a:fld>
             <a:endParaRPr lang="fr-FR"/>
           </a:p>
@@ -881,6 +890,7 @@
           <a:p>
             <a:fld id="{7D3A4F89-43D3-49E1-8303-387E1D1B5F0A}" type="slidenum">
               <a:rPr lang="fr-FR" smtClean="0"/>
+              <a:pPr/>
               <a:t>‹N°›</a:t>
             </a:fld>
             <a:endParaRPr lang="fr-FR"/>
@@ -1008,7 +1018,8 @@
           <a:p>
             <a:fld id="{7385B5F2-299D-41E4-81B4-55AECBC730DC}" type="datetimeFigureOut">
               <a:rPr lang="fr-FR" smtClean="0"/>
-              <a:t>23/01/2018</a:t>
+              <a:pPr/>
+              <a:t>24/01/2018</a:t>
             </a:fld>
             <a:endParaRPr lang="fr-FR"/>
           </a:p>
@@ -1050,6 +1061,7 @@
           <a:p>
             <a:fld id="{7D3A4F89-43D3-49E1-8303-387E1D1B5F0A}" type="slidenum">
               <a:rPr lang="fr-FR" smtClean="0"/>
+              <a:pPr/>
               <a:t>‹N°›</a:t>
             </a:fld>
             <a:endParaRPr lang="fr-FR"/>
@@ -1463,7 +1475,8 @@
           <a:p>
             <a:fld id="{7385B5F2-299D-41E4-81B4-55AECBC730DC}" type="datetimeFigureOut">
               <a:rPr lang="fr-FR" smtClean="0"/>
-              <a:t>23/01/2018</a:t>
+              <a:pPr/>
+              <a:t>24/01/2018</a:t>
             </a:fld>
             <a:endParaRPr lang="fr-FR"/>
           </a:p>
@@ -1505,6 +1518,7 @@
           <a:p>
             <a:fld id="{7D3A4F89-43D3-49E1-8303-387E1D1B5F0A}" type="slidenum">
               <a:rPr lang="fr-FR" smtClean="0"/>
+              <a:pPr/>
               <a:t>‹N°›</a:t>
             </a:fld>
             <a:endParaRPr lang="fr-FR"/>
@@ -1727,7 +1741,8 @@
           <a:p>
             <a:fld id="{7385B5F2-299D-41E4-81B4-55AECBC730DC}" type="datetimeFigureOut">
               <a:rPr lang="fr-FR" smtClean="0"/>
-              <a:t>23/01/2018</a:t>
+              <a:pPr/>
+              <a:t>24/01/2018</a:t>
             </a:fld>
             <a:endParaRPr lang="fr-FR"/>
           </a:p>
@@ -1769,6 +1784,7 @@
           <a:p>
             <a:fld id="{7D3A4F89-43D3-49E1-8303-387E1D1B5F0A}" type="slidenum">
               <a:rPr lang="fr-FR" smtClean="0"/>
+              <a:pPr/>
               <a:t>‹N°›</a:t>
             </a:fld>
             <a:endParaRPr lang="fr-FR"/>
@@ -2101,7 +2117,8 @@
           <a:p>
             <a:fld id="{7385B5F2-299D-41E4-81B4-55AECBC730DC}" type="datetimeFigureOut">
               <a:rPr lang="fr-FR" smtClean="0"/>
-              <a:t>23/01/2018</a:t>
+              <a:pPr/>
+              <a:t>24/01/2018</a:t>
             </a:fld>
             <a:endParaRPr lang="fr-FR"/>
           </a:p>
@@ -2143,6 +2160,7 @@
           <a:p>
             <a:fld id="{7D3A4F89-43D3-49E1-8303-387E1D1B5F0A}" type="slidenum">
               <a:rPr lang="fr-FR" smtClean="0"/>
+              <a:pPr/>
               <a:t>‹N°›</a:t>
             </a:fld>
             <a:endParaRPr lang="fr-FR"/>
@@ -2223,7 +2241,8 @@
           <a:p>
             <a:fld id="{7385B5F2-299D-41E4-81B4-55AECBC730DC}" type="datetimeFigureOut">
               <a:rPr lang="fr-FR" smtClean="0"/>
-              <a:t>23/01/2018</a:t>
+              <a:pPr/>
+              <a:t>24/01/2018</a:t>
             </a:fld>
             <a:endParaRPr lang="fr-FR"/>
           </a:p>
@@ -2246,6 +2265,7 @@
           <a:p>
             <a:fld id="{7D3A4F89-43D3-49E1-8303-387E1D1B5F0A}" type="slidenum">
               <a:rPr lang="fr-FR" smtClean="0"/>
+              <a:pPr/>
               <a:t>‹N°›</a:t>
             </a:fld>
             <a:endParaRPr lang="fr-FR"/>
@@ -2313,7 +2333,8 @@
           <a:p>
             <a:fld id="{7385B5F2-299D-41E4-81B4-55AECBC730DC}" type="datetimeFigureOut">
               <a:rPr lang="fr-FR" smtClean="0"/>
-              <a:t>23/01/2018</a:t>
+              <a:pPr/>
+              <a:t>24/01/2018</a:t>
             </a:fld>
             <a:endParaRPr lang="fr-FR"/>
           </a:p>
@@ -2355,6 +2376,7 @@
           <a:p>
             <a:fld id="{7D3A4F89-43D3-49E1-8303-387E1D1B5F0A}" type="slidenum">
               <a:rPr lang="fr-FR" smtClean="0"/>
+              <a:pPr/>
               <a:t>‹N°›</a:t>
             </a:fld>
             <a:endParaRPr lang="fr-FR"/>
@@ -2562,7 +2584,8 @@
           <a:p>
             <a:fld id="{7385B5F2-299D-41E4-81B4-55AECBC730DC}" type="datetimeFigureOut">
               <a:rPr lang="fr-FR" smtClean="0"/>
-              <a:t>23/01/2018</a:t>
+              <a:pPr/>
+              <a:t>24/01/2018</a:t>
             </a:fld>
             <a:endParaRPr lang="fr-FR"/>
           </a:p>
@@ -2609,6 +2632,7 @@
           <a:p>
             <a:fld id="{7D3A4F89-43D3-49E1-8303-387E1D1B5F0A}" type="slidenum">
               <a:rPr lang="fr-FR" smtClean="0"/>
+              <a:pPr/>
               <a:t>‹N°›</a:t>
             </a:fld>
             <a:endParaRPr lang="fr-FR"/>
@@ -2821,7 +2845,8 @@
           <a:p>
             <a:fld id="{7385B5F2-299D-41E4-81B4-55AECBC730DC}" type="datetimeFigureOut">
               <a:rPr lang="fr-FR" smtClean="0"/>
-              <a:t>23/01/2018</a:t>
+              <a:pPr/>
+              <a:t>24/01/2018</a:t>
             </a:fld>
             <a:endParaRPr lang="fr-FR"/>
           </a:p>
@@ -2863,6 +2888,7 @@
           <a:p>
             <a:fld id="{7D3A4F89-43D3-49E1-8303-387E1D1B5F0A}" type="slidenum">
               <a:rPr lang="fr-FR" smtClean="0"/>
+              <a:pPr/>
               <a:t>‹N°›</a:t>
             </a:fld>
             <a:endParaRPr lang="fr-FR"/>
@@ -3225,7 +3251,8 @@
           <a:p>
             <a:fld id="{7385B5F2-299D-41E4-81B4-55AECBC730DC}" type="datetimeFigureOut">
               <a:rPr lang="fr-FR" smtClean="0"/>
-              <a:t>23/01/2018</a:t>
+              <a:pPr/>
+              <a:t>24/01/2018</a:t>
             </a:fld>
             <a:endParaRPr lang="fr-FR"/>
           </a:p>
@@ -3303,6 +3330,7 @@
           <a:p>
             <a:fld id="{7D3A4F89-43D3-49E1-8303-387E1D1B5F0A}" type="slidenum">
               <a:rPr lang="fr-FR" smtClean="0"/>
+              <a:pPr/>
               <a:t>‹N°›</a:t>
             </a:fld>
             <a:endParaRPr lang="fr-FR"/>
@@ -3679,6 +3707,715 @@
 </p:sld>
 </file>
 
+<file path=ppt/slides/slide10.xml><?xml version="1.0" encoding="utf-8"?>
+<p:sld xmlns:a="http://schemas.openxmlformats.org/drawingml/2006/main" xmlns:r="http://schemas.openxmlformats.org/officeDocument/2006/relationships" xmlns:p="http://schemas.openxmlformats.org/presentationml/2006/main">
+  <p:cSld>
+    <p:spTree>
+      <p:nvGrpSpPr>
+        <p:cNvPr id="1" name=""/>
+        <p:cNvGrpSpPr/>
+        <p:nvPr/>
+      </p:nvGrpSpPr>
+      <p:grpSpPr>
+        <a:xfrm>
+          <a:off x="0" y="0"/>
+          <a:ext cx="0" cy="0"/>
+          <a:chOff x="0" y="0"/>
+          <a:chExt cx="0" cy="0"/>
+        </a:xfrm>
+      </p:grpSpPr>
+      <p:sp>
+        <p:nvSpPr>
+          <p:cNvPr id="2" name="Titre 1"/>
+          <p:cNvSpPr>
+            <a:spLocks noGrp="1"/>
+          </p:cNvSpPr>
+          <p:nvPr>
+            <p:ph type="title"/>
+          </p:nvPr>
+        </p:nvSpPr>
+        <p:spPr/>
+        <p:txBody>
+          <a:bodyPr/>
+          <a:lstStyle/>
+          <a:p>
+            <a:r>
+              <a:rPr lang="fr-FR" dirty="0" smtClean="0">
+                <a:ln w="18415" cmpd="sng">
+                  <a:solidFill>
+                    <a:srgbClr val="FFFFFF"/>
+                  </a:solidFill>
+                  <a:prstDash val="solid"/>
+                </a:ln>
+                <a:solidFill>
+                  <a:srgbClr val="FFFFFF"/>
+                </a:solidFill>
+                <a:effectLst>
+                  <a:outerShdw blurRad="63500" dir="3600000" algn="tl" rotWithShape="0">
+                    <a:srgbClr val="000000">
+                      <a:alpha val="70000"/>
+                    </a:srgbClr>
+                  </a:outerShdw>
+                </a:effectLst>
+              </a:rPr>
+              <a:t>Scénario d’application</a:t>
+            </a:r>
+            <a:endParaRPr lang="fr-FR" dirty="0"/>
+          </a:p>
+        </p:txBody>
+      </p:sp>
+      <p:pic>
+        <p:nvPicPr>
+          <p:cNvPr id="3074" name="Picture 2"/>
+          <p:cNvPicPr>
+            <a:picLocks noChangeAspect="1" noChangeArrowheads="1"/>
+          </p:cNvPicPr>
+          <p:nvPr/>
+        </p:nvPicPr>
+        <p:blipFill>
+          <a:blip r:embed="rId2"/>
+          <a:srcRect/>
+          <a:stretch>
+            <a:fillRect/>
+          </a:stretch>
+        </p:blipFill>
+        <p:spPr bwMode="auto">
+          <a:xfrm>
+            <a:off x="1002028" y="2071678"/>
+            <a:ext cx="7139944" cy="3338520"/>
+          </a:xfrm>
+          <a:prstGeom prst="rect">
+            <a:avLst/>
+          </a:prstGeom>
+          <a:ln w="38100" cap="sq">
+            <a:solidFill>
+              <a:schemeClr val="accent2"/>
+            </a:solidFill>
+            <a:prstDash val="solid"/>
+            <a:miter lim="800000"/>
+          </a:ln>
+          <a:effectLst>
+            <a:outerShdw blurRad="50800" dist="38100" dir="2700000" algn="tl" rotWithShape="0">
+              <a:srgbClr val="000000">
+                <a:alpha val="43000"/>
+              </a:srgbClr>
+            </a:outerShdw>
+          </a:effectLst>
+        </p:spPr>
+      </p:pic>
+    </p:spTree>
+  </p:cSld>
+  <p:clrMapOvr>
+    <a:masterClrMapping/>
+  </p:clrMapOvr>
+</p:sld>
+</file>
+
+<file path=ppt/slides/slide11.xml><?xml version="1.0" encoding="utf-8"?>
+<p:sld xmlns:a="http://schemas.openxmlformats.org/drawingml/2006/main" xmlns:r="http://schemas.openxmlformats.org/officeDocument/2006/relationships" xmlns:p="http://schemas.openxmlformats.org/presentationml/2006/main">
+  <p:cSld>
+    <p:spTree>
+      <p:nvGrpSpPr>
+        <p:cNvPr id="1" name=""/>
+        <p:cNvGrpSpPr/>
+        <p:nvPr/>
+      </p:nvGrpSpPr>
+      <p:grpSpPr>
+        <a:xfrm>
+          <a:off x="0" y="0"/>
+          <a:ext cx="0" cy="0"/>
+          <a:chOff x="0" y="0"/>
+          <a:chExt cx="0" cy="0"/>
+        </a:xfrm>
+      </p:grpSpPr>
+      <p:sp>
+        <p:nvSpPr>
+          <p:cNvPr id="2" name="Titre 1"/>
+          <p:cNvSpPr>
+            <a:spLocks noGrp="1"/>
+          </p:cNvSpPr>
+          <p:nvPr>
+            <p:ph type="title"/>
+          </p:nvPr>
+        </p:nvSpPr>
+        <p:spPr/>
+        <p:txBody>
+          <a:bodyPr/>
+          <a:lstStyle/>
+          <a:p>
+            <a:r>
+              <a:rPr lang="fr-FR" dirty="0" smtClean="0">
+                <a:ln w="18415" cmpd="sng">
+                  <a:solidFill>
+                    <a:srgbClr val="FFFFFF"/>
+                  </a:solidFill>
+                  <a:prstDash val="solid"/>
+                </a:ln>
+                <a:solidFill>
+                  <a:srgbClr val="FFFFFF"/>
+                </a:solidFill>
+                <a:effectLst>
+                  <a:outerShdw blurRad="63500" dir="3600000" algn="tl" rotWithShape="0">
+                    <a:srgbClr val="000000">
+                      <a:alpha val="70000"/>
+                    </a:srgbClr>
+                  </a:outerShdw>
+                </a:effectLst>
+              </a:rPr>
+              <a:t>Scénario centrale de gestion</a:t>
+            </a:r>
+            <a:endParaRPr lang="fr-FR" dirty="0">
+              <a:ln w="18415" cmpd="sng">
+                <a:solidFill>
+                  <a:srgbClr val="FFFFFF"/>
+                </a:solidFill>
+                <a:prstDash val="solid"/>
+              </a:ln>
+              <a:solidFill>
+                <a:srgbClr val="FFFFFF"/>
+              </a:solidFill>
+              <a:effectLst>
+                <a:outerShdw blurRad="63500" dir="3600000" algn="tl" rotWithShape="0">
+                  <a:srgbClr val="000000">
+                    <a:alpha val="70000"/>
+                  </a:srgbClr>
+                </a:outerShdw>
+              </a:effectLst>
+            </a:endParaRPr>
+          </a:p>
+        </p:txBody>
+      </p:sp>
+      <p:pic>
+        <p:nvPicPr>
+          <p:cNvPr id="4099" name="Picture 3"/>
+          <p:cNvPicPr>
+            <a:picLocks noChangeAspect="1" noChangeArrowheads="1"/>
+          </p:cNvPicPr>
+          <p:nvPr/>
+        </p:nvPicPr>
+        <p:blipFill>
+          <a:blip r:embed="rId2"/>
+          <a:srcRect/>
+          <a:stretch>
+            <a:fillRect/>
+          </a:stretch>
+        </p:blipFill>
+        <p:spPr bwMode="auto">
+          <a:xfrm>
+            <a:off x="1157280" y="2357430"/>
+            <a:ext cx="6829440" cy="2837054"/>
+          </a:xfrm>
+          <a:prstGeom prst="rect">
+            <a:avLst/>
+          </a:prstGeom>
+          <a:ln w="38100" cap="sq">
+            <a:solidFill>
+              <a:schemeClr val="accent2"/>
+            </a:solidFill>
+            <a:prstDash val="solid"/>
+            <a:miter lim="800000"/>
+          </a:ln>
+          <a:effectLst>
+            <a:outerShdw blurRad="50800" dist="38100" dir="2700000" algn="tl" rotWithShape="0">
+              <a:srgbClr val="000000">
+                <a:alpha val="43000"/>
+              </a:srgbClr>
+            </a:outerShdw>
+          </a:effectLst>
+        </p:spPr>
+      </p:pic>
+    </p:spTree>
+  </p:cSld>
+  <p:clrMapOvr>
+    <a:masterClrMapping/>
+  </p:clrMapOvr>
+</p:sld>
+</file>
+
+<file path=ppt/slides/slide12.xml><?xml version="1.0" encoding="utf-8"?>
+<p:sld xmlns:a="http://schemas.openxmlformats.org/drawingml/2006/main" xmlns:r="http://schemas.openxmlformats.org/officeDocument/2006/relationships" xmlns:p="http://schemas.openxmlformats.org/presentationml/2006/main">
+  <p:cSld>
+    <p:spTree>
+      <p:nvGrpSpPr>
+        <p:cNvPr id="1" name=""/>
+        <p:cNvGrpSpPr/>
+        <p:nvPr/>
+      </p:nvGrpSpPr>
+      <p:grpSpPr>
+        <a:xfrm>
+          <a:off x="0" y="0"/>
+          <a:ext cx="0" cy="0"/>
+          <a:chOff x="0" y="0"/>
+          <a:chExt cx="0" cy="0"/>
+        </a:xfrm>
+      </p:grpSpPr>
+      <p:sp>
+        <p:nvSpPr>
+          <p:cNvPr id="2" name="Titre 1"/>
+          <p:cNvSpPr>
+            <a:spLocks noGrp="1"/>
+          </p:cNvSpPr>
+          <p:nvPr>
+            <p:ph type="title"/>
+          </p:nvPr>
+        </p:nvSpPr>
+        <p:spPr/>
+        <p:txBody>
+          <a:bodyPr/>
+          <a:lstStyle/>
+          <a:p>
+            <a:r>
+              <a:rPr lang="fr-FR" dirty="0" smtClean="0">
+                <a:ln w="18415" cmpd="sng">
+                  <a:solidFill>
+                    <a:srgbClr val="FFFFFF"/>
+                  </a:solidFill>
+                  <a:prstDash val="solid"/>
+                </a:ln>
+                <a:solidFill>
+                  <a:srgbClr val="FFFFFF"/>
+                </a:solidFill>
+                <a:effectLst>
+                  <a:outerShdw blurRad="63500" dir="3600000" algn="tl" rotWithShape="0">
+                    <a:srgbClr val="000000">
+                      <a:alpha val="70000"/>
+                    </a:srgbClr>
+                  </a:outerShdw>
+                </a:effectLst>
+              </a:rPr>
+              <a:t>Les protocoles</a:t>
+            </a:r>
+            <a:endParaRPr lang="fr-FR" dirty="0">
+              <a:ln w="18415" cmpd="sng">
+                <a:solidFill>
+                  <a:srgbClr val="FFFFFF"/>
+                </a:solidFill>
+                <a:prstDash val="solid"/>
+              </a:ln>
+              <a:solidFill>
+                <a:srgbClr val="FFFFFF"/>
+              </a:solidFill>
+              <a:effectLst>
+                <a:outerShdw blurRad="63500" dir="3600000" algn="tl" rotWithShape="0">
+                  <a:srgbClr val="000000">
+                    <a:alpha val="70000"/>
+                  </a:srgbClr>
+                </a:outerShdw>
+              </a:effectLst>
+            </a:endParaRPr>
+          </a:p>
+        </p:txBody>
+      </p:sp>
+      <p:sp>
+        <p:nvSpPr>
+          <p:cNvPr id="4" name="ZoneTexte 3"/>
+          <p:cNvSpPr txBox="1"/>
+          <p:nvPr/>
+        </p:nvSpPr>
+        <p:spPr>
+          <a:xfrm>
+            <a:off x="892943" y="2214554"/>
+            <a:ext cx="7358114" cy="3416320"/>
+          </a:xfrm>
+          <a:prstGeom prst="rect">
+            <a:avLst/>
+          </a:prstGeom>
+          <a:noFill/>
+        </p:spPr>
+        <p:txBody>
+          <a:bodyPr wrap="square" rtlCol="0">
+            <a:spAutoFit/>
+          </a:bodyPr>
+          <a:lstStyle/>
+          <a:p>
+            <a:pPr>
+              <a:buFont typeface="Wingdings" pitchFamily="2" charset="2"/>
+              <a:buChar char="v"/>
+            </a:pPr>
+            <a:r>
+              <a:rPr lang="fr-FR" sz="2400" dirty="0" smtClean="0">
+                <a:ln>
+                  <a:solidFill>
+                    <a:schemeClr val="bg2"/>
+                  </a:solidFill>
+                </a:ln>
+              </a:rPr>
+              <a:t>$</a:t>
+            </a:r>
+            <a:r>
+              <a:rPr lang="fr-FR" sz="2400" dirty="0" err="1" smtClean="0">
+                <a:ln>
+                  <a:solidFill>
+                    <a:schemeClr val="bg2"/>
+                  </a:solidFill>
+                </a:ln>
+              </a:rPr>
+              <a:t>lum</a:t>
+            </a:r>
+            <a:r>
+              <a:rPr lang="fr-FR" sz="2400" dirty="0" smtClean="0">
+                <a:ln>
+                  <a:solidFill>
+                    <a:schemeClr val="bg2"/>
+                  </a:solidFill>
+                </a:ln>
+              </a:rPr>
+              <a:t>(</a:t>
+            </a:r>
+            <a:r>
+              <a:rPr lang="fr-FR" sz="2400" dirty="0" err="1" smtClean="0">
+                <a:ln>
+                  <a:solidFill>
+                    <a:schemeClr val="bg2"/>
+                  </a:solidFill>
+                </a:ln>
+              </a:rPr>
+              <a:t>bool</a:t>
+            </a:r>
+            <a:r>
+              <a:rPr lang="fr-FR" sz="2400" dirty="0" smtClean="0">
+                <a:ln>
+                  <a:solidFill>
+                    <a:schemeClr val="bg2"/>
+                  </a:solidFill>
+                </a:ln>
+              </a:rPr>
+              <a:t>)				5sec</a:t>
+            </a:r>
+          </a:p>
+          <a:p>
+            <a:pPr>
+              <a:buFont typeface="Wingdings" pitchFamily="2" charset="2"/>
+              <a:buChar char="v"/>
+            </a:pPr>
+            <a:r>
+              <a:rPr lang="fr-FR" sz="2400" dirty="0" smtClean="0">
+                <a:ln>
+                  <a:solidFill>
+                    <a:schemeClr val="bg2"/>
+                  </a:solidFill>
+                </a:ln>
+              </a:rPr>
+              <a:t>$rad(</a:t>
+            </a:r>
+            <a:r>
+              <a:rPr lang="fr-FR" sz="2400" dirty="0" err="1" smtClean="0">
+                <a:ln>
+                  <a:solidFill>
+                    <a:schemeClr val="bg2"/>
+                  </a:solidFill>
+                </a:ln>
+              </a:rPr>
+              <a:t>bool</a:t>
+            </a:r>
+            <a:r>
+              <a:rPr lang="fr-FR" sz="2400" dirty="0" smtClean="0">
+                <a:ln>
+                  <a:solidFill>
+                    <a:schemeClr val="bg2"/>
+                  </a:solidFill>
+                </a:ln>
+              </a:rPr>
+              <a:t>)				5sec</a:t>
+            </a:r>
+          </a:p>
+          <a:p>
+            <a:pPr>
+              <a:buFont typeface="Wingdings" pitchFamily="2" charset="2"/>
+              <a:buChar char="v"/>
+            </a:pPr>
+            <a:r>
+              <a:rPr lang="fr-FR" sz="2400" dirty="0" smtClean="0">
+                <a:ln>
+                  <a:solidFill>
+                    <a:schemeClr val="bg2"/>
+                  </a:solidFill>
+                </a:ln>
+              </a:rPr>
+              <a:t>$vol(</a:t>
+            </a:r>
+            <a:r>
+              <a:rPr lang="fr-FR" sz="2400" dirty="0" err="1" smtClean="0">
+                <a:ln>
+                  <a:solidFill>
+                    <a:schemeClr val="bg2"/>
+                  </a:solidFill>
+                </a:ln>
+              </a:rPr>
+              <a:t>bool</a:t>
+            </a:r>
+            <a:r>
+              <a:rPr lang="fr-FR" sz="2400" dirty="0" smtClean="0">
+                <a:ln>
+                  <a:solidFill>
+                    <a:schemeClr val="bg2"/>
+                  </a:solidFill>
+                </a:ln>
+              </a:rPr>
+              <a:t>)				5sec</a:t>
+            </a:r>
+          </a:p>
+          <a:p>
+            <a:pPr>
+              <a:buFont typeface="Wingdings" pitchFamily="2" charset="2"/>
+              <a:buChar char="v"/>
+            </a:pPr>
+            <a:r>
+              <a:rPr lang="fr-FR" sz="2400" dirty="0" smtClean="0">
+                <a:ln>
+                  <a:solidFill>
+                    <a:schemeClr val="bg2"/>
+                  </a:solidFill>
+                </a:ln>
+              </a:rPr>
+              <a:t>$lux(lux)				10sec</a:t>
+            </a:r>
+          </a:p>
+          <a:p>
+            <a:pPr>
+              <a:buFont typeface="Wingdings" pitchFamily="2" charset="2"/>
+              <a:buChar char="v"/>
+            </a:pPr>
+            <a:r>
+              <a:rPr lang="fr-FR" sz="2400" dirty="0" smtClean="0">
+                <a:ln>
+                  <a:solidFill>
+                    <a:schemeClr val="bg2"/>
+                  </a:solidFill>
+                </a:ln>
+              </a:rPr>
+              <a:t>$tem(c°) 				5sec</a:t>
+            </a:r>
+          </a:p>
+          <a:p>
+            <a:pPr>
+              <a:buFont typeface="Wingdings" pitchFamily="2" charset="2"/>
+              <a:buChar char="v"/>
+            </a:pPr>
+            <a:r>
+              <a:rPr lang="fr-FR" sz="2400" dirty="0" smtClean="0">
+                <a:ln>
+                  <a:solidFill>
+                    <a:schemeClr val="bg2"/>
+                  </a:solidFill>
+                </a:ln>
+              </a:rPr>
+              <a:t>$hum(%) 				5sec</a:t>
+            </a:r>
+          </a:p>
+          <a:p>
+            <a:pPr>
+              <a:buFont typeface="Wingdings" pitchFamily="2" charset="2"/>
+              <a:buChar char="v"/>
+            </a:pPr>
+            <a:r>
+              <a:rPr lang="fr-FR" sz="2400" dirty="0" smtClean="0">
+                <a:ln>
+                  <a:solidFill>
+                    <a:schemeClr val="bg2"/>
+                  </a:solidFill>
+                </a:ln>
+              </a:rPr>
+              <a:t>$con(w)			(impulsion du compteur)</a:t>
+            </a:r>
+          </a:p>
+          <a:p>
+            <a:pPr>
+              <a:buFont typeface="Wingdings" pitchFamily="2" charset="2"/>
+              <a:buChar char="v"/>
+            </a:pPr>
+            <a:r>
+              <a:rPr lang="fr-FR" sz="2400" dirty="0" smtClean="0">
+                <a:ln>
+                  <a:solidFill>
+                    <a:schemeClr val="bg2"/>
+                  </a:solidFill>
+                </a:ln>
+              </a:rPr>
+              <a:t>$air(1-10) 				10sec</a:t>
+            </a:r>
+          </a:p>
+          <a:p>
+            <a:pPr>
+              <a:buFont typeface="Wingdings" pitchFamily="2" charset="2"/>
+              <a:buChar char="v"/>
+            </a:pPr>
+            <a:r>
+              <a:rPr lang="fr-FR" sz="2400" dirty="0" smtClean="0">
+                <a:ln>
+                  <a:solidFill>
+                    <a:schemeClr val="bg2"/>
+                  </a:solidFill>
+                </a:ln>
+              </a:rPr>
+              <a:t>$heu(</a:t>
+            </a:r>
+            <a:r>
+              <a:rPr lang="fr-FR" sz="2400" dirty="0" err="1" smtClean="0">
+                <a:ln>
+                  <a:solidFill>
+                    <a:schemeClr val="bg2"/>
+                  </a:solidFill>
+                </a:ln>
+              </a:rPr>
+              <a:t>hh</a:t>
+            </a:r>
+            <a:r>
+              <a:rPr lang="fr-FR" sz="2400" dirty="0" smtClean="0">
+                <a:ln>
+                  <a:solidFill>
+                    <a:schemeClr val="bg2"/>
+                  </a:solidFill>
+                </a:ln>
+              </a:rPr>
+              <a:t>/mm/</a:t>
+            </a:r>
+            <a:r>
+              <a:rPr lang="fr-FR" sz="2400" dirty="0" err="1" smtClean="0">
+                <a:ln>
+                  <a:solidFill>
+                    <a:schemeClr val="bg2"/>
+                  </a:solidFill>
+                </a:ln>
+              </a:rPr>
+              <a:t>ss</a:t>
+            </a:r>
+            <a:r>
+              <a:rPr lang="fr-FR" sz="2400" dirty="0" smtClean="0">
+                <a:ln>
+                  <a:solidFill>
+                    <a:schemeClr val="bg2"/>
+                  </a:solidFill>
+                </a:ln>
+              </a:rPr>
+              <a:t>)		(impulsion du compteur</a:t>
+            </a:r>
+            <a:r>
+              <a:rPr lang="fr-FR" dirty="0" smtClean="0">
+                <a:ln>
+                  <a:solidFill>
+                    <a:schemeClr val="bg2"/>
+                  </a:solidFill>
+                </a:ln>
+              </a:rPr>
+              <a:t>)</a:t>
+            </a:r>
+            <a:endParaRPr lang="fr-FR" dirty="0">
+              <a:ln>
+                <a:solidFill>
+                  <a:schemeClr val="bg2"/>
+                </a:solidFill>
+              </a:ln>
+            </a:endParaRPr>
+          </a:p>
+        </p:txBody>
+      </p:sp>
+      <p:pic>
+        <p:nvPicPr>
+          <p:cNvPr id="1026" name="Picture 2" descr="Q:\Projet_Domotique_GITBTS\Rapport\img\bluetooth-670069_640.png"/>
+          <p:cNvPicPr>
+            <a:picLocks noChangeAspect="1" noChangeArrowheads="1"/>
+          </p:cNvPicPr>
+          <p:nvPr/>
+        </p:nvPicPr>
+        <p:blipFill>
+          <a:blip r:embed="rId2" cstate="print"/>
+          <a:srcRect/>
+          <a:stretch>
+            <a:fillRect/>
+          </a:stretch>
+        </p:blipFill>
+        <p:spPr bwMode="auto">
+          <a:xfrm>
+            <a:off x="6858016" y="785794"/>
+            <a:ext cx="1071570" cy="1636765"/>
+          </a:xfrm>
+          <a:prstGeom prst="rect">
+            <a:avLst/>
+          </a:prstGeom>
+          <a:noFill/>
+        </p:spPr>
+      </p:pic>
+    </p:spTree>
+  </p:cSld>
+  <p:clrMapOvr>
+    <a:masterClrMapping/>
+  </p:clrMapOvr>
+</p:sld>
+</file>
+
+<file path=ppt/slides/slide13.xml><?xml version="1.0" encoding="utf-8"?>
+<p:sld xmlns:a="http://schemas.openxmlformats.org/drawingml/2006/main" xmlns:r="http://schemas.openxmlformats.org/officeDocument/2006/relationships" xmlns:p="http://schemas.openxmlformats.org/presentationml/2006/main">
+  <p:cSld>
+    <p:spTree>
+      <p:nvGrpSpPr>
+        <p:cNvPr id="1" name=""/>
+        <p:cNvGrpSpPr/>
+        <p:nvPr/>
+      </p:nvGrpSpPr>
+      <p:grpSpPr>
+        <a:xfrm>
+          <a:off x="0" y="0"/>
+          <a:ext cx="0" cy="0"/>
+          <a:chOff x="0" y="0"/>
+          <a:chExt cx="0" cy="0"/>
+        </a:xfrm>
+      </p:grpSpPr>
+      <p:sp>
+        <p:nvSpPr>
+          <p:cNvPr id="2" name="Titre 1"/>
+          <p:cNvSpPr>
+            <a:spLocks noGrp="1"/>
+          </p:cNvSpPr>
+          <p:nvPr>
+            <p:ph type="title"/>
+          </p:nvPr>
+        </p:nvSpPr>
+        <p:spPr/>
+        <p:txBody>
+          <a:bodyPr/>
+          <a:lstStyle/>
+          <a:p>
+            <a:r>
+              <a:rPr lang="fr-FR" dirty="0" smtClean="0"/>
+              <a:t>Schéma de l’application </a:t>
+            </a:r>
+            <a:endParaRPr lang="fr-FR" dirty="0"/>
+          </a:p>
+        </p:txBody>
+      </p:sp>
+      <p:pic>
+        <p:nvPicPr>
+          <p:cNvPr id="5" name="Image 4" descr="Shema_organisation_simplifier.png"/>
+          <p:cNvPicPr>
+            <a:picLocks noChangeAspect="1"/>
+          </p:cNvPicPr>
+          <p:nvPr/>
+        </p:nvPicPr>
+        <p:blipFill>
+          <a:blip r:embed="rId2"/>
+          <a:stretch>
+            <a:fillRect/>
+          </a:stretch>
+        </p:blipFill>
+        <p:spPr>
+          <a:xfrm>
+            <a:off x="1643042" y="1428736"/>
+            <a:ext cx="5843599" cy="4770285"/>
+          </a:xfrm>
+          <a:prstGeom prst="rect">
+            <a:avLst/>
+          </a:prstGeom>
+        </p:spPr>
+      </p:pic>
+    </p:spTree>
+  </p:cSld>
+  <p:clrMapOvr>
+    <a:masterClrMapping/>
+  </p:clrMapOvr>
+</p:sld>
+</file>
+
 <file path=ppt/slides/slide2.xml><?xml version="1.0" encoding="utf-8"?>
 <p:sld xmlns:a="http://schemas.openxmlformats.org/drawingml/2006/main" xmlns:r="http://schemas.openxmlformats.org/officeDocument/2006/relationships" xmlns:p="http://schemas.openxmlformats.org/presentationml/2006/main">
   <p:cSld>
@@ -4818,29 +5555,87 @@
           <a:bodyPr/>
           <a:lstStyle/>
           <a:p>
-            <a:endParaRPr lang="fr-FR"/>
-          </a:p>
-        </p:txBody>
-      </p:sp>
-      <p:sp>
-        <p:nvSpPr>
-          <p:cNvPr id="3" name="Espace réservé du contenu 2"/>
-          <p:cNvSpPr>
-            <a:spLocks noGrp="1"/>
-          </p:cNvSpPr>
-          <p:nvPr>
-            <p:ph idx="1"/>
-          </p:nvPr>
-        </p:nvSpPr>
-        <p:spPr/>
-        <p:txBody>
-          <a:bodyPr/>
-          <a:lstStyle/>
-          <a:p>
-            <a:endParaRPr lang="fr-FR"/>
-          </a:p>
-        </p:txBody>
-      </p:sp>
+            <a:r>
+              <a:rPr lang="fr-FR" dirty="0" smtClean="0">
+                <a:ln w="18415" cmpd="sng">
+                  <a:solidFill>
+                    <a:srgbClr val="FFFFFF"/>
+                  </a:solidFill>
+                  <a:prstDash val="solid"/>
+                </a:ln>
+                <a:solidFill>
+                  <a:srgbClr val="FFFFFF"/>
+                </a:solidFill>
+                <a:effectLst>
+                  <a:outerShdw blurRad="63500" dir="3600000" algn="tl" rotWithShape="0">
+                    <a:srgbClr val="000000">
+                      <a:alpha val="70000"/>
+                    </a:srgbClr>
+                  </a:outerShdw>
+                </a:effectLst>
+              </a:rPr>
+              <a:t>Scénario d’alerte sécurité </a:t>
+            </a:r>
+            <a:endParaRPr lang="fr-FR" dirty="0">
+              <a:ln w="18415" cmpd="sng">
+                <a:solidFill>
+                  <a:srgbClr val="FFFFFF"/>
+                </a:solidFill>
+                <a:prstDash val="solid"/>
+              </a:ln>
+              <a:solidFill>
+                <a:srgbClr val="FFFFFF"/>
+              </a:solidFill>
+              <a:effectLst>
+                <a:outerShdw blurRad="63500" dir="3600000" algn="tl" rotWithShape="0">
+                  <a:srgbClr val="000000">
+                    <a:alpha val="70000"/>
+                  </a:srgbClr>
+                </a:outerShdw>
+              </a:effectLst>
+            </a:endParaRPr>
+          </a:p>
+        </p:txBody>
+      </p:sp>
+      <p:pic>
+        <p:nvPicPr>
+          <p:cNvPr id="2050" name="Picture 2"/>
+          <p:cNvPicPr>
+            <a:picLocks noChangeAspect="1" noChangeArrowheads="1"/>
+          </p:cNvPicPr>
+          <p:nvPr/>
+        </p:nvPicPr>
+        <p:blipFill>
+          <a:blip r:embed="rId2"/>
+          <a:srcRect/>
+          <a:stretch>
+            <a:fillRect/>
+          </a:stretch>
+        </p:blipFill>
+        <p:spPr bwMode="auto">
+          <a:xfrm>
+            <a:off x="959181" y="1500174"/>
+            <a:ext cx="7225638" cy="5010162"/>
+          </a:xfrm>
+          <a:prstGeom prst="rect">
+            <a:avLst/>
+          </a:prstGeom>
+          <a:ln w="38100" cap="sq">
+            <a:solidFill>
+              <a:schemeClr val="accent2"/>
+            </a:solidFill>
+            <a:prstDash val="solid"/>
+            <a:miter lim="800000"/>
+          </a:ln>
+          <a:effectLst>
+            <a:outerShdw blurRad="50800" dist="38100" dir="2700000" algn="tl" rotWithShape="0">
+              <a:srgbClr val="000000">
+                <a:alpha val="43000"/>
+              </a:srgbClr>
+            </a:outerShdw>
+          </a:effectLst>
+        </p:spPr>
+      </p:pic>
     </p:spTree>
   </p:cSld>
   <p:clrMapOvr>

--- a/Rapport/Projet_Domotique_présentation.pptx
+++ b/Rapport/Projet_Domotique_présentation.pptx
@@ -8,18 +8,18 @@
     <p:sldId id="256" r:id="rId2"/>
     <p:sldId id="257" r:id="rId3"/>
     <p:sldId id="258" r:id="rId4"/>
-    <p:sldId id="259" r:id="rId5"/>
-    <p:sldId id="260" r:id="rId6"/>
-    <p:sldId id="261" r:id="rId7"/>
-    <p:sldId id="262" r:id="rId8"/>
-    <p:sldId id="263" r:id="rId9"/>
-    <p:sldId id="266" r:id="rId10"/>
-    <p:sldId id="267" r:id="rId11"/>
-    <p:sldId id="268" r:id="rId12"/>
+    <p:sldId id="260" r:id="rId5"/>
+    <p:sldId id="259" r:id="rId6"/>
+    <p:sldId id="266" r:id="rId7"/>
+    <p:sldId id="267" r:id="rId8"/>
+    <p:sldId id="268" r:id="rId9"/>
+    <p:sldId id="261" r:id="rId10"/>
+    <p:sldId id="262" r:id="rId11"/>
+    <p:sldId id="263" r:id="rId12"/>
     <p:sldId id="264" r:id="rId13"/>
     <p:sldId id="265" r:id="rId14"/>
   </p:sldIdLst>
-  <p:sldSz cx="9144000" cy="6858000" type="screen4x3"/>
+  <p:sldSz cx="9144000" cy="5715000" type="screen16x10"/>
   <p:notesSz cx="6858000" cy="9144000"/>
   <p:defaultTextStyle>
     <a:defPPr>
@@ -151,8 +151,8 @@
         </p:nvSpPr>
         <p:spPr bwMode="auto">
           <a:xfrm>
-            <a:off x="0" y="4752126"/>
-            <a:ext cx="9144000" cy="2112962"/>
+            <a:off x="0" y="3960105"/>
+            <a:ext cx="9144000" cy="1760802"/>
           </a:xfrm>
           <a:custGeom>
             <a:avLst>
@@ -248,8 +248,8 @@
         </p:nvSpPr>
         <p:spPr bwMode="auto">
           <a:xfrm>
-            <a:off x="6105525" y="0"/>
-            <a:ext cx="3038475" cy="6858000"/>
+            <a:off x="6105527" y="0"/>
+            <a:ext cx="3038475" cy="5715000"/>
           </a:xfrm>
           <a:custGeom>
             <a:avLst/>
@@ -349,8 +349,8 @@
         </p:nvSpPr>
         <p:spPr>
           <a:xfrm>
-            <a:off x="429064" y="3337560"/>
-            <a:ext cx="6480048" cy="2301240"/>
+            <a:off x="429064" y="2781300"/>
+            <a:ext cx="6480048" cy="1917700"/>
           </a:xfrm>
         </p:spPr>
         <p:txBody>
@@ -434,8 +434,8 @@
         </p:nvSpPr>
         <p:spPr>
           <a:xfrm>
-            <a:off x="433050" y="1544812"/>
-            <a:ext cx="6480048" cy="1752600"/>
+            <a:off x="433050" y="1287343"/>
+            <a:ext cx="6480048" cy="1460500"/>
           </a:xfrm>
         </p:spPr>
         <p:txBody>
@@ -504,7 +504,7 @@
             <a:fld id="{7385B5F2-299D-41E4-81B4-55AECBC730DC}" type="datetimeFigureOut">
               <a:rPr lang="fr-FR" smtClean="0"/>
               <a:pPr/>
-              <a:t>24/01/2018</a:t>
+              <a:t>25/01/2018</a:t>
             </a:fld>
             <a:endParaRPr lang="fr-FR"/>
           </a:p>
@@ -671,7 +671,7 @@
             <a:fld id="{7385B5F2-299D-41E4-81B4-55AECBC730DC}" type="datetimeFigureOut">
               <a:rPr lang="fr-FR" smtClean="0"/>
               <a:pPr/>
-              <a:t>24/01/2018</a:t>
+              <a:t>25/01/2018</a:t>
             </a:fld>
             <a:endParaRPr lang="fr-FR"/>
           </a:p>
@@ -757,8 +757,8 @@
         </p:nvSpPr>
         <p:spPr>
           <a:xfrm>
-            <a:off x="6629400" y="274638"/>
-            <a:ext cx="2057400" cy="5851525"/>
+            <a:off x="6629400" y="228866"/>
+            <a:ext cx="2057400" cy="4876271"/>
           </a:xfrm>
         </p:spPr>
         <p:txBody>
@@ -785,8 +785,8 @@
         </p:nvSpPr>
         <p:spPr>
           <a:xfrm>
-            <a:off x="457200" y="274638"/>
-            <a:ext cx="6019800" cy="5851525"/>
+            <a:off x="457200" y="228866"/>
+            <a:ext cx="6019800" cy="4876271"/>
           </a:xfrm>
         </p:spPr>
         <p:txBody>
@@ -848,7 +848,7 @@
             <a:fld id="{7385B5F2-299D-41E4-81B4-55AECBC730DC}" type="datetimeFigureOut">
               <a:rPr lang="fr-FR" smtClean="0"/>
               <a:pPr/>
-              <a:t>24/01/2018</a:t>
+              <a:t>25/01/2018</a:t>
             </a:fld>
             <a:endParaRPr lang="fr-FR"/>
           </a:p>
@@ -1019,7 +1019,7 @@
             <a:fld id="{7385B5F2-299D-41E4-81B4-55AECBC730DC}" type="datetimeFigureOut">
               <a:rPr lang="fr-FR" smtClean="0"/>
               <a:pPr/>
-              <a:t>24/01/2018</a:t>
+              <a:t>25/01/2018</a:t>
             </a:fld>
             <a:endParaRPr lang="fr-FR"/>
           </a:p>
@@ -1073,6 +1073,13 @@
   <p:clrMapOvr>
     <a:masterClrMapping/>
   </p:clrMapOvr>
+  <p:timing>
+    <p:tnLst>
+      <p:par>
+        <p:cTn id="1" dur="indefinite" restart="never" nodeType="tmRoot"/>
+      </p:par>
+    </p:tnLst>
+  </p:timing>
 </p:sldLayout>
 </file>
 
@@ -1108,8 +1115,8 @@
         </p:nvSpPr>
         <p:spPr bwMode="auto">
           <a:xfrm>
-            <a:off x="0" y="4752126"/>
-            <a:ext cx="9144000" cy="2112962"/>
+            <a:off x="0" y="3960105"/>
+            <a:ext cx="9144000" cy="1760802"/>
           </a:xfrm>
           <a:custGeom>
             <a:avLst>
@@ -1205,8 +1212,8 @@
         </p:nvSpPr>
         <p:spPr bwMode="auto">
           <a:xfrm>
-            <a:off x="6105525" y="0"/>
-            <a:ext cx="3038475" cy="6858000"/>
+            <a:off x="6105527" y="0"/>
+            <a:ext cx="3038475" cy="5715000"/>
           </a:xfrm>
           <a:custGeom>
             <a:avLst/>
@@ -1306,8 +1313,8 @@
         </p:nvSpPr>
         <p:spPr>
           <a:xfrm>
-            <a:off x="685800" y="3583837"/>
-            <a:ext cx="6629400" cy="1826363"/>
+            <a:off x="685800" y="2986531"/>
+            <a:ext cx="6629400" cy="1521969"/>
           </a:xfrm>
         </p:spPr>
         <p:txBody>
@@ -1392,8 +1399,8 @@
         </p:nvSpPr>
         <p:spPr>
           <a:xfrm>
-            <a:off x="685800" y="2485800"/>
-            <a:ext cx="6629400" cy="1066688"/>
+            <a:off x="685800" y="2071500"/>
+            <a:ext cx="6629400" cy="888907"/>
           </a:xfrm>
         </p:spPr>
         <p:txBody>
@@ -1476,7 +1483,7 @@
             <a:fld id="{7385B5F2-299D-41E4-81B4-55AECBC730DC}" type="datetimeFigureOut">
               <a:rPr lang="fr-FR" smtClean="0"/>
               <a:pPr/>
-              <a:t>24/01/2018</a:t>
+              <a:t>25/01/2018</a:t>
             </a:fld>
             <a:endParaRPr lang="fr-FR"/>
           </a:p>
@@ -1562,8 +1569,8 @@
         </p:nvSpPr>
         <p:spPr>
           <a:xfrm>
-            <a:off x="457200" y="274638"/>
-            <a:ext cx="7467600" cy="1143000"/>
+            <a:off x="457200" y="228866"/>
+            <a:ext cx="7467600" cy="952500"/>
           </a:xfrm>
         </p:spPr>
         <p:txBody>
@@ -1590,8 +1597,8 @@
         </p:nvSpPr>
         <p:spPr>
           <a:xfrm>
-            <a:off x="457200" y="1600200"/>
-            <a:ext cx="3657600" cy="4525963"/>
+            <a:off x="457200" y="1333501"/>
+            <a:ext cx="3657600" cy="3771636"/>
           </a:xfrm>
         </p:spPr>
         <p:txBody>
@@ -1663,8 +1670,8 @@
         </p:nvSpPr>
         <p:spPr>
           <a:xfrm>
-            <a:off x="4267200" y="1600200"/>
-            <a:ext cx="3657600" cy="4525963"/>
+            <a:off x="4267200" y="1333501"/>
+            <a:ext cx="3657600" cy="3771636"/>
           </a:xfrm>
         </p:spPr>
         <p:txBody>
@@ -1742,7 +1749,7 @@
             <a:fld id="{7385B5F2-299D-41E4-81B4-55AECBC730DC}" type="datetimeFigureOut">
               <a:rPr lang="fr-FR" smtClean="0"/>
               <a:pPr/>
-              <a:t>24/01/2018</a:t>
+              <a:t>25/01/2018</a:t>
             </a:fld>
             <a:endParaRPr lang="fr-FR"/>
           </a:p>
@@ -1828,8 +1835,8 @@
         </p:nvSpPr>
         <p:spPr>
           <a:xfrm>
-            <a:off x="457200" y="273050"/>
-            <a:ext cx="8229600" cy="1143000"/>
+            <a:off x="457200" y="227542"/>
+            <a:ext cx="8229600" cy="952500"/>
           </a:xfrm>
         </p:spPr>
         <p:txBody>
@@ -1860,8 +1867,8 @@
         </p:nvSpPr>
         <p:spPr>
           <a:xfrm>
-            <a:off x="457200" y="5486400"/>
-            <a:ext cx="4040188" cy="838200"/>
+            <a:off x="457200" y="4572000"/>
+            <a:ext cx="4040188" cy="698500"/>
           </a:xfrm>
         </p:spPr>
         <p:txBody>
@@ -1913,8 +1920,8 @@
         </p:nvSpPr>
         <p:spPr>
           <a:xfrm>
-            <a:off x="4645025" y="5486400"/>
-            <a:ext cx="4041775" cy="838200"/>
+            <a:off x="4645027" y="4572000"/>
+            <a:ext cx="4041775" cy="698500"/>
           </a:xfrm>
         </p:spPr>
         <p:txBody>
@@ -1966,8 +1973,8 @@
         </p:nvSpPr>
         <p:spPr>
           <a:xfrm>
-            <a:off x="457200" y="1516912"/>
-            <a:ext cx="4040188" cy="3941763"/>
+            <a:off x="457200" y="1264095"/>
+            <a:ext cx="4040188" cy="3284802"/>
           </a:xfrm>
         </p:spPr>
         <p:txBody>
@@ -2039,8 +2046,8 @@
         </p:nvSpPr>
         <p:spPr>
           <a:xfrm>
-            <a:off x="4645025" y="1516912"/>
-            <a:ext cx="4041775" cy="3941763"/>
+            <a:off x="4645027" y="1264095"/>
+            <a:ext cx="4041775" cy="3284802"/>
           </a:xfrm>
         </p:spPr>
         <p:txBody>
@@ -2118,7 +2125,7 @@
             <a:fld id="{7385B5F2-299D-41E4-81B4-55AECBC730DC}" type="datetimeFigureOut">
               <a:rPr lang="fr-FR" smtClean="0"/>
               <a:pPr/>
-              <a:t>24/01/2018</a:t>
+              <a:t>25/01/2018</a:t>
             </a:fld>
             <a:endParaRPr lang="fr-FR"/>
           </a:p>
@@ -2204,8 +2211,8 @@
         </p:nvSpPr>
         <p:spPr>
           <a:xfrm>
-            <a:off x="457200" y="274320"/>
-            <a:ext cx="7470648" cy="1143000"/>
+            <a:off x="457200" y="228600"/>
+            <a:ext cx="7470648" cy="952500"/>
           </a:xfrm>
         </p:spPr>
         <p:txBody>
@@ -2242,7 +2249,7 @@
             <a:fld id="{7385B5F2-299D-41E4-81B4-55AECBC730DC}" type="datetimeFigureOut">
               <a:rPr lang="fr-FR" smtClean="0"/>
               <a:pPr/>
-              <a:t>24/01/2018</a:t>
+              <a:t>25/01/2018</a:t>
             </a:fld>
             <a:endParaRPr lang="fr-FR"/>
           </a:p>
@@ -2334,7 +2341,7 @@
             <a:fld id="{7385B5F2-299D-41E4-81B4-55AECBC730DC}" type="datetimeFigureOut">
               <a:rPr lang="fr-FR" smtClean="0"/>
               <a:pPr/>
-              <a:t>24/01/2018</a:t>
+              <a:t>25/01/2018</a:t>
             </a:fld>
             <a:endParaRPr lang="fr-FR"/>
           </a:p>
@@ -2420,8 +2427,8 @@
         </p:nvSpPr>
         <p:spPr>
           <a:xfrm>
-            <a:off x="457200" y="1185528"/>
-            <a:ext cx="3200400" cy="730250"/>
+            <a:off x="457200" y="987940"/>
+            <a:ext cx="3200400" cy="608542"/>
           </a:xfrm>
         </p:spPr>
         <p:txBody>
@@ -2457,8 +2464,8 @@
         </p:nvSpPr>
         <p:spPr>
           <a:xfrm>
-            <a:off x="457200" y="214424"/>
-            <a:ext cx="2743200" cy="914400"/>
+            <a:off x="457200" y="178687"/>
+            <a:ext cx="2743200" cy="762000"/>
           </a:xfrm>
         </p:spPr>
         <p:txBody>
@@ -2506,8 +2513,8 @@
         </p:nvSpPr>
         <p:spPr>
           <a:xfrm>
-            <a:off x="457200" y="1981200"/>
-            <a:ext cx="7086600" cy="3810000"/>
+            <a:off x="457200" y="1651000"/>
+            <a:ext cx="7086600" cy="3175000"/>
           </a:xfrm>
         </p:spPr>
         <p:txBody>
@@ -2585,7 +2592,7 @@
             <a:fld id="{7385B5F2-299D-41E4-81B4-55AECBC730DC}" type="datetimeFigureOut">
               <a:rPr lang="fr-FR" smtClean="0"/>
               <a:pPr/>
-              <a:t>24/01/2018</a:t>
+              <a:t>25/01/2018</a:t>
             </a:fld>
             <a:endParaRPr lang="fr-FR"/>
           </a:p>
@@ -2622,8 +2629,8 @@
         </p:nvSpPr>
         <p:spPr>
           <a:xfrm>
-            <a:off x="8156448" y="6422064"/>
-            <a:ext cx="762000" cy="365125"/>
+            <a:off x="8156448" y="5351720"/>
+            <a:ext cx="762000" cy="304271"/>
           </a:xfrm>
         </p:spPr>
         <p:txBody>
@@ -2676,8 +2683,8 @@
         </p:nvSpPr>
         <p:spPr>
           <a:xfrm>
-            <a:off x="5556732" y="1705709"/>
-            <a:ext cx="3053868" cy="1253808"/>
+            <a:off x="5556732" y="1421424"/>
+            <a:ext cx="3053868" cy="1044840"/>
           </a:xfrm>
         </p:spPr>
         <p:txBody>
@@ -2713,8 +2720,8 @@
         </p:nvSpPr>
         <p:spPr>
           <a:xfrm>
-            <a:off x="1065628" y="1019907"/>
-            <a:ext cx="4114800" cy="4114800"/>
+            <a:off x="1065628" y="849922"/>
+            <a:ext cx="4114800" cy="3429000"/>
           </a:xfrm>
           <a:prstGeom prst="ellipse">
             <a:avLst/>
@@ -2781,8 +2788,8 @@
         </p:nvSpPr>
         <p:spPr>
           <a:xfrm>
-            <a:off x="5556734" y="2998765"/>
-            <a:ext cx="3053866" cy="2663482"/>
+            <a:off x="5556734" y="2498971"/>
+            <a:ext cx="3053866" cy="2219569"/>
           </a:xfrm>
         </p:spPr>
         <p:txBody>
@@ -2835,8 +2842,8 @@
         </p:nvSpPr>
         <p:spPr>
           <a:xfrm>
-            <a:off x="457200" y="6422064"/>
-            <a:ext cx="2133600" cy="365125"/>
+            <a:off x="457200" y="5351720"/>
+            <a:ext cx="2133600" cy="304271"/>
           </a:xfrm>
         </p:spPr>
         <p:txBody>
@@ -2846,7 +2853,7 @@
             <a:fld id="{7385B5F2-299D-41E4-81B4-55AECBC730DC}" type="datetimeFigureOut">
               <a:rPr lang="fr-FR" smtClean="0"/>
               <a:pPr/>
-              <a:t>24/01/2018</a:t>
+              <a:t>25/01/2018</a:t>
             </a:fld>
             <a:endParaRPr lang="fr-FR"/>
           </a:p>
@@ -2935,8 +2942,8 @@
         </p:nvSpPr>
         <p:spPr bwMode="auto">
           <a:xfrm>
-            <a:off x="0" y="4752126"/>
-            <a:ext cx="9144000" cy="2112962"/>
+            <a:off x="0" y="3960105"/>
+            <a:ext cx="9144000" cy="1760802"/>
           </a:xfrm>
           <a:custGeom>
             <a:avLst>
@@ -3033,7 +3040,7 @@
         <p:spPr bwMode="auto">
           <a:xfrm>
             <a:off x="7315200" y="0"/>
-            <a:ext cx="1828800" cy="6858000"/>
+            <a:ext cx="1828800" cy="5715000"/>
           </a:xfrm>
           <a:custGeom>
             <a:avLst/>
@@ -3133,8 +3140,8 @@
         </p:nvSpPr>
         <p:spPr>
           <a:xfrm>
-            <a:off x="457200" y="274638"/>
-            <a:ext cx="7467600" cy="1143000"/>
+            <a:off x="457200" y="228866"/>
+            <a:ext cx="7467600" cy="952500"/>
           </a:xfrm>
           <a:prstGeom prst="rect">
             <a:avLst/>
@@ -3166,8 +3173,8 @@
         </p:nvSpPr>
         <p:spPr>
           <a:xfrm>
-            <a:off x="457200" y="1600200"/>
-            <a:ext cx="7467600" cy="4525963"/>
+            <a:off x="457200" y="1333501"/>
+            <a:ext cx="7467600" cy="3771636"/>
           </a:xfrm>
           <a:prstGeom prst="rect">
             <a:avLst/>
@@ -3228,8 +3235,8 @@
         </p:nvSpPr>
         <p:spPr>
           <a:xfrm>
-            <a:off x="457200" y="6422064"/>
-            <a:ext cx="2133600" cy="365125"/>
+            <a:off x="457200" y="5351720"/>
+            <a:ext cx="2133600" cy="304271"/>
           </a:xfrm>
           <a:prstGeom prst="rect">
             <a:avLst/>
@@ -3252,7 +3259,7 @@
             <a:fld id="{7385B5F2-299D-41E4-81B4-55AECBC730DC}" type="datetimeFigureOut">
               <a:rPr lang="fr-FR" smtClean="0"/>
               <a:pPr/>
-              <a:t>24/01/2018</a:t>
+              <a:t>25/01/2018</a:t>
             </a:fld>
             <a:endParaRPr lang="fr-FR"/>
           </a:p>
@@ -3270,8 +3277,8 @@
         </p:nvSpPr>
         <p:spPr>
           <a:xfrm>
-            <a:off x="3124200" y="6422064"/>
-            <a:ext cx="2895600" cy="365125"/>
+            <a:off x="3124200" y="5351720"/>
+            <a:ext cx="2895600" cy="304271"/>
           </a:xfrm>
           <a:prstGeom prst="rect">
             <a:avLst/>
@@ -3307,8 +3314,8 @@
         </p:nvSpPr>
         <p:spPr>
           <a:xfrm>
-            <a:off x="8153400" y="6422064"/>
-            <a:ext cx="762000" cy="365125"/>
+            <a:off x="8153400" y="5351720"/>
+            <a:ext cx="762000" cy="304271"/>
           </a:xfrm>
           <a:prstGeom prst="rect">
             <a:avLst/>
@@ -3704,6 +3711,13 @@
   <p:clrMapOvr>
     <a:masterClrMapping/>
   </p:clrMapOvr>
+  <p:timing>
+    <p:tnLst>
+      <p:par>
+        <p:cTn id="1" dur="indefinite" restart="never" nodeType="tmRoot"/>
+      </p:par>
+    </p:tnLst>
+  </p:timing>
 </p:sld>
 </file>
 
@@ -3726,25 +3740,30 @@
       </p:grpSpPr>
       <p:sp>
         <p:nvSpPr>
-          <p:cNvPr id="2" name="Titre 1"/>
-          <p:cNvSpPr>
-            <a:spLocks noGrp="1"/>
-          </p:cNvSpPr>
-          <p:nvPr>
-            <p:ph type="title"/>
-          </p:nvPr>
-        </p:nvSpPr>
-        <p:spPr/>
-        <p:txBody>
-          <a:bodyPr/>
+          <p:cNvPr id="4" name="ZoneTexte 3"/>
+          <p:cNvSpPr txBox="1"/>
+          <p:nvPr/>
+        </p:nvSpPr>
+        <p:spPr>
+          <a:xfrm>
+            <a:off x="142844" y="71418"/>
+            <a:ext cx="4105611" cy="461665"/>
+          </a:xfrm>
+          <a:prstGeom prst="rect">
+            <a:avLst/>
+          </a:prstGeom>
+          <a:noFill/>
+        </p:spPr>
+        <p:txBody>
+          <a:bodyPr wrap="none" rtlCol="0">
+            <a:spAutoFit/>
+          </a:bodyPr>
           <a:lstStyle/>
           <a:p>
             <a:r>
-              <a:rPr lang="fr-FR" dirty="0" smtClean="0">
+              <a:rPr lang="fr-FR" sz="2400" dirty="0" smtClean="0">
                 <a:ln w="18415" cmpd="sng">
-                  <a:solidFill>
-                    <a:srgbClr val="FFFFFF"/>
-                  </a:solidFill>
+                  <a:noFill/>
                   <a:prstDash val="solid"/>
                 </a:ln>
                 <a:solidFill>
@@ -3758,15 +3777,30 @@
                   </a:outerShdw>
                 </a:effectLst>
               </a:rPr>
-              <a:t>Scénario d’application</a:t>
-            </a:r>
-            <a:endParaRPr lang="fr-FR" dirty="0"/>
+              <a:t>Diagramme séquence web : </a:t>
+            </a:r>
+            <a:endParaRPr lang="fr-FR" sz="2400" dirty="0">
+              <a:ln w="18415" cmpd="sng">
+                <a:noFill/>
+                <a:prstDash val="solid"/>
+              </a:ln>
+              <a:solidFill>
+                <a:srgbClr val="FFFFFF"/>
+              </a:solidFill>
+              <a:effectLst>
+                <a:outerShdw blurRad="63500" dir="3600000" algn="tl" rotWithShape="0">
+                  <a:srgbClr val="000000">
+                    <a:alpha val="70000"/>
+                  </a:srgbClr>
+                </a:outerShdw>
+              </a:effectLst>
+            </a:endParaRPr>
           </a:p>
         </p:txBody>
       </p:sp>
       <p:pic>
         <p:nvPicPr>
-          <p:cNvPr id="3074" name="Picture 2"/>
+          <p:cNvPr id="1026" name="Picture 2"/>
           <p:cNvPicPr>
             <a:picLocks noChangeAspect="1" noChangeArrowheads="1"/>
           </p:cNvPicPr>
@@ -3781,8 +3815,8 @@
         </p:blipFill>
         <p:spPr bwMode="auto">
           <a:xfrm>
-            <a:off x="1002028" y="2071678"/>
-            <a:ext cx="7139944" cy="3338520"/>
+            <a:off x="1182227" y="571484"/>
+            <a:ext cx="6779546" cy="5081692"/>
           </a:xfrm>
           <a:prstGeom prst="rect">
             <a:avLst/>
@@ -3808,6 +3842,13 @@
   <p:clrMapOvr>
     <a:masterClrMapping/>
   </p:clrMapOvr>
+  <p:timing>
+    <p:tnLst>
+      <p:par>
+        <p:cTn id="1" dur="indefinite" restart="never" nodeType="tmRoot"/>
+      </p:par>
+    </p:tnLst>
+  </p:timing>
 </p:sld>
 </file>
 
@@ -3830,25 +3871,30 @@
       </p:grpSpPr>
       <p:sp>
         <p:nvSpPr>
-          <p:cNvPr id="2" name="Titre 1"/>
-          <p:cNvSpPr>
-            <a:spLocks noGrp="1"/>
-          </p:cNvSpPr>
-          <p:nvPr>
-            <p:ph type="title"/>
-          </p:nvPr>
-        </p:nvSpPr>
-        <p:spPr/>
-        <p:txBody>
-          <a:bodyPr/>
+          <p:cNvPr id="4" name="ZoneTexte 3"/>
+          <p:cNvSpPr txBox="1"/>
+          <p:nvPr/>
+        </p:nvSpPr>
+        <p:spPr>
+          <a:xfrm>
+            <a:off x="71406" y="71418"/>
+            <a:ext cx="4618572" cy="461665"/>
+          </a:xfrm>
+          <a:prstGeom prst="rect">
+            <a:avLst/>
+          </a:prstGeom>
+          <a:noFill/>
+        </p:spPr>
+        <p:txBody>
+          <a:bodyPr wrap="none" rtlCol="0">
+            <a:spAutoFit/>
+          </a:bodyPr>
           <a:lstStyle/>
           <a:p>
             <a:r>
-              <a:rPr lang="fr-FR" dirty="0" smtClean="0">
+              <a:rPr lang="fr-FR" sz="2400" dirty="0" smtClean="0">
                 <a:ln w="18415" cmpd="sng">
-                  <a:solidFill>
-                    <a:srgbClr val="FFFFFF"/>
-                  </a:solidFill>
+                  <a:noFill/>
                   <a:prstDash val="solid"/>
                 </a:ln>
                 <a:solidFill>
@@ -3862,13 +3908,11 @@
                   </a:outerShdw>
                 </a:effectLst>
               </a:rPr>
-              <a:t>Scénario centrale de gestion</a:t>
-            </a:r>
-            <a:endParaRPr lang="fr-FR" dirty="0">
+              <a:t>Diagramme séquence sécurité : </a:t>
+            </a:r>
+            <a:endParaRPr lang="fr-FR" sz="2400" dirty="0">
               <a:ln w="18415" cmpd="sng">
-                <a:solidFill>
-                  <a:srgbClr val="FFFFFF"/>
-                </a:solidFill>
+                <a:noFill/>
                 <a:prstDash val="solid"/>
               </a:ln>
               <a:solidFill>
@@ -3887,7 +3931,7 @@
       </p:sp>
       <p:pic>
         <p:nvPicPr>
-          <p:cNvPr id="4099" name="Picture 3"/>
+          <p:cNvPr id="3074" name="Picture 2"/>
           <p:cNvPicPr>
             <a:picLocks noChangeAspect="1" noChangeArrowheads="1"/>
           </p:cNvPicPr>
@@ -3902,8 +3946,8 @@
         </p:blipFill>
         <p:spPr bwMode="auto">
           <a:xfrm>
-            <a:off x="1157280" y="2357430"/>
-            <a:ext cx="6829440" cy="2837054"/>
+            <a:off x="1666981" y="571484"/>
+            <a:ext cx="5810038" cy="5060965"/>
           </a:xfrm>
           <a:prstGeom prst="rect">
             <a:avLst/>
@@ -3929,6 +3973,13 @@
   <p:clrMapOvr>
     <a:masterClrMapping/>
   </p:clrMapOvr>
+  <p:timing>
+    <p:tnLst>
+      <p:par>
+        <p:cTn id="1" dur="indefinite" restart="never" nodeType="tmRoot"/>
+      </p:par>
+    </p:tnLst>
+  </p:timing>
 </p:sld>
 </file>
 
@@ -4014,8 +4065,8 @@
         </p:nvSpPr>
         <p:spPr>
           <a:xfrm>
-            <a:off x="892943" y="2214554"/>
-            <a:ext cx="7358114" cy="3416320"/>
+            <a:off x="500034" y="1142988"/>
+            <a:ext cx="7358114" cy="4308872"/>
           </a:xfrm>
           <a:prstGeom prst="rect">
             <a:avLst/>
@@ -4032,16 +4083,6 @@
               <a:buFont typeface="Wingdings" pitchFamily="2" charset="2"/>
               <a:buChar char="v"/>
             </a:pPr>
-            <a:r>
-              <a:rPr lang="fr-FR" sz="2400" dirty="0" smtClean="0">
-                <a:ln>
-                  <a:solidFill>
-                    <a:schemeClr val="bg2"/>
-                  </a:solidFill>
-                </a:ln>
-              </a:rPr>
-              <a:t>$</a:t>
-            </a:r>
             <a:r>
               <a:rPr lang="fr-FR" sz="2400" dirty="0" err="1" smtClean="0">
                 <a:ln>
@@ -4080,7 +4121,7 @@
                   </a:solidFill>
                 </a:ln>
               </a:rPr>
-              <a:t>)				5sec</a:t>
+              <a:t>)				3sec</a:t>
             </a:r>
           </a:p>
           <a:p>
@@ -4096,7 +4137,7 @@
                   </a:solidFill>
                 </a:ln>
               </a:rPr>
-              <a:t>$rad(</a:t>
+              <a:t>rad(</a:t>
             </a:r>
             <a:r>
               <a:rPr lang="fr-FR" sz="2400" dirty="0" err="1" smtClean="0">
@@ -4116,7 +4157,7 @@
                   </a:solidFill>
                 </a:ln>
               </a:rPr>
-              <a:t>)				5sec</a:t>
+              <a:t>)				3sec</a:t>
             </a:r>
           </a:p>
           <a:p>
@@ -4132,7 +4173,7 @@
                   </a:solidFill>
                 </a:ln>
               </a:rPr>
-              <a:t>$vol(</a:t>
+              <a:t>vol(</a:t>
             </a:r>
             <a:r>
               <a:rPr lang="fr-FR" sz="2400" dirty="0" err="1" smtClean="0">
@@ -4152,7 +4193,7 @@
                   </a:solidFill>
                 </a:ln>
               </a:rPr>
-              <a:t>)				5sec</a:t>
+              <a:t>)				3sec</a:t>
             </a:r>
           </a:p>
           <a:p>
@@ -4168,14 +4209,8 @@
                   </a:solidFill>
                 </a:ln>
               </a:rPr>
-              <a:t>$lux(lux)				10sec</a:t>
-            </a:r>
-          </a:p>
-          <a:p>
-            <a:pPr>
-              <a:buFont typeface="Wingdings" pitchFamily="2" charset="2"/>
-              <a:buChar char="v"/>
-            </a:pPr>
+              <a:t>lux(lux</a:t>
+            </a:r>
             <a:r>
               <a:rPr lang="fr-FR" sz="2400" dirty="0" smtClean="0">
                 <a:ln>
@@ -4184,7 +4219,7 @@
                   </a:solidFill>
                 </a:ln>
               </a:rPr>
-              <a:t>$tem(c°) 				5sec</a:t>
+              <a:t>)				3sec</a:t>
             </a:r>
           </a:p>
           <a:p>
@@ -4200,14 +4235,8 @@
                   </a:solidFill>
                 </a:ln>
               </a:rPr>
-              <a:t>$hum(%) 				5sec</a:t>
-            </a:r>
-          </a:p>
-          <a:p>
-            <a:pPr>
-              <a:buFont typeface="Wingdings" pitchFamily="2" charset="2"/>
-              <a:buChar char="v"/>
-            </a:pPr>
+              <a:t>tem(c</a:t>
+            </a:r>
             <a:r>
               <a:rPr lang="fr-FR" sz="2400" dirty="0" smtClean="0">
                 <a:ln>
@@ -4216,7 +4245,7 @@
                   </a:solidFill>
                 </a:ln>
               </a:rPr>
-              <a:t>$con(w)			(impulsion du compteur)</a:t>
+              <a:t>°) 				3sec</a:t>
             </a:r>
           </a:p>
           <a:p>
@@ -4232,14 +4261,8 @@
                   </a:solidFill>
                 </a:ln>
               </a:rPr>
-              <a:t>$air(1-10) 				10sec</a:t>
-            </a:r>
-          </a:p>
-          <a:p>
-            <a:pPr>
-              <a:buFont typeface="Wingdings" pitchFamily="2" charset="2"/>
-              <a:buChar char="v"/>
-            </a:pPr>
+              <a:t>hum</a:t>
+            </a:r>
             <a:r>
               <a:rPr lang="fr-FR" sz="2400" dirty="0" smtClean="0">
                 <a:ln>
@@ -4248,18 +4271,14 @@
                   </a:solidFill>
                 </a:ln>
               </a:rPr>
-              <a:t>$heu(</a:t>
-            </a:r>
-            <a:r>
-              <a:rPr lang="fr-FR" sz="2400" dirty="0" err="1" smtClean="0">
-                <a:ln>
-                  <a:solidFill>
-                    <a:schemeClr val="bg2"/>
-                  </a:solidFill>
-                </a:ln>
-              </a:rPr>
-              <a:t>hh</a:t>
-            </a:r>
+              <a:t>(%) 				3sec</a:t>
+            </a:r>
+          </a:p>
+          <a:p>
+            <a:pPr>
+              <a:buFont typeface="Wingdings" pitchFamily="2" charset="2"/>
+              <a:buChar char="v"/>
+            </a:pPr>
             <a:r>
               <a:rPr lang="fr-FR" sz="2400" dirty="0" smtClean="0">
                 <a:ln>
@@ -4268,7 +4287,96 @@
                   </a:solidFill>
                 </a:ln>
               </a:rPr>
-              <a:t>/mm/</a:t>
+              <a:t>air(1-10</a:t>
+            </a:r>
+            <a:r>
+              <a:rPr lang="fr-FR" sz="2400" dirty="0" smtClean="0">
+                <a:ln>
+                  <a:solidFill>
+                    <a:schemeClr val="bg2"/>
+                  </a:solidFill>
+                </a:ln>
+              </a:rPr>
+              <a:t>) 				3sec</a:t>
+            </a:r>
+          </a:p>
+          <a:p>
+            <a:pPr>
+              <a:buFont typeface="Wingdings" pitchFamily="2" charset="2"/>
+              <a:buChar char="v"/>
+            </a:pPr>
+            <a:r>
+              <a:rPr lang="fr-FR" sz="2400" dirty="0" smtClean="0">
+                <a:ln>
+                  <a:solidFill>
+                    <a:schemeClr val="bg2"/>
+                  </a:solidFill>
+                </a:ln>
+              </a:rPr>
+              <a:t>con(w</a:t>
+            </a:r>
+            <a:r>
+              <a:rPr lang="fr-FR" sz="2400" dirty="0" smtClean="0">
+                <a:ln>
+                  <a:solidFill>
+                    <a:schemeClr val="bg2"/>
+                  </a:solidFill>
+                </a:ln>
+              </a:rPr>
+              <a:t>)			</a:t>
+            </a:r>
+            <a:r>
+              <a:rPr lang="fr-FR" sz="2400" dirty="0" smtClean="0">
+                <a:ln>
+                  <a:solidFill>
+                    <a:schemeClr val="bg2"/>
+                  </a:solidFill>
+                </a:ln>
+              </a:rPr>
+              <a:t>impulsion </a:t>
+            </a:r>
+            <a:r>
+              <a:rPr lang="fr-FR" sz="2400" dirty="0" smtClean="0">
+                <a:ln>
+                  <a:solidFill>
+                    <a:schemeClr val="bg2"/>
+                  </a:solidFill>
+                </a:ln>
+              </a:rPr>
+              <a:t>du </a:t>
+            </a:r>
+            <a:r>
+              <a:rPr lang="fr-FR" sz="2400" dirty="0" smtClean="0">
+                <a:ln>
+                  <a:solidFill>
+                    <a:schemeClr val="bg2"/>
+                  </a:solidFill>
+                </a:ln>
+              </a:rPr>
+              <a:t>compteur</a:t>
+            </a:r>
+            <a:endParaRPr lang="fr-FR" sz="2400" dirty="0" smtClean="0">
+              <a:ln>
+                <a:solidFill>
+                  <a:schemeClr val="bg2"/>
+                </a:solidFill>
+              </a:ln>
+            </a:endParaRPr>
+          </a:p>
+          <a:p>
+            <a:pPr>
+              <a:buFont typeface="Wingdings" pitchFamily="2" charset="2"/>
+              <a:buChar char="v"/>
+            </a:pPr>
+            <a:r>
+              <a:rPr lang="fr-FR" sz="2400" dirty="0" smtClean="0">
+                <a:ln>
+                  <a:solidFill>
+                    <a:schemeClr val="bg2"/>
+                  </a:solidFill>
+                </a:ln>
+              </a:rPr>
+              <a:t>heu(</a:t>
             </a:r>
             <a:r>
               <a:rPr lang="fr-FR" sz="2400" dirty="0" err="1" smtClean="0">
@@ -4288,19 +4396,104 @@
                   </a:solidFill>
                 </a:ln>
               </a:rPr>
-              <a:t>)		(impulsion du compteur</a:t>
-            </a:r>
-            <a:r>
-              <a:rPr lang="fr-FR" dirty="0" smtClean="0">
+              <a:t>)	</a:t>
+            </a:r>
+            <a:r>
+              <a:rPr lang="fr-FR" sz="2400" dirty="0" smtClean="0">
                 <a:ln>
                   <a:solidFill>
                     <a:schemeClr val="bg2"/>
                   </a:solidFill>
                 </a:ln>
               </a:rPr>
-              <a:t>)</a:t>
-            </a:r>
-            <a:endParaRPr lang="fr-FR" dirty="0">
+              <a:t>		</a:t>
+            </a:r>
+            <a:r>
+              <a:rPr lang="fr-FR" sz="2400" dirty="0" smtClean="0">
+                <a:ln>
+                  <a:solidFill>
+                    <a:schemeClr val="bg2"/>
+                  </a:solidFill>
+                </a:ln>
+              </a:rPr>
+              <a:t>impulsion </a:t>
+            </a:r>
+            <a:r>
+              <a:rPr lang="fr-FR" sz="2400" dirty="0" smtClean="0">
+                <a:ln>
+                  <a:solidFill>
+                    <a:schemeClr val="bg2"/>
+                  </a:solidFill>
+                </a:ln>
+              </a:rPr>
+              <a:t>du </a:t>
+            </a:r>
+            <a:r>
+              <a:rPr lang="fr-FR" sz="2400" dirty="0" smtClean="0">
+                <a:ln>
+                  <a:solidFill>
+                    <a:schemeClr val="bg2"/>
+                  </a:solidFill>
+                </a:ln>
+              </a:rPr>
+              <a:t>compteur</a:t>
+            </a:r>
+            <a:endParaRPr lang="fr-FR" dirty="0" smtClean="0">
+              <a:ln>
+                <a:solidFill>
+                  <a:schemeClr val="bg2"/>
+                </a:solidFill>
+              </a:ln>
+            </a:endParaRPr>
+          </a:p>
+          <a:p>
+            <a:pPr>
+              <a:buFont typeface="Wingdings" pitchFamily="2" charset="2"/>
+              <a:buChar char="v"/>
+            </a:pPr>
+            <a:endParaRPr lang="fr-FR" dirty="0" smtClean="0">
+              <a:ln>
+                <a:solidFill>
+                  <a:schemeClr val="bg2"/>
+                </a:solidFill>
+              </a:ln>
+            </a:endParaRPr>
+          </a:p>
+          <a:p>
+            <a:pPr>
+              <a:buFont typeface="Wingdings" pitchFamily="2" charset="2"/>
+              <a:buChar char="v"/>
+            </a:pPr>
+            <a:endParaRPr lang="fr-FR" sz="2000" b="1" dirty="0" smtClean="0">
+              <a:ln>
+                <a:solidFill>
+                  <a:schemeClr val="bg2"/>
+                </a:solidFill>
+              </a:ln>
+            </a:endParaRPr>
+          </a:p>
+          <a:p>
+            <a:r>
+              <a:rPr lang="fr-FR" sz="2000" b="1" dirty="0" smtClean="0">
+                <a:ln>
+                  <a:solidFill>
+                    <a:schemeClr val="bg2"/>
+                  </a:solidFill>
+                </a:ln>
+              </a:rPr>
+              <a:t>Exemple de trame  : $</a:t>
+            </a:r>
+            <a:r>
+              <a:rPr lang="fr-FR" sz="2000" b="1" dirty="0" smtClean="0">
+                <a:ln>
+                  <a:solidFill>
+                    <a:schemeClr val="bg2"/>
+                  </a:solidFill>
+                </a:ln>
+              </a:rPr>
+              <a:t>lum0,lux121,tem20,air5,heu86400;</a:t>
+            </a:r>
+            <a:endParaRPr lang="fr-FR" sz="2000" b="1" dirty="0" smtClean="0">
               <a:ln>
                 <a:solidFill>
                   <a:schemeClr val="bg2"/>
@@ -4327,8 +4520,8 @@
         </p:blipFill>
         <p:spPr bwMode="auto">
           <a:xfrm>
-            <a:off x="6858016" y="785794"/>
-            <a:ext cx="1071570" cy="1636765"/>
+            <a:off x="6858016" y="654829"/>
+            <a:ext cx="1071570" cy="1363971"/>
           </a:xfrm>
           <a:prstGeom prst="rect">
             <a:avLst/>
@@ -4341,6 +4534,13 @@
   <p:clrMapOvr>
     <a:masterClrMapping/>
   </p:clrMapOvr>
+  <p:timing>
+    <p:tnLst>
+      <p:par>
+        <p:cTn id="1" dur="indefinite" restart="never" nodeType="tmRoot"/>
+      </p:par>
+    </p:tnLst>
+  </p:timing>
 </p:sld>
 </file>
 
@@ -4371,16 +4571,55 @@
             <p:ph type="title"/>
           </p:nvPr>
         </p:nvSpPr>
-        <p:spPr/>
+        <p:spPr>
+          <a:xfrm>
+            <a:off x="428596" y="142856"/>
+            <a:ext cx="7467600" cy="952500"/>
+          </a:xfrm>
+        </p:spPr>
         <p:txBody>
           <a:bodyPr/>
           <a:lstStyle/>
           <a:p>
             <a:r>
-              <a:rPr lang="fr-FR" dirty="0" smtClean="0"/>
+              <a:rPr lang="fr-FR" dirty="0" smtClean="0">
+                <a:ln w="18415" cmpd="sng">
+                  <a:solidFill>
+                    <a:srgbClr val="FFFFFF"/>
+                  </a:solidFill>
+                  <a:prstDash val="solid"/>
+                </a:ln>
+                <a:solidFill>
+                  <a:srgbClr val="FFFFFF"/>
+                </a:solidFill>
+                <a:effectLst>
+                  <a:outerShdw blurRad="63500" dir="3600000" algn="tl" rotWithShape="0">
+                    <a:srgbClr val="000000">
+                      <a:alpha val="70000"/>
+                    </a:srgbClr>
+                  </a:outerShdw>
+                </a:effectLst>
+              </a:rPr>
               <a:t>Schéma de l’application </a:t>
             </a:r>
-            <a:endParaRPr lang="fr-FR" dirty="0"/>
+            <a:endParaRPr lang="fr-FR" dirty="0">
+              <a:ln w="18415" cmpd="sng">
+                <a:solidFill>
+                  <a:srgbClr val="FFFFFF"/>
+                </a:solidFill>
+                <a:prstDash val="solid"/>
+              </a:ln>
+              <a:solidFill>
+                <a:srgbClr val="FFFFFF"/>
+              </a:solidFill>
+              <a:effectLst>
+                <a:outerShdw blurRad="63500" dir="3600000" algn="tl" rotWithShape="0">
+                  <a:srgbClr val="000000">
+                    <a:alpha val="70000"/>
+                  </a:srgbClr>
+                </a:outerShdw>
+              </a:effectLst>
+            </a:endParaRPr>
           </a:p>
         </p:txBody>
       </p:sp>
@@ -4400,8 +4639,8 @@
         </p:blipFill>
         <p:spPr>
           <a:xfrm>
-            <a:off x="1643042" y="1428736"/>
-            <a:ext cx="5843599" cy="4770285"/>
+            <a:off x="1154587" y="1012018"/>
+            <a:ext cx="6834831" cy="4649546"/>
           </a:xfrm>
           <a:prstGeom prst="rect">
             <a:avLst/>
@@ -4413,6 +4652,13 @@
   <p:clrMapOvr>
     <a:masterClrMapping/>
   </p:clrMapOvr>
+  <p:timing>
+    <p:tnLst>
+      <p:par>
+        <p:cTn id="1" dur="indefinite" restart="never" nodeType="tmRoot"/>
+      </p:par>
+    </p:tnLst>
+  </p:timing>
 </p:sld>
 </file>
 
@@ -4445,7 +4691,9 @@
         </p:nvSpPr>
         <p:spPr/>
         <p:txBody>
-          <a:bodyPr/>
+          <a:bodyPr>
+            <a:normAutofit fontScale="90000"/>
+          </a:bodyPr>
           <a:lstStyle/>
           <a:p>
             <a:r>
@@ -4467,7 +4715,7 @@
                   </a:outerShdw>
                 </a:effectLst>
               </a:rPr>
-              <a:t>Cahier des charges </a:t>
+              <a:t>Cahier des charges : La maison du Future </a:t>
             </a:r>
             <a:endParaRPr lang="fr-FR" dirty="0">
               <a:ln w="18415" cmpd="sng">
@@ -4508,8 +4756,8 @@
         </p:blipFill>
         <p:spPr>
           <a:xfrm>
-            <a:off x="4714876" y="1643050"/>
-            <a:ext cx="3009003" cy="1643074"/>
+            <a:off x="4714878" y="1369208"/>
+            <a:ext cx="3009003" cy="1369229"/>
           </a:xfrm>
           <a:prstGeom prst="rect">
             <a:avLst/>
@@ -4538,7 +4786,7 @@
         </p:nvSpPr>
         <p:spPr>
           <a:xfrm>
-            <a:off x="214282" y="1714488"/>
+            <a:off x="214282" y="1428740"/>
             <a:ext cx="4500594" cy="1631216"/>
           </a:xfrm>
           <a:prstGeom prst="rect">
@@ -4553,6 +4801,92 @@
           <a:lstStyle/>
           <a:p>
             <a:r>
+              <a:rPr lang="fr-FR" sz="2000" dirty="0" smtClean="0"/>
+              <a:t> Les différents aspect </a:t>
+            </a:r>
+            <a:r>
+              <a:rPr lang="fr-FR" sz="2000" dirty="0"/>
+              <a:t>à</a:t>
+            </a:r>
+            <a:r>
+              <a:rPr lang="fr-FR" sz="2000" dirty="0" smtClean="0"/>
+              <a:t> traiter :  </a:t>
+            </a:r>
+          </a:p>
+          <a:p>
+            <a:pPr lvl="1">
+              <a:buFont typeface="Wingdings" pitchFamily="2" charset="2"/>
+              <a:buChar char="v"/>
+            </a:pPr>
+            <a:r>
+              <a:rPr lang="fr-FR" sz="2000" dirty="0" smtClean="0"/>
+              <a:t> Aspect confort</a:t>
+            </a:r>
+          </a:p>
+          <a:p>
+            <a:pPr lvl="1">
+              <a:buFont typeface="Wingdings" pitchFamily="2" charset="2"/>
+              <a:buChar char="v"/>
+            </a:pPr>
+            <a:r>
+              <a:rPr lang="fr-FR" sz="2000" dirty="0" smtClean="0"/>
+              <a:t> Aspect sécurité</a:t>
+            </a:r>
+          </a:p>
+          <a:p>
+            <a:pPr lvl="1">
+              <a:buFont typeface="Wingdings" pitchFamily="2" charset="2"/>
+              <a:buChar char="v"/>
+            </a:pPr>
+            <a:r>
+              <a:rPr lang="fr-FR" sz="2000" dirty="0"/>
+              <a:t> </a:t>
+            </a:r>
+            <a:r>
+              <a:rPr lang="fr-FR" sz="2000" dirty="0" smtClean="0"/>
+              <a:t>Aspect énergie</a:t>
+            </a:r>
+          </a:p>
+          <a:p>
+            <a:pPr lvl="1">
+              <a:buFont typeface="Wingdings" pitchFamily="2" charset="2"/>
+              <a:buChar char="v"/>
+            </a:pPr>
+            <a:r>
+              <a:rPr lang="fr-FR" sz="2000" dirty="0"/>
+              <a:t> </a:t>
+            </a:r>
+            <a:r>
+              <a:rPr lang="fr-FR" sz="2000" dirty="0" smtClean="0"/>
+              <a:t>Aspect gestion des ouvrants  </a:t>
+            </a:r>
+            <a:endParaRPr lang="fr-FR" sz="2000" dirty="0"/>
+          </a:p>
+        </p:txBody>
+      </p:sp>
+      <p:sp>
+        <p:nvSpPr>
+          <p:cNvPr id="6" name="ZoneTexte 5"/>
+          <p:cNvSpPr txBox="1"/>
+          <p:nvPr/>
+        </p:nvSpPr>
+        <p:spPr>
+          <a:xfrm>
+            <a:off x="4572002" y="3274223"/>
+            <a:ext cx="3922869" cy="1323439"/>
+          </a:xfrm>
+          <a:prstGeom prst="rect">
+            <a:avLst/>
+          </a:prstGeom>
+          <a:noFill/>
+        </p:spPr>
+        <p:txBody>
+          <a:bodyPr wrap="none" rtlCol="0">
+            <a:spAutoFit/>
+          </a:bodyPr>
+          <a:lstStyle/>
+          <a:p>
+            <a:r>
               <a:rPr lang="fr-FR" sz="2000" dirty="0" smtClean="0">
                 <a:ln>
                   <a:solidFill>
@@ -4560,27 +4894,19 @@
                   </a:solidFill>
                 </a:ln>
               </a:rPr>
-              <a:t> Les différents aspect </a:t>
-            </a:r>
-            <a:r>
-              <a:rPr lang="fr-FR" sz="2000" dirty="0">
-                <a:ln>
-                  <a:solidFill>
-                    <a:schemeClr val="bg2"/>
-                  </a:solidFill>
-                </a:ln>
-              </a:rPr>
-              <a:t>à</a:t>
-            </a:r>
-            <a:r>
-              <a:rPr lang="fr-FR" sz="2000" dirty="0" smtClean="0">
-                <a:ln>
-                  <a:solidFill>
-                    <a:schemeClr val="bg2"/>
-                  </a:solidFill>
-                </a:ln>
-              </a:rPr>
-              <a:t> traiter :  </a:t>
+              <a:t> </a:t>
+            </a:r>
+            <a:r>
+              <a:rPr lang="fr-FR" sz="2000" dirty="0" smtClean="0"/>
+              <a:t>Les 3 </a:t>
+            </a:r>
+            <a:r>
+              <a:rPr lang="fr-FR" sz="2000" dirty="0" smtClean="0"/>
+              <a:t>parties </a:t>
+            </a:r>
+            <a:r>
+              <a:rPr lang="fr-FR" sz="2000" dirty="0" smtClean="0"/>
+              <a:t>principale :</a:t>
             </a:r>
           </a:p>
           <a:p>
@@ -4589,14 +4915,8 @@
               <a:buChar char="v"/>
             </a:pPr>
             <a:r>
-              <a:rPr lang="fr-FR" sz="2000" dirty="0" smtClean="0">
-                <a:ln>
-                  <a:solidFill>
-                    <a:schemeClr val="bg2"/>
-                  </a:solidFill>
-                </a:ln>
-              </a:rPr>
-              <a:t> Aspect confort</a:t>
+              <a:rPr lang="fr-FR" sz="2000" dirty="0" smtClean="0"/>
+              <a:t> Partie centrale de gestion </a:t>
             </a:r>
           </a:p>
           <a:p>
@@ -4605,14 +4925,8 @@
               <a:buChar char="v"/>
             </a:pPr>
             <a:r>
-              <a:rPr lang="fr-FR" sz="2000" dirty="0" smtClean="0">
-                <a:ln>
-                  <a:solidFill>
-                    <a:schemeClr val="bg2"/>
-                  </a:solidFill>
-                </a:ln>
-              </a:rPr>
-              <a:t> Aspect sécurité</a:t>
+              <a:rPr lang="fr-FR" sz="2000" dirty="0" smtClean="0"/>
+              <a:t> Partie serveur WEB</a:t>
             </a:r>
           </a:p>
           <a:p>
@@ -4621,148 +4935,10 @@
               <a:buChar char="v"/>
             </a:pPr>
             <a:r>
-              <a:rPr lang="fr-FR" sz="2000" dirty="0">
-                <a:ln>
-                  <a:solidFill>
-                    <a:schemeClr val="bg2"/>
-                  </a:solidFill>
-                </a:ln>
-              </a:rPr>
-              <a:t> </a:t>
-            </a:r>
-            <a:r>
-              <a:rPr lang="fr-FR" sz="2000" dirty="0" smtClean="0">
-                <a:ln>
-                  <a:solidFill>
-                    <a:schemeClr val="bg2"/>
-                  </a:solidFill>
-                </a:ln>
-              </a:rPr>
-              <a:t>Aspect énergie</a:t>
-            </a:r>
-          </a:p>
-          <a:p>
-            <a:pPr lvl="1">
-              <a:buFont typeface="Wingdings" pitchFamily="2" charset="2"/>
-              <a:buChar char="v"/>
-            </a:pPr>
-            <a:r>
-              <a:rPr lang="fr-FR" sz="2000" dirty="0">
-                <a:ln>
-                  <a:solidFill>
-                    <a:schemeClr val="bg2"/>
-                  </a:solidFill>
-                </a:ln>
-              </a:rPr>
-              <a:t> </a:t>
-            </a:r>
-            <a:r>
-              <a:rPr lang="fr-FR" sz="2000" dirty="0" smtClean="0">
-                <a:ln>
-                  <a:solidFill>
-                    <a:schemeClr val="bg2"/>
-                  </a:solidFill>
-                </a:ln>
-              </a:rPr>
-              <a:t>Aspect gestion des ouvrants  </a:t>
-            </a:r>
-            <a:endParaRPr lang="fr-FR" sz="2000" dirty="0">
-              <a:ln>
-                <a:solidFill>
-                  <a:schemeClr val="bg2"/>
-                </a:solidFill>
-              </a:ln>
-            </a:endParaRPr>
-          </a:p>
-        </p:txBody>
-      </p:sp>
-      <p:sp>
-        <p:nvSpPr>
-          <p:cNvPr id="6" name="ZoneTexte 5"/>
-          <p:cNvSpPr txBox="1"/>
-          <p:nvPr/>
-        </p:nvSpPr>
-        <p:spPr>
-          <a:xfrm>
-            <a:off x="4572000" y="3929066"/>
-            <a:ext cx="3922869" cy="1323439"/>
-          </a:xfrm>
-          <a:prstGeom prst="rect">
-            <a:avLst/>
-          </a:prstGeom>
-          <a:noFill/>
-        </p:spPr>
-        <p:txBody>
-          <a:bodyPr wrap="none" rtlCol="0">
-            <a:spAutoFit/>
-          </a:bodyPr>
-          <a:lstStyle/>
-          <a:p>
-            <a:r>
-              <a:rPr lang="fr-FR" sz="2000" dirty="0" smtClean="0">
-                <a:ln>
-                  <a:solidFill>
-                    <a:schemeClr val="bg2"/>
-                  </a:solidFill>
-                </a:ln>
-              </a:rPr>
-              <a:t> Les 3 partie principale :</a:t>
-            </a:r>
-          </a:p>
-          <a:p>
-            <a:pPr lvl="1">
-              <a:buFont typeface="Wingdings" pitchFamily="2" charset="2"/>
-              <a:buChar char="v"/>
-            </a:pPr>
-            <a:r>
-              <a:rPr lang="fr-FR" sz="2000" dirty="0" smtClean="0">
-                <a:ln>
-                  <a:solidFill>
-                    <a:schemeClr val="bg2"/>
-                  </a:solidFill>
-                </a:ln>
-              </a:rPr>
-              <a:t> Partie centrale de gestion </a:t>
-            </a:r>
-          </a:p>
-          <a:p>
-            <a:pPr lvl="1">
-              <a:buFont typeface="Wingdings" pitchFamily="2" charset="2"/>
-              <a:buChar char="v"/>
-            </a:pPr>
-            <a:r>
-              <a:rPr lang="fr-FR" sz="2000" dirty="0" smtClean="0">
-                <a:ln>
-                  <a:solidFill>
-                    <a:schemeClr val="bg2"/>
-                  </a:solidFill>
-                </a:ln>
-              </a:rPr>
-              <a:t> Partie serveur WEB</a:t>
-            </a:r>
-          </a:p>
-          <a:p>
-            <a:pPr lvl="1">
-              <a:buFont typeface="Wingdings" pitchFamily="2" charset="2"/>
-              <a:buChar char="v"/>
-            </a:pPr>
-            <a:r>
-              <a:rPr lang="fr-FR" sz="2000" dirty="0" smtClean="0">
-                <a:ln>
-                  <a:solidFill>
-                    <a:schemeClr val="bg2"/>
-                  </a:solidFill>
-                </a:ln>
-              </a:rPr>
+              <a:rPr lang="fr-FR" sz="2000" dirty="0" smtClean="0"/>
               <a:t> Partie application mobile  </a:t>
             </a:r>
-            <a:endParaRPr lang="fr-FR" sz="2000" dirty="0">
-              <a:ln>
-                <a:solidFill>
-                  <a:schemeClr val="bg2"/>
-                </a:solidFill>
-              </a:ln>
-            </a:endParaRPr>
+            <a:endParaRPr lang="fr-FR" sz="2000" dirty="0"/>
           </a:p>
         </p:txBody>
       </p:sp>
@@ -4782,8 +4958,8 @@
         </p:blipFill>
         <p:spPr>
           <a:xfrm>
-            <a:off x="428596" y="3643314"/>
-            <a:ext cx="3857620" cy="1928810"/>
+            <a:off x="428596" y="3413129"/>
+            <a:ext cx="3857620" cy="1607342"/>
           </a:xfrm>
           <a:prstGeom prst="rect">
             <a:avLst/>
@@ -4809,6 +4985,13 @@
   <p:clrMapOvr>
     <a:masterClrMapping/>
   </p:clrMapOvr>
+  <p:timing>
+    <p:tnLst>
+      <p:par>
+        <p:cTn id="1" dur="indefinite" restart="never" nodeType="tmRoot"/>
+      </p:par>
+    </p:tnLst>
+  </p:timing>
 </p:sld>
 </file>
 
@@ -4839,9 +5022,16 @@
             <p:ph type="title"/>
           </p:nvPr>
         </p:nvSpPr>
-        <p:spPr/>
-        <p:txBody>
-          <a:bodyPr/>
+        <p:spPr>
+          <a:xfrm>
+            <a:off x="71406" y="79356"/>
+            <a:ext cx="7467600" cy="520000"/>
+          </a:xfrm>
+        </p:spPr>
+        <p:txBody>
+          <a:bodyPr>
+            <a:normAutofit fontScale="90000"/>
+          </a:bodyPr>
           <a:lstStyle/>
           <a:p>
             <a:r>
@@ -4904,8 +5094,8 @@
         </p:blipFill>
         <p:spPr>
           <a:xfrm>
-            <a:off x="982241" y="1357298"/>
-            <a:ext cx="7179518" cy="4786346"/>
+            <a:off x="178563" y="714360"/>
+            <a:ext cx="8786874" cy="4881597"/>
           </a:xfrm>
           <a:prstGeom prst="rect">
             <a:avLst/>
@@ -4931,6 +5121,13 @@
   <p:clrMapOvr>
     <a:masterClrMapping/>
   </p:clrMapOvr>
+  <p:timing>
+    <p:tnLst>
+      <p:par>
+        <p:cTn id="1" dur="indefinite" restart="never" nodeType="tmRoot"/>
+      </p:par>
+    </p:tnLst>
+  </p:timing>
 </p:sld>
 </file>
 
@@ -4951,9 +5148,868 @@
           <a:chExt cx="0" cy="0"/>
         </a:xfrm>
       </p:grpSpPr>
-      <p:sp>
-        <p:nvSpPr>
-          <p:cNvPr id="2" name="Titre 1"/>
+      <p:pic>
+        <p:nvPicPr>
+          <p:cNvPr id="2058" name="Picture 10"/>
+          <p:cNvPicPr>
+            <a:picLocks noChangeAspect="1" noChangeArrowheads="1"/>
+          </p:cNvPicPr>
+          <p:nvPr/>
+        </p:nvPicPr>
+        <p:blipFill>
+          <a:blip r:embed="rId2"/>
+          <a:srcRect/>
+          <a:stretch>
+            <a:fillRect/>
+          </a:stretch>
+        </p:blipFill>
+        <p:spPr bwMode="auto">
+          <a:xfrm>
+            <a:off x="174750" y="1504310"/>
+            <a:ext cx="8696948" cy="3151101"/>
+          </a:xfrm>
+          <a:prstGeom prst="rect">
+            <a:avLst/>
+          </a:prstGeom>
+          <a:ln w="38100" cap="sq">
+            <a:solidFill>
+              <a:srgbClr val="00B050"/>
+            </a:solidFill>
+            <a:prstDash val="solid"/>
+            <a:miter lim="800000"/>
+          </a:ln>
+          <a:effectLst>
+            <a:outerShdw blurRad="50800" dist="38100" dir="2700000" algn="tl" rotWithShape="0">
+              <a:srgbClr val="000000">
+                <a:alpha val="43000"/>
+              </a:srgbClr>
+            </a:outerShdw>
+          </a:effectLst>
+        </p:spPr>
+      </p:pic>
+      <p:pic>
+        <p:nvPicPr>
+          <p:cNvPr id="2057" name="Picture 9"/>
+          <p:cNvPicPr>
+            <a:picLocks noChangeAspect="1" noChangeArrowheads="1"/>
+          </p:cNvPicPr>
+          <p:nvPr/>
+        </p:nvPicPr>
+        <p:blipFill>
+          <a:blip r:embed="rId3"/>
+          <a:srcRect/>
+          <a:stretch>
+            <a:fillRect/>
+          </a:stretch>
+        </p:blipFill>
+        <p:spPr bwMode="auto">
+          <a:xfrm>
+            <a:off x="174574" y="1094114"/>
+            <a:ext cx="8736385" cy="4178633"/>
+          </a:xfrm>
+          <a:prstGeom prst="rect">
+            <a:avLst/>
+          </a:prstGeom>
+          <a:ln w="38100" cap="sq">
+            <a:solidFill>
+              <a:srgbClr val="FF0000"/>
+            </a:solidFill>
+            <a:prstDash val="solid"/>
+            <a:miter lim="800000"/>
+          </a:ln>
+          <a:effectLst>
+            <a:outerShdw blurRad="50800" dist="38100" dir="2700000" algn="tl" rotWithShape="0">
+              <a:srgbClr val="000000">
+                <a:alpha val="43000"/>
+              </a:srgbClr>
+            </a:outerShdw>
+          </a:effectLst>
+        </p:spPr>
+      </p:pic>
+      <p:pic>
+        <p:nvPicPr>
+          <p:cNvPr id="2055" name="Picture 7"/>
+          <p:cNvPicPr>
+            <a:picLocks noChangeAspect="1" noChangeArrowheads="1"/>
+          </p:cNvPicPr>
+          <p:nvPr/>
+        </p:nvPicPr>
+        <p:blipFill>
+          <a:blip r:embed="rId4"/>
+          <a:srcRect/>
+          <a:stretch>
+            <a:fillRect/>
+          </a:stretch>
+        </p:blipFill>
+        <p:spPr bwMode="auto">
+          <a:xfrm>
+            <a:off x="174489" y="702764"/>
+            <a:ext cx="8755170" cy="4840788"/>
+          </a:xfrm>
+          <a:prstGeom prst="rect">
+            <a:avLst/>
+          </a:prstGeom>
+          <a:ln w="38100" cap="sq">
+            <a:solidFill>
+              <a:srgbClr val="7030A0"/>
+            </a:solidFill>
+            <a:prstDash val="solid"/>
+            <a:miter lim="800000"/>
+          </a:ln>
+          <a:effectLst>
+            <a:outerShdw blurRad="50800" dist="38100" dir="2700000" algn="tl" rotWithShape="0">
+              <a:srgbClr val="000000">
+                <a:alpha val="43000"/>
+              </a:srgbClr>
+            </a:outerShdw>
+          </a:effectLst>
+        </p:spPr>
+      </p:pic>
+      <p:pic>
+        <p:nvPicPr>
+          <p:cNvPr id="7" name="Image 6" descr="Capture.PNG"/>
+          <p:cNvPicPr/>
+          <p:nvPr/>
+        </p:nvPicPr>
+        <p:blipFill>
+          <a:blip r:embed="rId5"/>
+          <a:stretch>
+            <a:fillRect/>
+          </a:stretch>
+        </p:blipFill>
+        <p:spPr>
+          <a:xfrm>
+            <a:off x="174383" y="634984"/>
+            <a:ext cx="8778506" cy="5000660"/>
+          </a:xfrm>
+          <a:prstGeom prst="rect">
+            <a:avLst/>
+          </a:prstGeom>
+          <a:ln w="38100" cap="sq">
+            <a:solidFill>
+              <a:schemeClr val="accent2"/>
+            </a:solidFill>
+            <a:prstDash val="solid"/>
+            <a:miter lim="800000"/>
+          </a:ln>
+          <a:effectLst>
+            <a:outerShdw blurRad="50800" dist="38100" dir="2700000" algn="tl" rotWithShape="0">
+              <a:srgbClr val="000000">
+                <a:alpha val="43000"/>
+              </a:srgbClr>
+            </a:outerShdw>
+          </a:effectLst>
+        </p:spPr>
+      </p:pic>
+      <p:sp>
+        <p:nvSpPr>
+          <p:cNvPr id="4" name="ZoneTexte 3"/>
+          <p:cNvSpPr txBox="1"/>
+          <p:nvPr/>
+        </p:nvSpPr>
+        <p:spPr>
+          <a:xfrm>
+            <a:off x="5643570" y="142856"/>
+            <a:ext cx="3432350" cy="400110"/>
+          </a:xfrm>
+          <a:prstGeom prst="rect">
+            <a:avLst/>
+          </a:prstGeom>
+          <a:noFill/>
+        </p:spPr>
+        <p:txBody>
+          <a:bodyPr wrap="none" rtlCol="0">
+            <a:spAutoFit/>
+          </a:bodyPr>
+          <a:lstStyle/>
+          <a:p>
+            <a:r>
+              <a:rPr lang="fr-FR" sz="2000" dirty="0" smtClean="0">
+                <a:ln>
+                  <a:solidFill>
+                    <a:schemeClr val="bg2"/>
+                  </a:solidFill>
+                </a:ln>
+              </a:rPr>
+              <a:t>Diagramme </a:t>
+            </a:r>
+            <a:r>
+              <a:rPr lang="fr-FR" sz="2000" dirty="0" smtClean="0">
+                <a:ln>
+                  <a:solidFill>
+                    <a:schemeClr val="bg2"/>
+                  </a:solidFill>
+                </a:ln>
+              </a:rPr>
+              <a:t>des exigences </a:t>
+            </a:r>
+            <a:r>
+              <a:rPr lang="fr-FR" sz="2000" dirty="0" smtClean="0">
+                <a:ln>
+                  <a:solidFill>
+                    <a:schemeClr val="bg2"/>
+                  </a:solidFill>
+                </a:ln>
+              </a:rPr>
+              <a:t>: </a:t>
+            </a:r>
+            <a:endParaRPr lang="fr-FR" sz="2000" dirty="0">
+              <a:ln>
+                <a:solidFill>
+                  <a:schemeClr val="bg2"/>
+                </a:solidFill>
+              </a:ln>
+            </a:endParaRPr>
+          </a:p>
+        </p:txBody>
+      </p:sp>
+      <p:sp>
+        <p:nvSpPr>
+          <p:cNvPr id="23" name="Rectangle 22"/>
+          <p:cNvSpPr/>
+          <p:nvPr/>
+        </p:nvSpPr>
+        <p:spPr>
+          <a:xfrm>
+            <a:off x="1062730" y="1981651"/>
+            <a:ext cx="1866196" cy="732974"/>
+          </a:xfrm>
+          <a:prstGeom prst="rect">
+            <a:avLst/>
+          </a:prstGeom>
+          <a:noFill/>
+          <a:ln w="34925">
+            <a:solidFill>
+              <a:srgbClr val="7030A0"/>
+            </a:solidFill>
+          </a:ln>
+        </p:spPr>
+        <p:style>
+          <a:lnRef idx="2">
+            <a:schemeClr val="accent1">
+              <a:shade val="50000"/>
+            </a:schemeClr>
+          </a:lnRef>
+          <a:fillRef idx="1">
+            <a:schemeClr val="accent1"/>
+          </a:fillRef>
+          <a:effectRef idx="0">
+            <a:schemeClr val="accent1"/>
+          </a:effectRef>
+          <a:fontRef idx="minor">
+            <a:schemeClr val="lt1"/>
+          </a:fontRef>
+        </p:style>
+        <p:txBody>
+          <a:bodyPr rtlCol="0" anchor="ctr"/>
+          <a:lstStyle/>
+          <a:p>
+            <a:pPr algn="ctr"/>
+            <a:endParaRPr lang="fr-FR"/>
+          </a:p>
+        </p:txBody>
+      </p:sp>
+      <p:sp>
+        <p:nvSpPr>
+          <p:cNvPr id="24" name="Rectangle 23"/>
+          <p:cNvSpPr/>
+          <p:nvPr/>
+        </p:nvSpPr>
+        <p:spPr>
+          <a:xfrm>
+            <a:off x="1857356" y="2857501"/>
+            <a:ext cx="1571636" cy="714380"/>
+          </a:xfrm>
+          <a:prstGeom prst="rect">
+            <a:avLst/>
+          </a:prstGeom>
+          <a:noFill/>
+          <a:ln w="34925">
+            <a:solidFill>
+              <a:srgbClr val="7030A0"/>
+            </a:solidFill>
+          </a:ln>
+        </p:spPr>
+        <p:style>
+          <a:lnRef idx="2">
+            <a:schemeClr val="accent1">
+              <a:shade val="50000"/>
+            </a:schemeClr>
+          </a:lnRef>
+          <a:fillRef idx="1">
+            <a:schemeClr val="accent1"/>
+          </a:fillRef>
+          <a:effectRef idx="0">
+            <a:schemeClr val="accent1"/>
+          </a:effectRef>
+          <a:fontRef idx="minor">
+            <a:schemeClr val="lt1"/>
+          </a:fontRef>
+        </p:style>
+        <p:txBody>
+          <a:bodyPr rtlCol="0" anchor="ctr"/>
+          <a:lstStyle/>
+          <a:p>
+            <a:pPr algn="ctr"/>
+            <a:endParaRPr lang="fr-FR"/>
+          </a:p>
+        </p:txBody>
+      </p:sp>
+      <p:sp>
+        <p:nvSpPr>
+          <p:cNvPr id="25" name="Rectangle 24"/>
+          <p:cNvSpPr/>
+          <p:nvPr/>
+        </p:nvSpPr>
+        <p:spPr>
+          <a:xfrm>
+            <a:off x="214282" y="3000377"/>
+            <a:ext cx="1357322" cy="785818"/>
+          </a:xfrm>
+          <a:prstGeom prst="rect">
+            <a:avLst/>
+          </a:prstGeom>
+          <a:noFill/>
+          <a:ln w="34925">
+            <a:solidFill>
+              <a:srgbClr val="7030A0"/>
+            </a:solidFill>
+          </a:ln>
+        </p:spPr>
+        <p:style>
+          <a:lnRef idx="2">
+            <a:schemeClr val="accent1">
+              <a:shade val="50000"/>
+            </a:schemeClr>
+          </a:lnRef>
+          <a:fillRef idx="1">
+            <a:schemeClr val="accent1"/>
+          </a:fillRef>
+          <a:effectRef idx="0">
+            <a:schemeClr val="accent1"/>
+          </a:effectRef>
+          <a:fontRef idx="minor">
+            <a:schemeClr val="lt1"/>
+          </a:fontRef>
+        </p:style>
+        <p:txBody>
+          <a:bodyPr rtlCol="0" anchor="ctr"/>
+          <a:lstStyle/>
+          <a:p>
+            <a:pPr algn="ctr"/>
+            <a:endParaRPr lang="fr-FR"/>
+          </a:p>
+        </p:txBody>
+      </p:sp>
+      <p:sp>
+        <p:nvSpPr>
+          <p:cNvPr id="26" name="Rectangle 25"/>
+          <p:cNvSpPr/>
+          <p:nvPr/>
+        </p:nvSpPr>
+        <p:spPr>
+          <a:xfrm>
+            <a:off x="1142976" y="3857632"/>
+            <a:ext cx="2714644" cy="642942"/>
+          </a:xfrm>
+          <a:prstGeom prst="rect">
+            <a:avLst/>
+          </a:prstGeom>
+          <a:noFill/>
+          <a:ln w="34925">
+            <a:solidFill>
+              <a:srgbClr val="7030A0"/>
+            </a:solidFill>
+          </a:ln>
+        </p:spPr>
+        <p:style>
+          <a:lnRef idx="2">
+            <a:schemeClr val="accent1">
+              <a:shade val="50000"/>
+            </a:schemeClr>
+          </a:lnRef>
+          <a:fillRef idx="1">
+            <a:schemeClr val="accent1"/>
+          </a:fillRef>
+          <a:effectRef idx="0">
+            <a:schemeClr val="accent1"/>
+          </a:effectRef>
+          <a:fontRef idx="minor">
+            <a:schemeClr val="lt1"/>
+          </a:fontRef>
+        </p:style>
+        <p:txBody>
+          <a:bodyPr rtlCol="0" anchor="ctr"/>
+          <a:lstStyle/>
+          <a:p>
+            <a:pPr algn="ctr"/>
+            <a:endParaRPr lang="fr-FR"/>
+          </a:p>
+        </p:txBody>
+      </p:sp>
+      <p:sp>
+        <p:nvSpPr>
+          <p:cNvPr id="27" name="Rectangle 26"/>
+          <p:cNvSpPr/>
+          <p:nvPr/>
+        </p:nvSpPr>
+        <p:spPr>
+          <a:xfrm>
+            <a:off x="500035" y="4714888"/>
+            <a:ext cx="2000264" cy="753524"/>
+          </a:xfrm>
+          <a:prstGeom prst="rect">
+            <a:avLst/>
+          </a:prstGeom>
+          <a:noFill/>
+          <a:ln w="34925">
+            <a:solidFill>
+              <a:srgbClr val="7030A0"/>
+            </a:solidFill>
+          </a:ln>
+        </p:spPr>
+        <p:style>
+          <a:lnRef idx="2">
+            <a:schemeClr val="accent1">
+              <a:shade val="50000"/>
+            </a:schemeClr>
+          </a:lnRef>
+          <a:fillRef idx="1">
+            <a:schemeClr val="accent1"/>
+          </a:fillRef>
+          <a:effectRef idx="0">
+            <a:schemeClr val="accent1"/>
+          </a:effectRef>
+          <a:fontRef idx="minor">
+            <a:schemeClr val="lt1"/>
+          </a:fontRef>
+        </p:style>
+        <p:txBody>
+          <a:bodyPr rtlCol="0" anchor="ctr"/>
+          <a:lstStyle/>
+          <a:p>
+            <a:pPr algn="ctr"/>
+            <a:endParaRPr lang="fr-FR"/>
+          </a:p>
+        </p:txBody>
+      </p:sp>
+      <p:sp>
+        <p:nvSpPr>
+          <p:cNvPr id="29" name="Rectangle 28"/>
+          <p:cNvSpPr/>
+          <p:nvPr/>
+        </p:nvSpPr>
+        <p:spPr>
+          <a:xfrm>
+            <a:off x="3000364" y="2000244"/>
+            <a:ext cx="2428893" cy="727592"/>
+          </a:xfrm>
+          <a:prstGeom prst="rect">
+            <a:avLst/>
+          </a:prstGeom>
+          <a:noFill/>
+          <a:ln w="34925">
+            <a:solidFill>
+              <a:srgbClr val="FF0000"/>
+            </a:solidFill>
+          </a:ln>
+        </p:spPr>
+        <p:style>
+          <a:lnRef idx="2">
+            <a:schemeClr val="accent1">
+              <a:shade val="50000"/>
+            </a:schemeClr>
+          </a:lnRef>
+          <a:fillRef idx="1">
+            <a:schemeClr val="accent1"/>
+          </a:fillRef>
+          <a:effectRef idx="0">
+            <a:schemeClr val="accent1"/>
+          </a:effectRef>
+          <a:fontRef idx="minor">
+            <a:schemeClr val="lt1"/>
+          </a:fontRef>
+        </p:style>
+        <p:txBody>
+          <a:bodyPr rtlCol="0" anchor="ctr"/>
+          <a:lstStyle/>
+          <a:p>
+            <a:pPr algn="ctr"/>
+            <a:endParaRPr lang="fr-FR"/>
+          </a:p>
+        </p:txBody>
+      </p:sp>
+      <p:sp>
+        <p:nvSpPr>
+          <p:cNvPr id="30" name="Rectangle 29"/>
+          <p:cNvSpPr/>
+          <p:nvPr/>
+        </p:nvSpPr>
+        <p:spPr>
+          <a:xfrm>
+            <a:off x="4132609" y="2944758"/>
+            <a:ext cx="2368218" cy="698559"/>
+          </a:xfrm>
+          <a:prstGeom prst="rect">
+            <a:avLst/>
+          </a:prstGeom>
+          <a:noFill/>
+          <a:ln w="34925">
+            <a:solidFill>
+              <a:srgbClr val="FF0000"/>
+            </a:solidFill>
+          </a:ln>
+        </p:spPr>
+        <p:style>
+          <a:lnRef idx="2">
+            <a:schemeClr val="accent1">
+              <a:shade val="50000"/>
+            </a:schemeClr>
+          </a:lnRef>
+          <a:fillRef idx="1">
+            <a:schemeClr val="accent1"/>
+          </a:fillRef>
+          <a:effectRef idx="0">
+            <a:schemeClr val="accent1"/>
+          </a:effectRef>
+          <a:fontRef idx="minor">
+            <a:schemeClr val="lt1"/>
+          </a:fontRef>
+        </p:style>
+        <p:txBody>
+          <a:bodyPr rtlCol="0" anchor="ctr"/>
+          <a:lstStyle/>
+          <a:p>
+            <a:pPr algn="ctr"/>
+            <a:endParaRPr lang="fr-FR"/>
+          </a:p>
+        </p:txBody>
+      </p:sp>
+      <p:sp>
+        <p:nvSpPr>
+          <p:cNvPr id="31" name="Rectangle 30"/>
+          <p:cNvSpPr/>
+          <p:nvPr/>
+        </p:nvSpPr>
+        <p:spPr>
+          <a:xfrm>
+            <a:off x="5715008" y="4857764"/>
+            <a:ext cx="2214578" cy="642942"/>
+          </a:xfrm>
+          <a:prstGeom prst="rect">
+            <a:avLst/>
+          </a:prstGeom>
+          <a:noFill/>
+          <a:ln w="34925">
+            <a:solidFill>
+              <a:srgbClr val="FF0000"/>
+            </a:solidFill>
+          </a:ln>
+        </p:spPr>
+        <p:style>
+          <a:lnRef idx="2">
+            <a:schemeClr val="accent1">
+              <a:shade val="50000"/>
+            </a:schemeClr>
+          </a:lnRef>
+          <a:fillRef idx="1">
+            <a:schemeClr val="accent1"/>
+          </a:fillRef>
+          <a:effectRef idx="0">
+            <a:schemeClr val="accent1"/>
+          </a:effectRef>
+          <a:fontRef idx="minor">
+            <a:schemeClr val="lt1"/>
+          </a:fontRef>
+        </p:style>
+        <p:txBody>
+          <a:bodyPr rtlCol="0" anchor="ctr"/>
+          <a:lstStyle/>
+          <a:p>
+            <a:pPr algn="ctr"/>
+            <a:endParaRPr lang="fr-FR"/>
+          </a:p>
+        </p:txBody>
+      </p:sp>
+      <p:sp>
+        <p:nvSpPr>
+          <p:cNvPr id="32" name="Rectangle 31"/>
+          <p:cNvSpPr/>
+          <p:nvPr/>
+        </p:nvSpPr>
+        <p:spPr>
+          <a:xfrm>
+            <a:off x="3214679" y="4643449"/>
+            <a:ext cx="2286016" cy="642943"/>
+          </a:xfrm>
+          <a:prstGeom prst="rect">
+            <a:avLst/>
+          </a:prstGeom>
+          <a:noFill/>
+          <a:ln w="34925">
+            <a:solidFill>
+              <a:srgbClr val="FF0000"/>
+            </a:solidFill>
+          </a:ln>
+        </p:spPr>
+        <p:style>
+          <a:lnRef idx="2">
+            <a:schemeClr val="accent1">
+              <a:shade val="50000"/>
+            </a:schemeClr>
+          </a:lnRef>
+          <a:fillRef idx="1">
+            <a:schemeClr val="accent1"/>
+          </a:fillRef>
+          <a:effectRef idx="0">
+            <a:schemeClr val="accent1"/>
+          </a:effectRef>
+          <a:fontRef idx="minor">
+            <a:schemeClr val="lt1"/>
+          </a:fontRef>
+        </p:style>
+        <p:txBody>
+          <a:bodyPr rtlCol="0" anchor="ctr"/>
+          <a:lstStyle/>
+          <a:p>
+            <a:pPr algn="ctr"/>
+            <a:endParaRPr lang="fr-FR"/>
+          </a:p>
+        </p:txBody>
+      </p:sp>
+      <p:sp>
+        <p:nvSpPr>
+          <p:cNvPr id="33" name="Rectangle 32"/>
+          <p:cNvSpPr/>
+          <p:nvPr/>
+        </p:nvSpPr>
+        <p:spPr>
+          <a:xfrm>
+            <a:off x="1857356" y="2857501"/>
+            <a:ext cx="1571636" cy="714380"/>
+          </a:xfrm>
+          <a:prstGeom prst="rect">
+            <a:avLst/>
+          </a:prstGeom>
+          <a:noFill/>
+          <a:ln w="34925">
+            <a:solidFill>
+              <a:srgbClr val="FF0000"/>
+            </a:solidFill>
+          </a:ln>
+        </p:spPr>
+        <p:style>
+          <a:lnRef idx="2">
+            <a:schemeClr val="accent1">
+              <a:shade val="50000"/>
+            </a:schemeClr>
+          </a:lnRef>
+          <a:fillRef idx="1">
+            <a:schemeClr val="accent1"/>
+          </a:fillRef>
+          <a:effectRef idx="0">
+            <a:schemeClr val="accent1"/>
+          </a:effectRef>
+          <a:fontRef idx="minor">
+            <a:schemeClr val="lt1"/>
+          </a:fontRef>
+        </p:style>
+        <p:txBody>
+          <a:bodyPr rtlCol="0" anchor="ctr"/>
+          <a:lstStyle/>
+          <a:p>
+            <a:pPr algn="ctr"/>
+            <a:endParaRPr lang="fr-FR"/>
+          </a:p>
+        </p:txBody>
+      </p:sp>
+      <p:sp>
+        <p:nvSpPr>
+          <p:cNvPr id="34" name="Rectangle 33"/>
+          <p:cNvSpPr/>
+          <p:nvPr/>
+        </p:nvSpPr>
+        <p:spPr>
+          <a:xfrm>
+            <a:off x="1142976" y="3857632"/>
+            <a:ext cx="2714644" cy="642942"/>
+          </a:xfrm>
+          <a:prstGeom prst="rect">
+            <a:avLst/>
+          </a:prstGeom>
+          <a:noFill/>
+          <a:ln w="34925">
+            <a:solidFill>
+              <a:srgbClr val="FF0000"/>
+            </a:solidFill>
+          </a:ln>
+        </p:spPr>
+        <p:style>
+          <a:lnRef idx="2">
+            <a:schemeClr val="accent1">
+              <a:shade val="50000"/>
+            </a:schemeClr>
+          </a:lnRef>
+          <a:fillRef idx="1">
+            <a:schemeClr val="accent1"/>
+          </a:fillRef>
+          <a:effectRef idx="0">
+            <a:schemeClr val="accent1"/>
+          </a:effectRef>
+          <a:fontRef idx="minor">
+            <a:schemeClr val="lt1"/>
+          </a:fontRef>
+        </p:style>
+        <p:txBody>
+          <a:bodyPr rtlCol="0" anchor="ctr"/>
+          <a:lstStyle/>
+          <a:p>
+            <a:pPr algn="ctr"/>
+            <a:endParaRPr lang="fr-FR"/>
+          </a:p>
+        </p:txBody>
+      </p:sp>
+      <p:sp>
+        <p:nvSpPr>
+          <p:cNvPr id="35" name="Rectangle 34"/>
+          <p:cNvSpPr/>
+          <p:nvPr/>
+        </p:nvSpPr>
+        <p:spPr>
+          <a:xfrm>
+            <a:off x="5572132" y="2071682"/>
+            <a:ext cx="2727040" cy="616520"/>
+          </a:xfrm>
+          <a:prstGeom prst="rect">
+            <a:avLst/>
+          </a:prstGeom>
+          <a:noFill/>
+          <a:ln w="34925">
+            <a:solidFill>
+              <a:srgbClr val="00B050"/>
+            </a:solidFill>
+          </a:ln>
+        </p:spPr>
+        <p:style>
+          <a:lnRef idx="2">
+            <a:schemeClr val="accent1">
+              <a:shade val="50000"/>
+            </a:schemeClr>
+          </a:lnRef>
+          <a:fillRef idx="1">
+            <a:schemeClr val="accent1"/>
+          </a:fillRef>
+          <a:effectRef idx="0">
+            <a:schemeClr val="accent1"/>
+          </a:effectRef>
+          <a:fontRef idx="minor">
+            <a:schemeClr val="lt1"/>
+          </a:fontRef>
+        </p:style>
+        <p:txBody>
+          <a:bodyPr rtlCol="0" anchor="ctr"/>
+          <a:lstStyle/>
+          <a:p>
+            <a:pPr algn="ctr"/>
+            <a:endParaRPr lang="fr-FR"/>
+          </a:p>
+        </p:txBody>
+      </p:sp>
+      <p:sp>
+        <p:nvSpPr>
+          <p:cNvPr id="37" name="Rectangle 36"/>
+          <p:cNvSpPr/>
+          <p:nvPr/>
+        </p:nvSpPr>
+        <p:spPr>
+          <a:xfrm>
+            <a:off x="7207381" y="3071814"/>
+            <a:ext cx="1722337" cy="642942"/>
+          </a:xfrm>
+          <a:prstGeom prst="rect">
+            <a:avLst/>
+          </a:prstGeom>
+          <a:noFill/>
+          <a:ln w="34925">
+            <a:solidFill>
+              <a:srgbClr val="00B050"/>
+            </a:solidFill>
+          </a:ln>
+        </p:spPr>
+        <p:style>
+          <a:lnRef idx="2">
+            <a:schemeClr val="accent1">
+              <a:shade val="50000"/>
+            </a:schemeClr>
+          </a:lnRef>
+          <a:fillRef idx="1">
+            <a:schemeClr val="accent1"/>
+          </a:fillRef>
+          <a:effectRef idx="0">
+            <a:schemeClr val="accent1"/>
+          </a:effectRef>
+          <a:fontRef idx="minor">
+            <a:schemeClr val="lt1"/>
+          </a:fontRef>
+        </p:style>
+        <p:txBody>
+          <a:bodyPr rtlCol="0" anchor="ctr"/>
+          <a:lstStyle/>
+          <a:p>
+            <a:pPr algn="ctr"/>
+            <a:endParaRPr lang="fr-FR"/>
+          </a:p>
+        </p:txBody>
+      </p:sp>
+      <p:sp>
+        <p:nvSpPr>
+          <p:cNvPr id="38" name="Rectangle 37"/>
+          <p:cNvSpPr/>
+          <p:nvPr/>
+        </p:nvSpPr>
+        <p:spPr>
+          <a:xfrm>
+            <a:off x="6135485" y="3929070"/>
+            <a:ext cx="1722663" cy="642942"/>
+          </a:xfrm>
+          <a:prstGeom prst="rect">
+            <a:avLst/>
+          </a:prstGeom>
+          <a:noFill/>
+          <a:ln w="34925">
+            <a:solidFill>
+              <a:srgbClr val="00B050"/>
+            </a:solidFill>
+          </a:ln>
+        </p:spPr>
+        <p:style>
+          <a:lnRef idx="2">
+            <a:schemeClr val="accent1">
+              <a:shade val="50000"/>
+            </a:schemeClr>
+          </a:lnRef>
+          <a:fillRef idx="1">
+            <a:schemeClr val="accent1"/>
+          </a:fillRef>
+          <a:effectRef idx="0">
+            <a:schemeClr val="accent1"/>
+          </a:effectRef>
+          <a:fontRef idx="minor">
+            <a:schemeClr val="lt1"/>
+          </a:fontRef>
+        </p:style>
+        <p:txBody>
+          <a:bodyPr rtlCol="0" anchor="ctr"/>
+          <a:lstStyle/>
+          <a:p>
+            <a:pPr algn="ctr"/>
+            <a:endParaRPr lang="fr-FR"/>
+          </a:p>
+        </p:txBody>
+      </p:sp>
+      <p:sp>
+        <p:nvSpPr>
+          <p:cNvPr id="21" name="Titre 1"/>
           <p:cNvSpPr>
             <a:spLocks noGrp="1"/>
           </p:cNvSpPr>
@@ -4961,7 +6017,12 @@
             <p:ph type="title"/>
           </p:nvPr>
         </p:nvSpPr>
-        <p:spPr/>
+        <p:spPr>
+          <a:xfrm>
+            <a:off x="142844" y="-214334"/>
+            <a:ext cx="7467600" cy="952500"/>
+          </a:xfrm>
+        </p:spPr>
         <p:txBody>
           <a:bodyPr/>
           <a:lstStyle/>
@@ -5008,58 +6069,1225 @@
           </a:p>
         </p:txBody>
       </p:sp>
-      <p:sp>
-        <p:nvSpPr>
-          <p:cNvPr id="4" name="ZoneTexte 3"/>
-          <p:cNvSpPr txBox="1"/>
-          <p:nvPr/>
-        </p:nvSpPr>
-        <p:spPr>
-          <a:xfrm>
-            <a:off x="642910" y="1214422"/>
-            <a:ext cx="3050835" cy="400110"/>
-          </a:xfrm>
-          <a:prstGeom prst="rect">
-            <a:avLst/>
-          </a:prstGeom>
-          <a:noFill/>
-        </p:spPr>
-        <p:txBody>
-          <a:bodyPr wrap="none" rtlCol="0">
-            <a:spAutoFit/>
-          </a:bodyPr>
-          <a:lstStyle/>
-          <a:p>
-            <a:r>
-              <a:rPr lang="fr-FR" sz="2000" dirty="0" smtClean="0">
-                <a:ln>
-                  <a:solidFill>
-                    <a:schemeClr val="bg2"/>
-                  </a:solidFill>
-                </a:ln>
-              </a:rPr>
-              <a:t>Diagramme d’utilisation </a:t>
-            </a:r>
-            <a:r>
-              <a:rPr lang="fr-FR" dirty="0" smtClean="0">
-                <a:ln>
-                  <a:solidFill>
-                    <a:schemeClr val="bg2"/>
-                  </a:solidFill>
-                </a:ln>
-              </a:rPr>
-              <a:t>: </a:t>
-            </a:r>
-            <a:endParaRPr lang="fr-FR" dirty="0">
-              <a:ln>
-                <a:solidFill>
-                  <a:schemeClr val="bg2"/>
-                </a:solidFill>
-              </a:ln>
-            </a:endParaRPr>
-          </a:p>
-        </p:txBody>
-      </p:sp>
+    </p:spTree>
+  </p:cSld>
+  <p:clrMapOvr>
+    <a:masterClrMapping/>
+  </p:clrMapOvr>
+  <p:timing>
+    <p:tnLst>
+      <p:par>
+        <p:cTn id="1" dur="indefinite" restart="never" nodeType="tmRoot">
+          <p:childTnLst>
+            <p:seq concurrent="1" nextAc="seek">
+              <p:cTn id="2" dur="indefinite" nodeType="mainSeq">
+                <p:childTnLst>
+                  <p:par>
+                    <p:cTn id="3" fill="hold">
+                      <p:stCondLst>
+                        <p:cond delay="indefinite"/>
+                      </p:stCondLst>
+                      <p:childTnLst>
+                        <p:par>
+                          <p:cTn id="4" fill="hold">
+                            <p:stCondLst>
+                              <p:cond delay="0"/>
+                            </p:stCondLst>
+                            <p:childTnLst>
+                              <p:par>
+                                <p:cTn id="5" presetID="1" presetClass="entr" presetSubtype="0" fill="hold" grpId="0" nodeType="clickEffect">
+                                  <p:stCondLst>
+                                    <p:cond delay="0"/>
+                                  </p:stCondLst>
+                                  <p:childTnLst>
+                                    <p:set>
+                                      <p:cBhvr>
+                                        <p:cTn id="6" dur="1" fill="hold">
+                                          <p:stCondLst>
+                                            <p:cond delay="0"/>
+                                          </p:stCondLst>
+                                        </p:cTn>
+                                        <p:tgtEl>
+                                          <p:spTgt spid="24"/>
+                                        </p:tgtEl>
+                                        <p:attrNameLst>
+                                          <p:attrName>style.visibility</p:attrName>
+                                        </p:attrNameLst>
+                                      </p:cBhvr>
+                                      <p:to>
+                                        <p:strVal val="visible"/>
+                                      </p:to>
+                                    </p:set>
+                                  </p:childTnLst>
+                                </p:cTn>
+                              </p:par>
+                              <p:par>
+                                <p:cTn id="7" presetID="1" presetClass="entr" presetSubtype="0" fill="hold" grpId="0" nodeType="withEffect">
+                                  <p:stCondLst>
+                                    <p:cond delay="0"/>
+                                  </p:stCondLst>
+                                  <p:childTnLst>
+                                    <p:set>
+                                      <p:cBhvr>
+                                        <p:cTn id="8" dur="1" fill="hold">
+                                          <p:stCondLst>
+                                            <p:cond delay="0"/>
+                                          </p:stCondLst>
+                                        </p:cTn>
+                                        <p:tgtEl>
+                                          <p:spTgt spid="23"/>
+                                        </p:tgtEl>
+                                        <p:attrNameLst>
+                                          <p:attrName>style.visibility</p:attrName>
+                                        </p:attrNameLst>
+                                      </p:cBhvr>
+                                      <p:to>
+                                        <p:strVal val="visible"/>
+                                      </p:to>
+                                    </p:set>
+                                  </p:childTnLst>
+                                </p:cTn>
+                              </p:par>
+                              <p:par>
+                                <p:cTn id="9" presetID="1" presetClass="entr" presetSubtype="0" fill="hold" grpId="0" nodeType="withEffect">
+                                  <p:stCondLst>
+                                    <p:cond delay="0"/>
+                                  </p:stCondLst>
+                                  <p:childTnLst>
+                                    <p:set>
+                                      <p:cBhvr>
+                                        <p:cTn id="10" dur="1" fill="hold">
+                                          <p:stCondLst>
+                                            <p:cond delay="0"/>
+                                          </p:stCondLst>
+                                        </p:cTn>
+                                        <p:tgtEl>
+                                          <p:spTgt spid="25"/>
+                                        </p:tgtEl>
+                                        <p:attrNameLst>
+                                          <p:attrName>style.visibility</p:attrName>
+                                        </p:attrNameLst>
+                                      </p:cBhvr>
+                                      <p:to>
+                                        <p:strVal val="visible"/>
+                                      </p:to>
+                                    </p:set>
+                                  </p:childTnLst>
+                                </p:cTn>
+                              </p:par>
+                              <p:par>
+                                <p:cTn id="11" presetID="1" presetClass="entr" presetSubtype="0" fill="hold" grpId="0" nodeType="withEffect">
+                                  <p:stCondLst>
+                                    <p:cond delay="0"/>
+                                  </p:stCondLst>
+                                  <p:childTnLst>
+                                    <p:set>
+                                      <p:cBhvr>
+                                        <p:cTn id="12" dur="1" fill="hold">
+                                          <p:stCondLst>
+                                            <p:cond delay="0"/>
+                                          </p:stCondLst>
+                                        </p:cTn>
+                                        <p:tgtEl>
+                                          <p:spTgt spid="26"/>
+                                        </p:tgtEl>
+                                        <p:attrNameLst>
+                                          <p:attrName>style.visibility</p:attrName>
+                                        </p:attrNameLst>
+                                      </p:cBhvr>
+                                      <p:to>
+                                        <p:strVal val="visible"/>
+                                      </p:to>
+                                    </p:set>
+                                  </p:childTnLst>
+                                </p:cTn>
+                              </p:par>
+                              <p:par>
+                                <p:cTn id="13" presetID="1" presetClass="entr" presetSubtype="0" fill="hold" grpId="0" nodeType="withEffect">
+                                  <p:stCondLst>
+                                    <p:cond delay="0"/>
+                                  </p:stCondLst>
+                                  <p:childTnLst>
+                                    <p:set>
+                                      <p:cBhvr>
+                                        <p:cTn id="14" dur="1" fill="hold">
+                                          <p:stCondLst>
+                                            <p:cond delay="0"/>
+                                          </p:stCondLst>
+                                        </p:cTn>
+                                        <p:tgtEl>
+                                          <p:spTgt spid="27"/>
+                                        </p:tgtEl>
+                                        <p:attrNameLst>
+                                          <p:attrName>style.visibility</p:attrName>
+                                        </p:attrNameLst>
+                                      </p:cBhvr>
+                                      <p:to>
+                                        <p:strVal val="visible"/>
+                                      </p:to>
+                                    </p:set>
+                                  </p:childTnLst>
+                                </p:cTn>
+                              </p:par>
+                            </p:childTnLst>
+                          </p:cTn>
+                        </p:par>
+                      </p:childTnLst>
+                    </p:cTn>
+                  </p:par>
+                  <p:par>
+                    <p:cTn id="15" fill="hold">
+                      <p:stCondLst>
+                        <p:cond delay="indefinite"/>
+                      </p:stCondLst>
+                      <p:childTnLst>
+                        <p:par>
+                          <p:cTn id="16" fill="hold">
+                            <p:stCondLst>
+                              <p:cond delay="0"/>
+                            </p:stCondLst>
+                            <p:childTnLst>
+                              <p:par>
+                                <p:cTn id="17" presetID="1" presetClass="exit" presetSubtype="0" fill="hold" grpId="1" nodeType="clickEffect">
+                                  <p:stCondLst>
+                                    <p:cond delay="0"/>
+                                  </p:stCondLst>
+                                  <p:childTnLst>
+                                    <p:set>
+                                      <p:cBhvr>
+                                        <p:cTn id="18" dur="1" fill="hold">
+                                          <p:stCondLst>
+                                            <p:cond delay="0"/>
+                                          </p:stCondLst>
+                                        </p:cTn>
+                                        <p:tgtEl>
+                                          <p:spTgt spid="23"/>
+                                        </p:tgtEl>
+                                        <p:attrNameLst>
+                                          <p:attrName>style.visibility</p:attrName>
+                                        </p:attrNameLst>
+                                      </p:cBhvr>
+                                      <p:to>
+                                        <p:strVal val="hidden"/>
+                                      </p:to>
+                                    </p:set>
+                                  </p:childTnLst>
+                                </p:cTn>
+                              </p:par>
+                              <p:par>
+                                <p:cTn id="19" presetID="1" presetClass="exit" presetSubtype="0" fill="hold" grpId="1" nodeType="withEffect">
+                                  <p:stCondLst>
+                                    <p:cond delay="0"/>
+                                  </p:stCondLst>
+                                  <p:childTnLst>
+                                    <p:set>
+                                      <p:cBhvr>
+                                        <p:cTn id="20" dur="1" fill="hold">
+                                          <p:stCondLst>
+                                            <p:cond delay="0"/>
+                                          </p:stCondLst>
+                                        </p:cTn>
+                                        <p:tgtEl>
+                                          <p:spTgt spid="24"/>
+                                        </p:tgtEl>
+                                        <p:attrNameLst>
+                                          <p:attrName>style.visibility</p:attrName>
+                                        </p:attrNameLst>
+                                      </p:cBhvr>
+                                      <p:to>
+                                        <p:strVal val="hidden"/>
+                                      </p:to>
+                                    </p:set>
+                                  </p:childTnLst>
+                                </p:cTn>
+                              </p:par>
+                              <p:par>
+                                <p:cTn id="21" presetID="1" presetClass="exit" presetSubtype="0" fill="hold" grpId="1" nodeType="withEffect">
+                                  <p:stCondLst>
+                                    <p:cond delay="0"/>
+                                  </p:stCondLst>
+                                  <p:childTnLst>
+                                    <p:set>
+                                      <p:cBhvr>
+                                        <p:cTn id="22" dur="1" fill="hold">
+                                          <p:stCondLst>
+                                            <p:cond delay="0"/>
+                                          </p:stCondLst>
+                                        </p:cTn>
+                                        <p:tgtEl>
+                                          <p:spTgt spid="26"/>
+                                        </p:tgtEl>
+                                        <p:attrNameLst>
+                                          <p:attrName>style.visibility</p:attrName>
+                                        </p:attrNameLst>
+                                      </p:cBhvr>
+                                      <p:to>
+                                        <p:strVal val="hidden"/>
+                                      </p:to>
+                                    </p:set>
+                                  </p:childTnLst>
+                                </p:cTn>
+                              </p:par>
+                              <p:par>
+                                <p:cTn id="23" presetID="1" presetClass="exit" presetSubtype="0" fill="hold" grpId="1" nodeType="withEffect">
+                                  <p:stCondLst>
+                                    <p:cond delay="0"/>
+                                  </p:stCondLst>
+                                  <p:childTnLst>
+                                    <p:set>
+                                      <p:cBhvr>
+                                        <p:cTn id="24" dur="1" fill="hold">
+                                          <p:stCondLst>
+                                            <p:cond delay="0"/>
+                                          </p:stCondLst>
+                                        </p:cTn>
+                                        <p:tgtEl>
+                                          <p:spTgt spid="25"/>
+                                        </p:tgtEl>
+                                        <p:attrNameLst>
+                                          <p:attrName>style.visibility</p:attrName>
+                                        </p:attrNameLst>
+                                      </p:cBhvr>
+                                      <p:to>
+                                        <p:strVal val="hidden"/>
+                                      </p:to>
+                                    </p:set>
+                                  </p:childTnLst>
+                                </p:cTn>
+                              </p:par>
+                              <p:par>
+                                <p:cTn id="25" presetID="1" presetClass="exit" presetSubtype="0" fill="hold" grpId="1" nodeType="withEffect">
+                                  <p:stCondLst>
+                                    <p:cond delay="0"/>
+                                  </p:stCondLst>
+                                  <p:childTnLst>
+                                    <p:set>
+                                      <p:cBhvr>
+                                        <p:cTn id="26" dur="1" fill="hold">
+                                          <p:stCondLst>
+                                            <p:cond delay="0"/>
+                                          </p:stCondLst>
+                                        </p:cTn>
+                                        <p:tgtEl>
+                                          <p:spTgt spid="27"/>
+                                        </p:tgtEl>
+                                        <p:attrNameLst>
+                                          <p:attrName>style.visibility</p:attrName>
+                                        </p:attrNameLst>
+                                      </p:cBhvr>
+                                      <p:to>
+                                        <p:strVal val="hidden"/>
+                                      </p:to>
+                                    </p:set>
+                                  </p:childTnLst>
+                                </p:cTn>
+                              </p:par>
+                              <p:par>
+                                <p:cTn id="27" presetID="1" presetClass="exit" presetSubtype="0" fill="hold" nodeType="withEffect">
+                                  <p:stCondLst>
+                                    <p:cond delay="0"/>
+                                  </p:stCondLst>
+                                  <p:childTnLst>
+                                    <p:set>
+                                      <p:cBhvr>
+                                        <p:cTn id="28" dur="1" fill="hold">
+                                          <p:stCondLst>
+                                            <p:cond delay="0"/>
+                                          </p:stCondLst>
+                                        </p:cTn>
+                                        <p:tgtEl>
+                                          <p:spTgt spid="7"/>
+                                        </p:tgtEl>
+                                        <p:attrNameLst>
+                                          <p:attrName>style.visibility</p:attrName>
+                                        </p:attrNameLst>
+                                      </p:cBhvr>
+                                      <p:to>
+                                        <p:strVal val="hidden"/>
+                                      </p:to>
+                                    </p:set>
+                                  </p:childTnLst>
+                                </p:cTn>
+                              </p:par>
+                              <p:par>
+                                <p:cTn id="29" presetID="1" presetClass="entr" presetSubtype="0" fill="hold" nodeType="withEffect">
+                                  <p:stCondLst>
+                                    <p:cond delay="0"/>
+                                  </p:stCondLst>
+                                  <p:childTnLst>
+                                    <p:set>
+                                      <p:cBhvr>
+                                        <p:cTn id="30" dur="1" fill="hold">
+                                          <p:stCondLst>
+                                            <p:cond delay="0"/>
+                                          </p:stCondLst>
+                                        </p:cTn>
+                                        <p:tgtEl>
+                                          <p:spTgt spid="2055"/>
+                                        </p:tgtEl>
+                                        <p:attrNameLst>
+                                          <p:attrName>style.visibility</p:attrName>
+                                        </p:attrNameLst>
+                                      </p:cBhvr>
+                                      <p:to>
+                                        <p:strVal val="visible"/>
+                                      </p:to>
+                                    </p:set>
+                                  </p:childTnLst>
+                                </p:cTn>
+                              </p:par>
+                            </p:childTnLst>
+                          </p:cTn>
+                        </p:par>
+                      </p:childTnLst>
+                    </p:cTn>
+                  </p:par>
+                  <p:par>
+                    <p:cTn id="31" fill="hold">
+                      <p:stCondLst>
+                        <p:cond delay="indefinite"/>
+                      </p:stCondLst>
+                      <p:childTnLst>
+                        <p:par>
+                          <p:cTn id="32" fill="hold">
+                            <p:stCondLst>
+                              <p:cond delay="0"/>
+                            </p:stCondLst>
+                            <p:childTnLst>
+                              <p:par>
+                                <p:cTn id="33" presetID="1" presetClass="exit" presetSubtype="0" fill="hold" nodeType="clickEffect">
+                                  <p:stCondLst>
+                                    <p:cond delay="0"/>
+                                  </p:stCondLst>
+                                  <p:childTnLst>
+                                    <p:set>
+                                      <p:cBhvr>
+                                        <p:cTn id="34" dur="1" fill="hold">
+                                          <p:stCondLst>
+                                            <p:cond delay="0"/>
+                                          </p:stCondLst>
+                                        </p:cTn>
+                                        <p:tgtEl>
+                                          <p:spTgt spid="2055"/>
+                                        </p:tgtEl>
+                                        <p:attrNameLst>
+                                          <p:attrName>style.visibility</p:attrName>
+                                        </p:attrNameLst>
+                                      </p:cBhvr>
+                                      <p:to>
+                                        <p:strVal val="hidden"/>
+                                      </p:to>
+                                    </p:set>
+                                  </p:childTnLst>
+                                </p:cTn>
+                              </p:par>
+                              <p:par>
+                                <p:cTn id="35" presetID="1" presetClass="entr" presetSubtype="0" fill="hold" grpId="0" nodeType="withEffect">
+                                  <p:stCondLst>
+                                    <p:cond delay="0"/>
+                                  </p:stCondLst>
+                                  <p:childTnLst>
+                                    <p:set>
+                                      <p:cBhvr>
+                                        <p:cTn id="36" dur="1" fill="hold">
+                                          <p:stCondLst>
+                                            <p:cond delay="0"/>
+                                          </p:stCondLst>
+                                        </p:cTn>
+                                        <p:tgtEl>
+                                          <p:spTgt spid="29"/>
+                                        </p:tgtEl>
+                                        <p:attrNameLst>
+                                          <p:attrName>style.visibility</p:attrName>
+                                        </p:attrNameLst>
+                                      </p:cBhvr>
+                                      <p:to>
+                                        <p:strVal val="visible"/>
+                                      </p:to>
+                                    </p:set>
+                                  </p:childTnLst>
+                                </p:cTn>
+                              </p:par>
+                              <p:par>
+                                <p:cTn id="37" presetID="1" presetClass="entr" presetSubtype="0" fill="hold" grpId="0" nodeType="withEffect">
+                                  <p:stCondLst>
+                                    <p:cond delay="0"/>
+                                  </p:stCondLst>
+                                  <p:childTnLst>
+                                    <p:set>
+                                      <p:cBhvr>
+                                        <p:cTn id="38" dur="1" fill="hold">
+                                          <p:stCondLst>
+                                            <p:cond delay="0"/>
+                                          </p:stCondLst>
+                                        </p:cTn>
+                                        <p:tgtEl>
+                                          <p:spTgt spid="33"/>
+                                        </p:tgtEl>
+                                        <p:attrNameLst>
+                                          <p:attrName>style.visibility</p:attrName>
+                                        </p:attrNameLst>
+                                      </p:cBhvr>
+                                      <p:to>
+                                        <p:strVal val="visible"/>
+                                      </p:to>
+                                    </p:set>
+                                  </p:childTnLst>
+                                </p:cTn>
+                              </p:par>
+                              <p:par>
+                                <p:cTn id="39" presetID="1" presetClass="entr" presetSubtype="0" fill="hold" grpId="0" nodeType="withEffect">
+                                  <p:stCondLst>
+                                    <p:cond delay="0"/>
+                                  </p:stCondLst>
+                                  <p:childTnLst>
+                                    <p:set>
+                                      <p:cBhvr>
+                                        <p:cTn id="40" dur="1" fill="hold">
+                                          <p:stCondLst>
+                                            <p:cond delay="0"/>
+                                          </p:stCondLst>
+                                        </p:cTn>
+                                        <p:tgtEl>
+                                          <p:spTgt spid="34"/>
+                                        </p:tgtEl>
+                                        <p:attrNameLst>
+                                          <p:attrName>style.visibility</p:attrName>
+                                        </p:attrNameLst>
+                                      </p:cBhvr>
+                                      <p:to>
+                                        <p:strVal val="visible"/>
+                                      </p:to>
+                                    </p:set>
+                                  </p:childTnLst>
+                                </p:cTn>
+                              </p:par>
+                              <p:par>
+                                <p:cTn id="41" presetID="1" presetClass="entr" presetSubtype="0" fill="hold" grpId="0" nodeType="withEffect">
+                                  <p:stCondLst>
+                                    <p:cond delay="0"/>
+                                  </p:stCondLst>
+                                  <p:childTnLst>
+                                    <p:set>
+                                      <p:cBhvr>
+                                        <p:cTn id="42" dur="1" fill="hold">
+                                          <p:stCondLst>
+                                            <p:cond delay="0"/>
+                                          </p:stCondLst>
+                                        </p:cTn>
+                                        <p:tgtEl>
+                                          <p:spTgt spid="32"/>
+                                        </p:tgtEl>
+                                        <p:attrNameLst>
+                                          <p:attrName>style.visibility</p:attrName>
+                                        </p:attrNameLst>
+                                      </p:cBhvr>
+                                      <p:to>
+                                        <p:strVal val="visible"/>
+                                      </p:to>
+                                    </p:set>
+                                  </p:childTnLst>
+                                </p:cTn>
+                              </p:par>
+                              <p:par>
+                                <p:cTn id="43" presetID="1" presetClass="entr" presetSubtype="0" fill="hold" grpId="0" nodeType="withEffect">
+                                  <p:stCondLst>
+                                    <p:cond delay="0"/>
+                                  </p:stCondLst>
+                                  <p:childTnLst>
+                                    <p:set>
+                                      <p:cBhvr>
+                                        <p:cTn id="44" dur="1" fill="hold">
+                                          <p:stCondLst>
+                                            <p:cond delay="0"/>
+                                          </p:stCondLst>
+                                        </p:cTn>
+                                        <p:tgtEl>
+                                          <p:spTgt spid="30"/>
+                                        </p:tgtEl>
+                                        <p:attrNameLst>
+                                          <p:attrName>style.visibility</p:attrName>
+                                        </p:attrNameLst>
+                                      </p:cBhvr>
+                                      <p:to>
+                                        <p:strVal val="visible"/>
+                                      </p:to>
+                                    </p:set>
+                                  </p:childTnLst>
+                                </p:cTn>
+                              </p:par>
+                              <p:par>
+                                <p:cTn id="45" presetID="1" presetClass="entr" presetSubtype="0" fill="hold" grpId="0" nodeType="withEffect">
+                                  <p:stCondLst>
+                                    <p:cond delay="0"/>
+                                  </p:stCondLst>
+                                  <p:childTnLst>
+                                    <p:set>
+                                      <p:cBhvr>
+                                        <p:cTn id="46" dur="1" fill="hold">
+                                          <p:stCondLst>
+                                            <p:cond delay="0"/>
+                                          </p:stCondLst>
+                                        </p:cTn>
+                                        <p:tgtEl>
+                                          <p:spTgt spid="31"/>
+                                        </p:tgtEl>
+                                        <p:attrNameLst>
+                                          <p:attrName>style.visibility</p:attrName>
+                                        </p:attrNameLst>
+                                      </p:cBhvr>
+                                      <p:to>
+                                        <p:strVal val="visible"/>
+                                      </p:to>
+                                    </p:set>
+                                  </p:childTnLst>
+                                </p:cTn>
+                              </p:par>
+                              <p:par>
+                                <p:cTn id="47" presetID="1" presetClass="entr" presetSubtype="0" fill="hold" nodeType="withEffect">
+                                  <p:stCondLst>
+                                    <p:cond delay="0"/>
+                                  </p:stCondLst>
+                                  <p:childTnLst>
+                                    <p:set>
+                                      <p:cBhvr>
+                                        <p:cTn id="48" dur="1" fill="hold">
+                                          <p:stCondLst>
+                                            <p:cond delay="0"/>
+                                          </p:stCondLst>
+                                        </p:cTn>
+                                        <p:tgtEl>
+                                          <p:spTgt spid="7"/>
+                                        </p:tgtEl>
+                                        <p:attrNameLst>
+                                          <p:attrName>style.visibility</p:attrName>
+                                        </p:attrNameLst>
+                                      </p:cBhvr>
+                                      <p:to>
+                                        <p:strVal val="visible"/>
+                                      </p:to>
+                                    </p:set>
+                                  </p:childTnLst>
+                                </p:cTn>
+                              </p:par>
+                            </p:childTnLst>
+                          </p:cTn>
+                        </p:par>
+                      </p:childTnLst>
+                    </p:cTn>
+                  </p:par>
+                  <p:par>
+                    <p:cTn id="49" fill="hold">
+                      <p:stCondLst>
+                        <p:cond delay="indefinite"/>
+                      </p:stCondLst>
+                      <p:childTnLst>
+                        <p:par>
+                          <p:cTn id="50" fill="hold">
+                            <p:stCondLst>
+                              <p:cond delay="0"/>
+                            </p:stCondLst>
+                            <p:childTnLst>
+                              <p:par>
+                                <p:cTn id="51" presetID="1" presetClass="exit" presetSubtype="0" fill="hold" grpId="1" nodeType="clickEffect">
+                                  <p:stCondLst>
+                                    <p:cond delay="0"/>
+                                  </p:stCondLst>
+                                  <p:childTnLst>
+                                    <p:set>
+                                      <p:cBhvr>
+                                        <p:cTn id="52" dur="1" fill="hold">
+                                          <p:stCondLst>
+                                            <p:cond delay="0"/>
+                                          </p:stCondLst>
+                                        </p:cTn>
+                                        <p:tgtEl>
+                                          <p:spTgt spid="29"/>
+                                        </p:tgtEl>
+                                        <p:attrNameLst>
+                                          <p:attrName>style.visibility</p:attrName>
+                                        </p:attrNameLst>
+                                      </p:cBhvr>
+                                      <p:to>
+                                        <p:strVal val="hidden"/>
+                                      </p:to>
+                                    </p:set>
+                                  </p:childTnLst>
+                                </p:cTn>
+                              </p:par>
+                              <p:par>
+                                <p:cTn id="53" presetID="1" presetClass="exit" presetSubtype="0" fill="hold" grpId="1" nodeType="withEffect">
+                                  <p:stCondLst>
+                                    <p:cond delay="0"/>
+                                  </p:stCondLst>
+                                  <p:childTnLst>
+                                    <p:set>
+                                      <p:cBhvr>
+                                        <p:cTn id="54" dur="1" fill="hold">
+                                          <p:stCondLst>
+                                            <p:cond delay="0"/>
+                                          </p:stCondLst>
+                                        </p:cTn>
+                                        <p:tgtEl>
+                                          <p:spTgt spid="33"/>
+                                        </p:tgtEl>
+                                        <p:attrNameLst>
+                                          <p:attrName>style.visibility</p:attrName>
+                                        </p:attrNameLst>
+                                      </p:cBhvr>
+                                      <p:to>
+                                        <p:strVal val="hidden"/>
+                                      </p:to>
+                                    </p:set>
+                                  </p:childTnLst>
+                                </p:cTn>
+                              </p:par>
+                              <p:par>
+                                <p:cTn id="55" presetID="1" presetClass="exit" presetSubtype="0" fill="hold" grpId="1" nodeType="withEffect">
+                                  <p:stCondLst>
+                                    <p:cond delay="0"/>
+                                  </p:stCondLst>
+                                  <p:childTnLst>
+                                    <p:set>
+                                      <p:cBhvr>
+                                        <p:cTn id="56" dur="1" fill="hold">
+                                          <p:stCondLst>
+                                            <p:cond delay="0"/>
+                                          </p:stCondLst>
+                                        </p:cTn>
+                                        <p:tgtEl>
+                                          <p:spTgt spid="34"/>
+                                        </p:tgtEl>
+                                        <p:attrNameLst>
+                                          <p:attrName>style.visibility</p:attrName>
+                                        </p:attrNameLst>
+                                      </p:cBhvr>
+                                      <p:to>
+                                        <p:strVal val="hidden"/>
+                                      </p:to>
+                                    </p:set>
+                                  </p:childTnLst>
+                                </p:cTn>
+                              </p:par>
+                              <p:par>
+                                <p:cTn id="57" presetID="1" presetClass="exit" presetSubtype="0" fill="hold" grpId="1" nodeType="withEffect">
+                                  <p:stCondLst>
+                                    <p:cond delay="0"/>
+                                  </p:stCondLst>
+                                  <p:childTnLst>
+                                    <p:set>
+                                      <p:cBhvr>
+                                        <p:cTn id="58" dur="1" fill="hold">
+                                          <p:stCondLst>
+                                            <p:cond delay="0"/>
+                                          </p:stCondLst>
+                                        </p:cTn>
+                                        <p:tgtEl>
+                                          <p:spTgt spid="32"/>
+                                        </p:tgtEl>
+                                        <p:attrNameLst>
+                                          <p:attrName>style.visibility</p:attrName>
+                                        </p:attrNameLst>
+                                      </p:cBhvr>
+                                      <p:to>
+                                        <p:strVal val="hidden"/>
+                                      </p:to>
+                                    </p:set>
+                                  </p:childTnLst>
+                                </p:cTn>
+                              </p:par>
+                              <p:par>
+                                <p:cTn id="59" presetID="1" presetClass="exit" presetSubtype="0" fill="hold" grpId="1" nodeType="withEffect">
+                                  <p:stCondLst>
+                                    <p:cond delay="0"/>
+                                  </p:stCondLst>
+                                  <p:childTnLst>
+                                    <p:set>
+                                      <p:cBhvr>
+                                        <p:cTn id="60" dur="1" fill="hold">
+                                          <p:stCondLst>
+                                            <p:cond delay="0"/>
+                                          </p:stCondLst>
+                                        </p:cTn>
+                                        <p:tgtEl>
+                                          <p:spTgt spid="30"/>
+                                        </p:tgtEl>
+                                        <p:attrNameLst>
+                                          <p:attrName>style.visibility</p:attrName>
+                                        </p:attrNameLst>
+                                      </p:cBhvr>
+                                      <p:to>
+                                        <p:strVal val="hidden"/>
+                                      </p:to>
+                                    </p:set>
+                                  </p:childTnLst>
+                                </p:cTn>
+                              </p:par>
+                              <p:par>
+                                <p:cTn id="61" presetID="1" presetClass="exit" presetSubtype="0" fill="hold" grpId="1" nodeType="withEffect">
+                                  <p:stCondLst>
+                                    <p:cond delay="0"/>
+                                  </p:stCondLst>
+                                  <p:childTnLst>
+                                    <p:set>
+                                      <p:cBhvr>
+                                        <p:cTn id="62" dur="1" fill="hold">
+                                          <p:stCondLst>
+                                            <p:cond delay="0"/>
+                                          </p:stCondLst>
+                                        </p:cTn>
+                                        <p:tgtEl>
+                                          <p:spTgt spid="31"/>
+                                        </p:tgtEl>
+                                        <p:attrNameLst>
+                                          <p:attrName>style.visibility</p:attrName>
+                                        </p:attrNameLst>
+                                      </p:cBhvr>
+                                      <p:to>
+                                        <p:strVal val="hidden"/>
+                                      </p:to>
+                                    </p:set>
+                                  </p:childTnLst>
+                                </p:cTn>
+                              </p:par>
+                              <p:par>
+                                <p:cTn id="63" presetID="1" presetClass="exit" presetSubtype="0" fill="hold" nodeType="withEffect">
+                                  <p:stCondLst>
+                                    <p:cond delay="0"/>
+                                  </p:stCondLst>
+                                  <p:childTnLst>
+                                    <p:set>
+                                      <p:cBhvr>
+                                        <p:cTn id="64" dur="1" fill="hold">
+                                          <p:stCondLst>
+                                            <p:cond delay="0"/>
+                                          </p:stCondLst>
+                                        </p:cTn>
+                                        <p:tgtEl>
+                                          <p:spTgt spid="7"/>
+                                        </p:tgtEl>
+                                        <p:attrNameLst>
+                                          <p:attrName>style.visibility</p:attrName>
+                                        </p:attrNameLst>
+                                      </p:cBhvr>
+                                      <p:to>
+                                        <p:strVal val="hidden"/>
+                                      </p:to>
+                                    </p:set>
+                                  </p:childTnLst>
+                                </p:cTn>
+                              </p:par>
+                              <p:par>
+                                <p:cTn id="65" presetID="1" presetClass="entr" presetSubtype="0" fill="hold" nodeType="withEffect">
+                                  <p:stCondLst>
+                                    <p:cond delay="0"/>
+                                  </p:stCondLst>
+                                  <p:childTnLst>
+                                    <p:set>
+                                      <p:cBhvr>
+                                        <p:cTn id="66" dur="1" fill="hold">
+                                          <p:stCondLst>
+                                            <p:cond delay="0"/>
+                                          </p:stCondLst>
+                                        </p:cTn>
+                                        <p:tgtEl>
+                                          <p:spTgt spid="2057"/>
+                                        </p:tgtEl>
+                                        <p:attrNameLst>
+                                          <p:attrName>style.visibility</p:attrName>
+                                        </p:attrNameLst>
+                                      </p:cBhvr>
+                                      <p:to>
+                                        <p:strVal val="visible"/>
+                                      </p:to>
+                                    </p:set>
+                                  </p:childTnLst>
+                                </p:cTn>
+                              </p:par>
+                            </p:childTnLst>
+                          </p:cTn>
+                        </p:par>
+                      </p:childTnLst>
+                    </p:cTn>
+                  </p:par>
+                  <p:par>
+                    <p:cTn id="67" fill="hold">
+                      <p:stCondLst>
+                        <p:cond delay="indefinite"/>
+                      </p:stCondLst>
+                      <p:childTnLst>
+                        <p:par>
+                          <p:cTn id="68" fill="hold">
+                            <p:stCondLst>
+                              <p:cond delay="0"/>
+                            </p:stCondLst>
+                            <p:childTnLst>
+                              <p:par>
+                                <p:cTn id="69" presetID="1" presetClass="exit" presetSubtype="0" fill="hold" nodeType="clickEffect">
+                                  <p:stCondLst>
+                                    <p:cond delay="0"/>
+                                  </p:stCondLst>
+                                  <p:childTnLst>
+                                    <p:set>
+                                      <p:cBhvr>
+                                        <p:cTn id="70" dur="1" fill="hold">
+                                          <p:stCondLst>
+                                            <p:cond delay="0"/>
+                                          </p:stCondLst>
+                                        </p:cTn>
+                                        <p:tgtEl>
+                                          <p:spTgt spid="2057"/>
+                                        </p:tgtEl>
+                                        <p:attrNameLst>
+                                          <p:attrName>style.visibility</p:attrName>
+                                        </p:attrNameLst>
+                                      </p:cBhvr>
+                                      <p:to>
+                                        <p:strVal val="hidden"/>
+                                      </p:to>
+                                    </p:set>
+                                  </p:childTnLst>
+                                </p:cTn>
+                              </p:par>
+                              <p:par>
+                                <p:cTn id="71" presetID="1" presetClass="entr" presetSubtype="0" fill="hold" grpId="0" nodeType="withEffect">
+                                  <p:stCondLst>
+                                    <p:cond delay="0"/>
+                                  </p:stCondLst>
+                                  <p:childTnLst>
+                                    <p:set>
+                                      <p:cBhvr>
+                                        <p:cTn id="72" dur="1" fill="hold">
+                                          <p:stCondLst>
+                                            <p:cond delay="0"/>
+                                          </p:stCondLst>
+                                        </p:cTn>
+                                        <p:tgtEl>
+                                          <p:spTgt spid="35"/>
+                                        </p:tgtEl>
+                                        <p:attrNameLst>
+                                          <p:attrName>style.visibility</p:attrName>
+                                        </p:attrNameLst>
+                                      </p:cBhvr>
+                                      <p:to>
+                                        <p:strVal val="visible"/>
+                                      </p:to>
+                                    </p:set>
+                                  </p:childTnLst>
+                                </p:cTn>
+                              </p:par>
+                              <p:par>
+                                <p:cTn id="73" presetID="1" presetClass="entr" presetSubtype="0" fill="hold" grpId="0" nodeType="withEffect">
+                                  <p:stCondLst>
+                                    <p:cond delay="0"/>
+                                  </p:stCondLst>
+                                  <p:childTnLst>
+                                    <p:set>
+                                      <p:cBhvr>
+                                        <p:cTn id="74" dur="1" fill="hold">
+                                          <p:stCondLst>
+                                            <p:cond delay="0"/>
+                                          </p:stCondLst>
+                                        </p:cTn>
+                                        <p:tgtEl>
+                                          <p:spTgt spid="37"/>
+                                        </p:tgtEl>
+                                        <p:attrNameLst>
+                                          <p:attrName>style.visibility</p:attrName>
+                                        </p:attrNameLst>
+                                      </p:cBhvr>
+                                      <p:to>
+                                        <p:strVal val="visible"/>
+                                      </p:to>
+                                    </p:set>
+                                  </p:childTnLst>
+                                </p:cTn>
+                              </p:par>
+                              <p:par>
+                                <p:cTn id="75" presetID="1" presetClass="entr" presetSubtype="0" fill="hold" grpId="0" nodeType="withEffect">
+                                  <p:stCondLst>
+                                    <p:cond delay="0"/>
+                                  </p:stCondLst>
+                                  <p:childTnLst>
+                                    <p:set>
+                                      <p:cBhvr>
+                                        <p:cTn id="76" dur="1" fill="hold">
+                                          <p:stCondLst>
+                                            <p:cond delay="0"/>
+                                          </p:stCondLst>
+                                        </p:cTn>
+                                        <p:tgtEl>
+                                          <p:spTgt spid="38"/>
+                                        </p:tgtEl>
+                                        <p:attrNameLst>
+                                          <p:attrName>style.visibility</p:attrName>
+                                        </p:attrNameLst>
+                                      </p:cBhvr>
+                                      <p:to>
+                                        <p:strVal val="visible"/>
+                                      </p:to>
+                                    </p:set>
+                                  </p:childTnLst>
+                                </p:cTn>
+                              </p:par>
+                              <p:par>
+                                <p:cTn id="77" presetID="1" presetClass="entr" presetSubtype="0" fill="hold" nodeType="withEffect">
+                                  <p:stCondLst>
+                                    <p:cond delay="0"/>
+                                  </p:stCondLst>
+                                  <p:childTnLst>
+                                    <p:set>
+                                      <p:cBhvr>
+                                        <p:cTn id="78" dur="1" fill="hold">
+                                          <p:stCondLst>
+                                            <p:cond delay="0"/>
+                                          </p:stCondLst>
+                                        </p:cTn>
+                                        <p:tgtEl>
+                                          <p:spTgt spid="7"/>
+                                        </p:tgtEl>
+                                        <p:attrNameLst>
+                                          <p:attrName>style.visibility</p:attrName>
+                                        </p:attrNameLst>
+                                      </p:cBhvr>
+                                      <p:to>
+                                        <p:strVal val="visible"/>
+                                      </p:to>
+                                    </p:set>
+                                  </p:childTnLst>
+                                </p:cTn>
+                              </p:par>
+                            </p:childTnLst>
+                          </p:cTn>
+                        </p:par>
+                      </p:childTnLst>
+                    </p:cTn>
+                  </p:par>
+                  <p:par>
+                    <p:cTn id="79" fill="hold">
+                      <p:stCondLst>
+                        <p:cond delay="indefinite"/>
+                      </p:stCondLst>
+                      <p:childTnLst>
+                        <p:par>
+                          <p:cTn id="80" fill="hold">
+                            <p:stCondLst>
+                              <p:cond delay="0"/>
+                            </p:stCondLst>
+                            <p:childTnLst>
+                              <p:par>
+                                <p:cTn id="81" presetID="1" presetClass="exit" presetSubtype="0" fill="hold" grpId="1" nodeType="clickEffect">
+                                  <p:stCondLst>
+                                    <p:cond delay="0"/>
+                                  </p:stCondLst>
+                                  <p:childTnLst>
+                                    <p:set>
+                                      <p:cBhvr>
+                                        <p:cTn id="82" dur="1" fill="hold">
+                                          <p:stCondLst>
+                                            <p:cond delay="0"/>
+                                          </p:stCondLst>
+                                        </p:cTn>
+                                        <p:tgtEl>
+                                          <p:spTgt spid="35"/>
+                                        </p:tgtEl>
+                                        <p:attrNameLst>
+                                          <p:attrName>style.visibility</p:attrName>
+                                        </p:attrNameLst>
+                                      </p:cBhvr>
+                                      <p:to>
+                                        <p:strVal val="hidden"/>
+                                      </p:to>
+                                    </p:set>
+                                  </p:childTnLst>
+                                </p:cTn>
+                              </p:par>
+                              <p:par>
+                                <p:cTn id="83" presetID="1" presetClass="exit" presetSubtype="0" fill="hold" grpId="1" nodeType="withEffect">
+                                  <p:stCondLst>
+                                    <p:cond delay="0"/>
+                                  </p:stCondLst>
+                                  <p:childTnLst>
+                                    <p:set>
+                                      <p:cBhvr>
+                                        <p:cTn id="84" dur="1" fill="hold">
+                                          <p:stCondLst>
+                                            <p:cond delay="0"/>
+                                          </p:stCondLst>
+                                        </p:cTn>
+                                        <p:tgtEl>
+                                          <p:spTgt spid="37"/>
+                                        </p:tgtEl>
+                                        <p:attrNameLst>
+                                          <p:attrName>style.visibility</p:attrName>
+                                        </p:attrNameLst>
+                                      </p:cBhvr>
+                                      <p:to>
+                                        <p:strVal val="hidden"/>
+                                      </p:to>
+                                    </p:set>
+                                  </p:childTnLst>
+                                </p:cTn>
+                              </p:par>
+                              <p:par>
+                                <p:cTn id="85" presetID="1" presetClass="exit" presetSubtype="0" fill="hold" grpId="1" nodeType="withEffect">
+                                  <p:stCondLst>
+                                    <p:cond delay="0"/>
+                                  </p:stCondLst>
+                                  <p:childTnLst>
+                                    <p:set>
+                                      <p:cBhvr>
+                                        <p:cTn id="86" dur="1" fill="hold">
+                                          <p:stCondLst>
+                                            <p:cond delay="0"/>
+                                          </p:stCondLst>
+                                        </p:cTn>
+                                        <p:tgtEl>
+                                          <p:spTgt spid="38"/>
+                                        </p:tgtEl>
+                                        <p:attrNameLst>
+                                          <p:attrName>style.visibility</p:attrName>
+                                        </p:attrNameLst>
+                                      </p:cBhvr>
+                                      <p:to>
+                                        <p:strVal val="hidden"/>
+                                      </p:to>
+                                    </p:set>
+                                  </p:childTnLst>
+                                </p:cTn>
+                              </p:par>
+                              <p:par>
+                                <p:cTn id="87" presetID="1" presetClass="entr" presetSubtype="0" fill="hold" nodeType="withEffect">
+                                  <p:stCondLst>
+                                    <p:cond delay="0"/>
+                                  </p:stCondLst>
+                                  <p:childTnLst>
+                                    <p:set>
+                                      <p:cBhvr>
+                                        <p:cTn id="88" dur="1" fill="hold">
+                                          <p:stCondLst>
+                                            <p:cond delay="0"/>
+                                          </p:stCondLst>
+                                        </p:cTn>
+                                        <p:tgtEl>
+                                          <p:spTgt spid="2058"/>
+                                        </p:tgtEl>
+                                        <p:attrNameLst>
+                                          <p:attrName>style.visibility</p:attrName>
+                                        </p:attrNameLst>
+                                      </p:cBhvr>
+                                      <p:to>
+                                        <p:strVal val="visible"/>
+                                      </p:to>
+                                    </p:set>
+                                  </p:childTnLst>
+                                </p:cTn>
+                              </p:par>
+                              <p:par>
+                                <p:cTn id="89" presetID="1" presetClass="exit" presetSubtype="0" fill="hold" nodeType="withEffect">
+                                  <p:stCondLst>
+                                    <p:cond delay="0"/>
+                                  </p:stCondLst>
+                                  <p:childTnLst>
+                                    <p:set>
+                                      <p:cBhvr>
+                                        <p:cTn id="90" dur="1" fill="hold">
+                                          <p:stCondLst>
+                                            <p:cond delay="0"/>
+                                          </p:stCondLst>
+                                        </p:cTn>
+                                        <p:tgtEl>
+                                          <p:spTgt spid="7"/>
+                                        </p:tgtEl>
+                                        <p:attrNameLst>
+                                          <p:attrName>style.visibility</p:attrName>
+                                        </p:attrNameLst>
+                                      </p:cBhvr>
+                                      <p:to>
+                                        <p:strVal val="hidden"/>
+                                      </p:to>
+                                    </p:set>
+                                  </p:childTnLst>
+                                </p:cTn>
+                              </p:par>
+                            </p:childTnLst>
+                          </p:cTn>
+                        </p:par>
+                      </p:childTnLst>
+                    </p:cTn>
+                  </p:par>
+                </p:childTnLst>
+              </p:cTn>
+              <p:prevCondLst>
+                <p:cond evt="onPrev" delay="0">
+                  <p:tgtEl>
+                    <p:sldTgt/>
+                  </p:tgtEl>
+                </p:cond>
+              </p:prevCondLst>
+              <p:nextCondLst>
+                <p:cond evt="onNext" delay="0">
+                  <p:tgtEl>
+                    <p:sldTgt/>
+                  </p:tgtEl>
+                </p:cond>
+              </p:nextCondLst>
+            </p:seq>
+          </p:childTnLst>
+        </p:cTn>
+      </p:par>
+    </p:tnLst>
+    <p:bldLst>
+      <p:bldP spid="23" grpId="0" animBg="1"/>
+      <p:bldP spid="23" grpId="1" animBg="1"/>
+      <p:bldP spid="24" grpId="0" animBg="1"/>
+      <p:bldP spid="24" grpId="1" animBg="1"/>
+      <p:bldP spid="25" grpId="0" animBg="1"/>
+      <p:bldP spid="25" grpId="1" animBg="1"/>
+      <p:bldP spid="26" grpId="0" animBg="1"/>
+      <p:bldP spid="26" grpId="1" animBg="1"/>
+      <p:bldP spid="27" grpId="0" animBg="1"/>
+      <p:bldP spid="27" grpId="1" animBg="1"/>
+      <p:bldP spid="29" grpId="0" animBg="1"/>
+      <p:bldP spid="29" grpId="1" animBg="1"/>
+      <p:bldP spid="30" grpId="0" animBg="1"/>
+      <p:bldP spid="30" grpId="1" animBg="1"/>
+      <p:bldP spid="31" grpId="0" animBg="1"/>
+      <p:bldP spid="31" grpId="1" animBg="1"/>
+      <p:bldP spid="32" grpId="0" animBg="1"/>
+      <p:bldP spid="32" grpId="1" animBg="1"/>
+      <p:bldP spid="33" grpId="0" animBg="1"/>
+      <p:bldP spid="33" grpId="1" animBg="1"/>
+      <p:bldP spid="34" grpId="0" animBg="1"/>
+      <p:bldP spid="34" grpId="1" animBg="1"/>
+      <p:bldP spid="35" grpId="0" animBg="1"/>
+      <p:bldP spid="35" grpId="1" animBg="1"/>
+      <p:bldP spid="37" grpId="0" animBg="1"/>
+      <p:bldP spid="37" grpId="1" animBg="1"/>
+      <p:bldP spid="38" grpId="0" animBg="1"/>
+      <p:bldP spid="38" grpId="1" animBg="1"/>
+    </p:bldLst>
+  </p:timing>
+</p:sld>
+</file>
+
+<file path=ppt/slides/slide5.xml><?xml version="1.0" encoding="utf-8"?>
+<p:sld xmlns:a="http://schemas.openxmlformats.org/drawingml/2006/main" xmlns:r="http://schemas.openxmlformats.org/officeDocument/2006/relationships" xmlns:p="http://schemas.openxmlformats.org/presentationml/2006/main">
+  <p:cSld>
+    <p:spTree>
+      <p:nvGrpSpPr>
+        <p:cNvPr id="1" name=""/>
+        <p:cNvGrpSpPr/>
+        <p:nvPr/>
+      </p:nvGrpSpPr>
+      <p:grpSpPr>
+        <a:xfrm>
+          <a:off x="0" y="0"/>
+          <a:ext cx="0" cy="0"/>
+          <a:chOff x="0" y="0"/>
+          <a:chExt cx="0" cy="0"/>
+        </a:xfrm>
+      </p:grpSpPr>
       <p:pic>
         <p:nvPicPr>
           <p:cNvPr id="5" name="Image 4"/>
@@ -5075,8 +7303,343 @@
         </p:blipFill>
         <p:spPr bwMode="auto">
           <a:xfrm>
-            <a:off x="857224" y="1714488"/>
-            <a:ext cx="7565423" cy="4883548"/>
+            <a:off x="682134" y="1428740"/>
+            <a:ext cx="7779737" cy="4184909"/>
+          </a:xfrm>
+          <a:prstGeom prst="rect">
+            <a:avLst/>
+          </a:prstGeom>
+          <a:ln w="38100" cap="sq">
+            <a:solidFill>
+              <a:schemeClr val="accent2"/>
+            </a:solidFill>
+            <a:prstDash val="solid"/>
+            <a:miter lim="800000"/>
+          </a:ln>
+          <a:effectLst>
+            <a:outerShdw blurRad="50800" dist="38100" dir="2700000" algn="tl" rotWithShape="0">
+              <a:srgbClr val="000000">
+                <a:alpha val="43000"/>
+              </a:srgbClr>
+            </a:outerShdw>
+          </a:effectLst>
+        </p:spPr>
+      </p:pic>
+      <p:sp>
+        <p:nvSpPr>
+          <p:cNvPr id="4" name="ZoneTexte 3"/>
+          <p:cNvSpPr txBox="1"/>
+          <p:nvPr/>
+        </p:nvSpPr>
+        <p:spPr>
+          <a:xfrm>
+            <a:off x="214282" y="571484"/>
+            <a:ext cx="3868367" cy="400110"/>
+          </a:xfrm>
+          <a:prstGeom prst="rect">
+            <a:avLst/>
+          </a:prstGeom>
+          <a:noFill/>
+        </p:spPr>
+        <p:txBody>
+          <a:bodyPr wrap="none" rtlCol="0">
+            <a:spAutoFit/>
+          </a:bodyPr>
+          <a:lstStyle/>
+          <a:p>
+            <a:r>
+              <a:rPr lang="fr-FR" sz="2000" dirty="0" smtClean="0">
+                <a:ln>
+                  <a:solidFill>
+                    <a:schemeClr val="bg2"/>
+                  </a:solidFill>
+                </a:ln>
+              </a:rPr>
+              <a:t>Diagramme </a:t>
+            </a:r>
+            <a:r>
+              <a:rPr lang="fr-FR" sz="2000" dirty="0" smtClean="0">
+                <a:ln>
+                  <a:solidFill>
+                    <a:schemeClr val="bg2"/>
+                  </a:solidFill>
+                </a:ln>
+              </a:rPr>
+              <a:t>de cas d’utilisation </a:t>
+            </a:r>
+            <a:r>
+              <a:rPr lang="fr-FR" dirty="0" smtClean="0">
+                <a:ln>
+                  <a:solidFill>
+                    <a:schemeClr val="bg2"/>
+                  </a:solidFill>
+                </a:ln>
+              </a:rPr>
+              <a:t>: </a:t>
+            </a:r>
+            <a:endParaRPr lang="fr-FR" dirty="0">
+              <a:ln>
+                <a:solidFill>
+                  <a:schemeClr val="bg2"/>
+                </a:solidFill>
+              </a:ln>
+            </a:endParaRPr>
+          </a:p>
+        </p:txBody>
+      </p:sp>
+      <p:pic>
+        <p:nvPicPr>
+          <p:cNvPr id="1026" name="Picture 2"/>
+          <p:cNvPicPr>
+            <a:picLocks noChangeAspect="1" noChangeArrowheads="1"/>
+          </p:cNvPicPr>
+          <p:nvPr/>
+        </p:nvPicPr>
+        <p:blipFill>
+          <a:blip r:embed="rId3"/>
+          <a:srcRect/>
+          <a:stretch>
+            <a:fillRect/>
+          </a:stretch>
+        </p:blipFill>
+        <p:spPr bwMode="auto">
+          <a:xfrm>
+            <a:off x="1000102" y="595297"/>
+            <a:ext cx="5540493" cy="3155179"/>
+          </a:xfrm>
+          <a:prstGeom prst="rect">
+            <a:avLst/>
+          </a:prstGeom>
+          <a:ln w="38100" cap="sq">
+            <a:solidFill>
+              <a:schemeClr val="accent2"/>
+            </a:solidFill>
+            <a:prstDash val="solid"/>
+            <a:miter lim="800000"/>
+          </a:ln>
+          <a:effectLst>
+            <a:outerShdw blurRad="50800" dist="38100" dir="2700000" algn="tl" rotWithShape="0">
+              <a:srgbClr val="000000">
+                <a:alpha val="43000"/>
+              </a:srgbClr>
+            </a:outerShdw>
+          </a:effectLst>
+        </p:spPr>
+      </p:pic>
+      <p:pic>
+        <p:nvPicPr>
+          <p:cNvPr id="1027" name="Picture 3"/>
+          <p:cNvPicPr>
+            <a:picLocks noChangeAspect="1" noChangeArrowheads="1"/>
+          </p:cNvPicPr>
+          <p:nvPr/>
+        </p:nvPicPr>
+        <p:blipFill>
+          <a:blip r:embed="rId4"/>
+          <a:srcRect/>
+          <a:stretch>
+            <a:fillRect/>
+          </a:stretch>
+        </p:blipFill>
+        <p:spPr bwMode="auto">
+          <a:xfrm>
+            <a:off x="1643042" y="2143121"/>
+            <a:ext cx="6775622" cy="2131221"/>
+          </a:xfrm>
+          <a:prstGeom prst="rect">
+            <a:avLst/>
+          </a:prstGeom>
+          <a:ln w="38100" cap="sq">
+            <a:solidFill>
+              <a:schemeClr val="accent2"/>
+            </a:solidFill>
+            <a:prstDash val="solid"/>
+            <a:miter lim="800000"/>
+          </a:ln>
+          <a:effectLst>
+            <a:outerShdw blurRad="50800" dist="38100" dir="2700000" algn="tl" rotWithShape="0">
+              <a:srgbClr val="000000">
+                <a:alpha val="43000"/>
+              </a:srgbClr>
+            </a:outerShdw>
+          </a:effectLst>
+        </p:spPr>
+      </p:pic>
+      <p:pic>
+        <p:nvPicPr>
+          <p:cNvPr id="1029" name="Picture 5"/>
+          <p:cNvPicPr>
+            <a:picLocks noChangeAspect="1" noChangeArrowheads="1"/>
+          </p:cNvPicPr>
+          <p:nvPr/>
+        </p:nvPicPr>
+        <p:blipFill>
+          <a:blip r:embed="rId5"/>
+          <a:srcRect/>
+          <a:stretch>
+            <a:fillRect/>
+          </a:stretch>
+        </p:blipFill>
+        <p:spPr bwMode="auto">
+          <a:xfrm>
+            <a:off x="3500430" y="119044"/>
+            <a:ext cx="5294816" cy="2678926"/>
+          </a:xfrm>
+          <a:prstGeom prst="rect">
+            <a:avLst/>
+          </a:prstGeom>
+          <a:ln w="38100" cap="sq">
+            <a:solidFill>
+              <a:schemeClr val="accent2"/>
+            </a:solidFill>
+            <a:prstDash val="solid"/>
+            <a:miter lim="800000"/>
+          </a:ln>
+          <a:effectLst>
+            <a:outerShdw blurRad="50800" dist="38100" dir="2700000" algn="tl" rotWithShape="0">
+              <a:srgbClr val="000000">
+                <a:alpha val="43000"/>
+              </a:srgbClr>
+            </a:outerShdw>
+          </a:effectLst>
+        </p:spPr>
+      </p:pic>
+      <p:pic>
+        <p:nvPicPr>
+          <p:cNvPr id="1030" name="Picture 6"/>
+          <p:cNvPicPr>
+            <a:picLocks noChangeAspect="1" noChangeArrowheads="1"/>
+          </p:cNvPicPr>
+          <p:nvPr/>
+        </p:nvPicPr>
+        <p:blipFill>
+          <a:blip r:embed="rId6"/>
+          <a:srcRect/>
+          <a:stretch>
+            <a:fillRect/>
+          </a:stretch>
+        </p:blipFill>
+        <p:spPr bwMode="auto">
+          <a:xfrm>
+            <a:off x="6877086" y="197469"/>
+            <a:ext cx="2266914" cy="1110623"/>
+          </a:xfrm>
+          <a:prstGeom prst="rect">
+            <a:avLst/>
+          </a:prstGeom>
+          <a:ln w="38100" cap="sq">
+            <a:solidFill>
+              <a:schemeClr val="accent2"/>
+            </a:solidFill>
+            <a:prstDash val="solid"/>
+            <a:miter lim="800000"/>
+          </a:ln>
+          <a:effectLst>
+            <a:outerShdw blurRad="50800" dist="38100" dir="2700000" algn="tl" rotWithShape="0">
+              <a:srgbClr val="000000">
+                <a:alpha val="43000"/>
+              </a:srgbClr>
+            </a:outerShdw>
+          </a:effectLst>
+        </p:spPr>
+      </p:pic>
+      <p:pic>
+        <p:nvPicPr>
+          <p:cNvPr id="1033" name="Picture 9"/>
+          <p:cNvPicPr>
+            <a:picLocks noChangeAspect="1" noChangeArrowheads="1"/>
+          </p:cNvPicPr>
+          <p:nvPr/>
+        </p:nvPicPr>
+        <p:blipFill>
+          <a:blip r:embed="rId7"/>
+          <a:srcRect/>
+          <a:stretch>
+            <a:fillRect/>
+          </a:stretch>
+        </p:blipFill>
+        <p:spPr bwMode="auto">
+          <a:xfrm>
+            <a:off x="6072198" y="2619375"/>
+            <a:ext cx="2643206" cy="1250166"/>
+          </a:xfrm>
+          <a:prstGeom prst="rect">
+            <a:avLst/>
+          </a:prstGeom>
+          <a:ln w="38100" cap="sq">
+            <a:solidFill>
+              <a:schemeClr val="accent2"/>
+            </a:solidFill>
+            <a:prstDash val="solid"/>
+            <a:miter lim="800000"/>
+          </a:ln>
+          <a:effectLst>
+            <a:outerShdw blurRad="50800" dist="38100" dir="2700000" algn="tl" rotWithShape="0">
+              <a:srgbClr val="000000">
+                <a:alpha val="43000"/>
+              </a:srgbClr>
+            </a:outerShdw>
+          </a:effectLst>
+        </p:spPr>
+      </p:pic>
+      <p:pic>
+        <p:nvPicPr>
+          <p:cNvPr id="1028" name="Picture 4"/>
+          <p:cNvPicPr>
+            <a:picLocks noChangeAspect="1" noChangeArrowheads="1"/>
+          </p:cNvPicPr>
+          <p:nvPr/>
+        </p:nvPicPr>
+        <p:blipFill>
+          <a:blip r:embed="rId8"/>
+          <a:srcRect/>
+          <a:stretch>
+            <a:fillRect/>
+          </a:stretch>
+        </p:blipFill>
+        <p:spPr bwMode="auto">
+          <a:xfrm>
+            <a:off x="1071538" y="3343495"/>
+            <a:ext cx="5857916" cy="2341562"/>
+          </a:xfrm>
+          <a:prstGeom prst="rect">
+            <a:avLst/>
+          </a:prstGeom>
+          <a:ln w="38100" cap="sq">
+            <a:solidFill>
+              <a:schemeClr val="accent2"/>
+            </a:solidFill>
+            <a:prstDash val="solid"/>
+            <a:miter lim="800000"/>
+          </a:ln>
+          <a:effectLst>
+            <a:outerShdw blurRad="50800" dist="38100" dir="2700000" algn="tl" rotWithShape="0">
+              <a:srgbClr val="000000">
+                <a:alpha val="43000"/>
+              </a:srgbClr>
+            </a:outerShdw>
+          </a:effectLst>
+        </p:spPr>
+      </p:pic>
+      <p:pic>
+        <p:nvPicPr>
+          <p:cNvPr id="1034" name="Picture 10"/>
+          <p:cNvPicPr>
+            <a:picLocks noChangeAspect="1" noChangeArrowheads="1"/>
+          </p:cNvPicPr>
+          <p:nvPr/>
+        </p:nvPicPr>
+        <p:blipFill>
+          <a:blip r:embed="rId9"/>
+          <a:srcRect/>
+          <a:stretch>
+            <a:fillRect/>
+          </a:stretch>
+        </p:blipFill>
+        <p:spPr bwMode="auto">
+          <a:xfrm>
+            <a:off x="6000762" y="4311450"/>
+            <a:ext cx="1743075" cy="1285876"/>
           </a:xfrm>
           <a:prstGeom prst="rect">
             <a:avLst/>
@@ -5102,10 +7665,328 @@
   <p:clrMapOvr>
     <a:masterClrMapping/>
   </p:clrMapOvr>
+  <p:timing>
+    <p:tnLst>
+      <p:par>
+        <p:cTn id="1" dur="indefinite" restart="never" nodeType="tmRoot">
+          <p:childTnLst>
+            <p:seq concurrent="1" nextAc="seek">
+              <p:cTn id="2" dur="indefinite" nodeType="mainSeq">
+                <p:childTnLst>
+                  <p:par>
+                    <p:cTn id="3" fill="hold">
+                      <p:stCondLst>
+                        <p:cond delay="indefinite"/>
+                      </p:stCondLst>
+                      <p:childTnLst>
+                        <p:par>
+                          <p:cTn id="4" fill="hold">
+                            <p:stCondLst>
+                              <p:cond delay="0"/>
+                            </p:stCondLst>
+                            <p:childTnLst>
+                              <p:par>
+                                <p:cTn id="5" presetID="1" presetClass="entr" presetSubtype="0" fill="hold" nodeType="clickEffect">
+                                  <p:stCondLst>
+                                    <p:cond delay="0"/>
+                                  </p:stCondLst>
+                                  <p:childTnLst>
+                                    <p:set>
+                                      <p:cBhvr>
+                                        <p:cTn id="6" dur="1" fill="hold">
+                                          <p:stCondLst>
+                                            <p:cond delay="0"/>
+                                          </p:stCondLst>
+                                        </p:cTn>
+                                        <p:tgtEl>
+                                          <p:spTgt spid="1026"/>
+                                        </p:tgtEl>
+                                        <p:attrNameLst>
+                                          <p:attrName>style.visibility</p:attrName>
+                                        </p:attrNameLst>
+                                      </p:cBhvr>
+                                      <p:to>
+                                        <p:strVal val="visible"/>
+                                      </p:to>
+                                    </p:set>
+                                  </p:childTnLst>
+                                </p:cTn>
+                              </p:par>
+                            </p:childTnLst>
+                          </p:cTn>
+                        </p:par>
+                      </p:childTnLst>
+                    </p:cTn>
+                  </p:par>
+                  <p:par>
+                    <p:cTn id="7" fill="hold">
+                      <p:stCondLst>
+                        <p:cond delay="indefinite"/>
+                      </p:stCondLst>
+                      <p:childTnLst>
+                        <p:par>
+                          <p:cTn id="8" fill="hold">
+                            <p:stCondLst>
+                              <p:cond delay="0"/>
+                            </p:stCondLst>
+                            <p:childTnLst>
+                              <p:par>
+                                <p:cTn id="9" presetID="1" presetClass="entr" presetSubtype="0" fill="hold" nodeType="clickEffect">
+                                  <p:stCondLst>
+                                    <p:cond delay="0"/>
+                                  </p:stCondLst>
+                                  <p:childTnLst>
+                                    <p:set>
+                                      <p:cBhvr>
+                                        <p:cTn id="10" dur="1" fill="hold">
+                                          <p:stCondLst>
+                                            <p:cond delay="0"/>
+                                          </p:stCondLst>
+                                        </p:cTn>
+                                        <p:tgtEl>
+                                          <p:spTgt spid="1027"/>
+                                        </p:tgtEl>
+                                        <p:attrNameLst>
+                                          <p:attrName>style.visibility</p:attrName>
+                                        </p:attrNameLst>
+                                      </p:cBhvr>
+                                      <p:to>
+                                        <p:strVal val="visible"/>
+                                      </p:to>
+                                    </p:set>
+                                  </p:childTnLst>
+                                </p:cTn>
+                              </p:par>
+                            </p:childTnLst>
+                          </p:cTn>
+                        </p:par>
+                      </p:childTnLst>
+                    </p:cTn>
+                  </p:par>
+                  <p:par>
+                    <p:cTn id="11" fill="hold">
+                      <p:stCondLst>
+                        <p:cond delay="indefinite"/>
+                      </p:stCondLst>
+                      <p:childTnLst>
+                        <p:par>
+                          <p:cTn id="12" fill="hold">
+                            <p:stCondLst>
+                              <p:cond delay="0"/>
+                            </p:stCondLst>
+                            <p:childTnLst>
+                              <p:par>
+                                <p:cTn id="13" presetID="1" presetClass="entr" presetSubtype="0" fill="hold" nodeType="clickEffect">
+                                  <p:stCondLst>
+                                    <p:cond delay="0"/>
+                                  </p:stCondLst>
+                                  <p:childTnLst>
+                                    <p:set>
+                                      <p:cBhvr>
+                                        <p:cTn id="14" dur="1" fill="hold">
+                                          <p:stCondLst>
+                                            <p:cond delay="0"/>
+                                          </p:stCondLst>
+                                        </p:cTn>
+                                        <p:tgtEl>
+                                          <p:spTgt spid="1029"/>
+                                        </p:tgtEl>
+                                        <p:attrNameLst>
+                                          <p:attrName>style.visibility</p:attrName>
+                                        </p:attrNameLst>
+                                      </p:cBhvr>
+                                      <p:to>
+                                        <p:strVal val="visible"/>
+                                      </p:to>
+                                    </p:set>
+                                  </p:childTnLst>
+                                </p:cTn>
+                              </p:par>
+                              <p:par>
+                                <p:cTn id="15" presetID="1" presetClass="entr" presetSubtype="0" fill="hold" nodeType="withEffect">
+                                  <p:stCondLst>
+                                    <p:cond delay="0"/>
+                                  </p:stCondLst>
+                                  <p:childTnLst>
+                                    <p:set>
+                                      <p:cBhvr>
+                                        <p:cTn id="16" dur="1" fill="hold">
+                                          <p:stCondLst>
+                                            <p:cond delay="0"/>
+                                          </p:stCondLst>
+                                        </p:cTn>
+                                        <p:tgtEl>
+                                          <p:spTgt spid="1030"/>
+                                        </p:tgtEl>
+                                        <p:attrNameLst>
+                                          <p:attrName>style.visibility</p:attrName>
+                                        </p:attrNameLst>
+                                      </p:cBhvr>
+                                      <p:to>
+                                        <p:strVal val="visible"/>
+                                      </p:to>
+                                    </p:set>
+                                  </p:childTnLst>
+                                </p:cTn>
+                              </p:par>
+                            </p:childTnLst>
+                          </p:cTn>
+                        </p:par>
+                      </p:childTnLst>
+                    </p:cTn>
+                  </p:par>
+                  <p:par>
+                    <p:cTn id="17" fill="hold">
+                      <p:stCondLst>
+                        <p:cond delay="indefinite"/>
+                      </p:stCondLst>
+                      <p:childTnLst>
+                        <p:par>
+                          <p:cTn id="18" fill="hold">
+                            <p:stCondLst>
+                              <p:cond delay="0"/>
+                            </p:stCondLst>
+                            <p:childTnLst>
+                              <p:par>
+                                <p:cTn id="19" presetID="1" presetClass="entr" presetSubtype="0" fill="hold" nodeType="clickEffect">
+                                  <p:stCondLst>
+                                    <p:cond delay="0"/>
+                                  </p:stCondLst>
+                                  <p:childTnLst>
+                                    <p:set>
+                                      <p:cBhvr>
+                                        <p:cTn id="20" dur="1" fill="hold">
+                                          <p:stCondLst>
+                                            <p:cond delay="0"/>
+                                          </p:stCondLst>
+                                        </p:cTn>
+                                        <p:tgtEl>
+                                          <p:spTgt spid="1028"/>
+                                        </p:tgtEl>
+                                        <p:attrNameLst>
+                                          <p:attrName>style.visibility</p:attrName>
+                                        </p:attrNameLst>
+                                      </p:cBhvr>
+                                      <p:to>
+                                        <p:strVal val="visible"/>
+                                      </p:to>
+                                    </p:set>
+                                  </p:childTnLst>
+                                </p:cTn>
+                              </p:par>
+                              <p:par>
+                                <p:cTn id="21" presetID="1" presetClass="entr" presetSubtype="0" fill="hold" nodeType="withEffect">
+                                  <p:stCondLst>
+                                    <p:cond delay="0"/>
+                                  </p:stCondLst>
+                                  <p:childTnLst>
+                                    <p:set>
+                                      <p:cBhvr>
+                                        <p:cTn id="22" dur="1" fill="hold">
+                                          <p:stCondLst>
+                                            <p:cond delay="0"/>
+                                          </p:stCondLst>
+                                        </p:cTn>
+                                        <p:tgtEl>
+                                          <p:spTgt spid="1033"/>
+                                        </p:tgtEl>
+                                        <p:attrNameLst>
+                                          <p:attrName>style.visibility</p:attrName>
+                                        </p:attrNameLst>
+                                      </p:cBhvr>
+                                      <p:to>
+                                        <p:strVal val="visible"/>
+                                      </p:to>
+                                    </p:set>
+                                  </p:childTnLst>
+                                </p:cTn>
+                              </p:par>
+                              <p:par>
+                                <p:cTn id="23" presetID="1" presetClass="entr" presetSubtype="0" fill="hold" nodeType="withEffect">
+                                  <p:stCondLst>
+                                    <p:cond delay="0"/>
+                                  </p:stCondLst>
+                                  <p:childTnLst>
+                                    <p:set>
+                                      <p:cBhvr>
+                                        <p:cTn id="24" dur="1" fill="hold">
+                                          <p:stCondLst>
+                                            <p:cond delay="0"/>
+                                          </p:stCondLst>
+                                        </p:cTn>
+                                        <p:tgtEl>
+                                          <p:spTgt spid="1034"/>
+                                        </p:tgtEl>
+                                        <p:attrNameLst>
+                                          <p:attrName>style.visibility</p:attrName>
+                                        </p:attrNameLst>
+                                      </p:cBhvr>
+                                      <p:to>
+                                        <p:strVal val="visible"/>
+                                      </p:to>
+                                    </p:set>
+                                  </p:childTnLst>
+                                </p:cTn>
+                              </p:par>
+                              <p:par>
+                                <p:cTn id="25" presetID="1" presetClass="exit" presetSubtype="0" fill="hold" nodeType="withEffect">
+                                  <p:stCondLst>
+                                    <p:cond delay="0"/>
+                                  </p:stCondLst>
+                                  <p:childTnLst>
+                                    <p:set>
+                                      <p:cBhvr>
+                                        <p:cTn id="26" dur="1" fill="hold">
+                                          <p:stCondLst>
+                                            <p:cond delay="0"/>
+                                          </p:stCondLst>
+                                        </p:cTn>
+                                        <p:tgtEl>
+                                          <p:spTgt spid="1027"/>
+                                        </p:tgtEl>
+                                        <p:attrNameLst>
+                                          <p:attrName>style.visibility</p:attrName>
+                                        </p:attrNameLst>
+                                      </p:cBhvr>
+                                      <p:to>
+                                        <p:strVal val="hidden"/>
+                                      </p:to>
+                                    </p:set>
+                                  </p:childTnLst>
+                                </p:cTn>
+                              </p:par>
+                            </p:childTnLst>
+                          </p:cTn>
+                        </p:par>
+                      </p:childTnLst>
+                    </p:cTn>
+                  </p:par>
+                </p:childTnLst>
+              </p:cTn>
+              <p:prevCondLst>
+                <p:cond evt="onPrev" delay="0">
+                  <p:tgtEl>
+                    <p:sldTgt/>
+                  </p:tgtEl>
+                </p:cond>
+              </p:prevCondLst>
+              <p:nextCondLst>
+                <p:cond evt="onNext" delay="0">
+                  <p:tgtEl>
+                    <p:sldTgt/>
+                  </p:tgtEl>
+                </p:cond>
+              </p:nextCondLst>
+            </p:seq>
+          </p:childTnLst>
+        </p:cTn>
+      </p:par>
+    </p:tnLst>
+  </p:timing>
 </p:sld>
 </file>
 
-<file path=ppt/slides/slide5.xml><?xml version="1.0" encoding="utf-8"?>
+<file path=ppt/slides/slide6.xml><?xml version="1.0" encoding="utf-8"?>
 <p:sld xmlns:a="http://schemas.openxmlformats.org/drawingml/2006/main" xmlns:r="http://schemas.openxmlformats.org/officeDocument/2006/relationships" xmlns:p="http://schemas.openxmlformats.org/presentationml/2006/main">
   <p:cSld>
     <p:spTree>
@@ -5124,62 +8005,80 @@
       </p:grpSpPr>
       <p:sp>
         <p:nvSpPr>
-          <p:cNvPr id="4" name="ZoneTexte 3"/>
-          <p:cNvSpPr txBox="1"/>
-          <p:nvPr/>
-        </p:nvSpPr>
-        <p:spPr>
-          <a:xfrm>
-            <a:off x="285720" y="214290"/>
-            <a:ext cx="3020379" cy="400110"/>
-          </a:xfrm>
-          <a:prstGeom prst="rect">
-            <a:avLst/>
-          </a:prstGeom>
-          <a:noFill/>
-        </p:spPr>
-        <p:txBody>
-          <a:bodyPr wrap="none" rtlCol="0">
-            <a:spAutoFit/>
-          </a:bodyPr>
+          <p:cNvPr id="2" name="Titre 1"/>
+          <p:cNvSpPr>
+            <a:spLocks noGrp="1"/>
+          </p:cNvSpPr>
+          <p:nvPr>
+            <p:ph type="title"/>
+          </p:nvPr>
+        </p:nvSpPr>
+        <p:spPr/>
+        <p:txBody>
+          <a:bodyPr/>
           <a:lstStyle/>
           <a:p>
             <a:r>
-              <a:rPr lang="fr-FR" sz="2000" dirty="0" smtClean="0">
-                <a:ln>
+              <a:rPr lang="fr-FR" dirty="0" smtClean="0">
+                <a:ln w="18415" cmpd="sng">
                   <a:solidFill>
-                    <a:schemeClr val="bg2"/>
+                    <a:srgbClr val="FFFFFF"/>
                   </a:solidFill>
+                  <a:prstDash val="solid"/>
                 </a:ln>
+                <a:solidFill>
+                  <a:srgbClr val="FFFFFF"/>
+                </a:solidFill>
+                <a:effectLst>
+                  <a:outerShdw blurRad="63500" dir="3600000" algn="tl" rotWithShape="0">
+                    <a:srgbClr val="000000">
+                      <a:alpha val="70000"/>
+                    </a:srgbClr>
+                  </a:outerShdw>
+                </a:effectLst>
               </a:rPr>
-              <a:t>Diagramme d’exigence : </a:t>
-            </a:r>
-            <a:endParaRPr lang="fr-FR" sz="2000" dirty="0">
-              <a:ln>
+              <a:t>Scénario d’alerte sécurité </a:t>
+            </a:r>
+            <a:endParaRPr lang="fr-FR" dirty="0">
+              <a:ln w="18415" cmpd="sng">
                 <a:solidFill>
-                  <a:schemeClr val="bg2"/>
+                  <a:srgbClr val="FFFFFF"/>
                 </a:solidFill>
+                <a:prstDash val="solid"/>
               </a:ln>
+              <a:solidFill>
+                <a:srgbClr val="FFFFFF"/>
+              </a:solidFill>
+              <a:effectLst>
+                <a:outerShdw blurRad="63500" dir="3600000" algn="tl" rotWithShape="0">
+                  <a:srgbClr val="000000">
+                    <a:alpha val="70000"/>
+                  </a:srgbClr>
+                </a:outerShdw>
+              </a:effectLst>
             </a:endParaRPr>
           </a:p>
         </p:txBody>
       </p:sp>
       <p:pic>
         <p:nvPicPr>
-          <p:cNvPr id="7" name="Image 6" descr="Capture.PNG"/>
-          <p:cNvPicPr/>
+          <p:cNvPr id="2050" name="Picture 2"/>
+          <p:cNvPicPr>
+            <a:picLocks noChangeAspect="1" noChangeArrowheads="1"/>
+          </p:cNvPicPr>
           <p:nvPr/>
         </p:nvPicPr>
         <p:blipFill>
           <a:blip r:embed="rId2"/>
+          <a:srcRect/>
           <a:stretch>
             <a:fillRect/>
           </a:stretch>
         </p:blipFill>
-        <p:spPr>
+        <p:spPr bwMode="auto">
           <a:xfrm>
-            <a:off x="202698" y="1071546"/>
-            <a:ext cx="8738605" cy="5214974"/>
+            <a:off x="571472" y="1026118"/>
+            <a:ext cx="8001056" cy="4623189"/>
           </a:xfrm>
           <a:prstGeom prst="rect">
             <a:avLst/>
@@ -5205,10 +8104,17 @@
   <p:clrMapOvr>
     <a:masterClrMapping/>
   </p:clrMapOvr>
+  <p:timing>
+    <p:tnLst>
+      <p:par>
+        <p:cTn id="1" dur="indefinite" restart="never" nodeType="tmRoot"/>
+      </p:par>
+    </p:tnLst>
+  </p:timing>
 </p:sld>
 </file>
 
-<file path=ppt/slides/slide6.xml><?xml version="1.0" encoding="utf-8"?>
+<file path=ppt/slides/slide7.xml><?xml version="1.0" encoding="utf-8"?>
 <p:sld xmlns:a="http://schemas.openxmlformats.org/drawingml/2006/main" xmlns:r="http://schemas.openxmlformats.org/officeDocument/2006/relationships" xmlns:p="http://schemas.openxmlformats.org/presentationml/2006/main">
   <p:cSld>
     <p:spTree>
@@ -5227,64 +8133,63 @@
       </p:grpSpPr>
       <p:sp>
         <p:nvSpPr>
-          <p:cNvPr id="4" name="ZoneTexte 3"/>
-          <p:cNvSpPr txBox="1"/>
-          <p:nvPr/>
-        </p:nvSpPr>
-        <p:spPr>
-          <a:xfrm>
-            <a:off x="285720" y="214290"/>
-            <a:ext cx="4203395" cy="400110"/>
-          </a:xfrm>
-          <a:prstGeom prst="rect">
-            <a:avLst/>
-          </a:prstGeom>
-          <a:noFill/>
-        </p:spPr>
-        <p:txBody>
-          <a:bodyPr wrap="none" rtlCol="0">
-            <a:spAutoFit/>
-          </a:bodyPr>
+          <p:cNvPr id="2" name="Titre 1"/>
+          <p:cNvSpPr>
+            <a:spLocks noGrp="1"/>
+          </p:cNvSpPr>
+          <p:nvPr>
+            <p:ph type="title"/>
+          </p:nvPr>
+        </p:nvSpPr>
+        <p:spPr/>
+        <p:txBody>
+          <a:bodyPr/>
           <a:lstStyle/>
           <a:p>
             <a:r>
-              <a:rPr lang="fr-FR" sz="2000" dirty="0" smtClean="0">
-                <a:ln>
+              <a:rPr lang="fr-FR" dirty="0" smtClean="0">
+                <a:ln w="18415" cmpd="sng">
                   <a:solidFill>
-                    <a:schemeClr val="bg2"/>
+                    <a:srgbClr val="FFFFFF"/>
                   </a:solidFill>
+                  <a:prstDash val="solid"/>
                 </a:ln>
+                <a:solidFill>
+                  <a:srgbClr val="FFFFFF"/>
+                </a:solidFill>
+                <a:effectLst>
+                  <a:outerShdw blurRad="63500" dir="3600000" algn="tl" rotWithShape="0">
+                    <a:srgbClr val="000000">
+                      <a:alpha val="70000"/>
+                    </a:srgbClr>
+                  </a:outerShdw>
+                </a:effectLst>
               </a:rPr>
-              <a:t>Diagramme séquence application : </a:t>
-            </a:r>
-            <a:endParaRPr lang="fr-FR" sz="2000" dirty="0">
-              <a:ln>
-                <a:solidFill>
-                  <a:schemeClr val="bg2"/>
-                </a:solidFill>
-              </a:ln>
-            </a:endParaRPr>
+              <a:t>Scénario d’application</a:t>
+            </a:r>
+            <a:endParaRPr lang="fr-FR" dirty="0"/>
           </a:p>
         </p:txBody>
       </p:sp>
       <p:pic>
         <p:nvPicPr>
-          <p:cNvPr id="3" name="Image 2" descr="Sequence_app.PNG"/>
+          <p:cNvPr id="3074" name="Picture 2"/>
           <p:cNvPicPr>
-            <a:picLocks noChangeAspect="1"/>
+            <a:picLocks noChangeAspect="1" noChangeArrowheads="1"/>
           </p:cNvPicPr>
           <p:nvPr/>
         </p:nvPicPr>
         <p:blipFill>
           <a:blip r:embed="rId2"/>
+          <a:srcRect/>
           <a:stretch>
             <a:fillRect/>
           </a:stretch>
         </p:blipFill>
-        <p:spPr>
+        <p:spPr bwMode="auto">
           <a:xfrm>
-            <a:off x="356679" y="928670"/>
-            <a:ext cx="8430642" cy="5306821"/>
+            <a:off x="238122" y="1571616"/>
+            <a:ext cx="8708532" cy="3714776"/>
           </a:xfrm>
           <a:prstGeom prst="rect">
             <a:avLst/>
@@ -5310,10 +8215,17 @@
   <p:clrMapOvr>
     <a:masterClrMapping/>
   </p:clrMapOvr>
+  <p:timing>
+    <p:tnLst>
+      <p:par>
+        <p:cTn id="1" dur="indefinite" restart="never" nodeType="tmRoot"/>
+      </p:par>
+    </p:tnLst>
+  </p:timing>
 </p:sld>
 </file>
 
-<file path=ppt/slides/slide7.xml><?xml version="1.0" encoding="utf-8"?>
+<file path=ppt/slides/slide8.xml><?xml version="1.0" encoding="utf-8"?>
 <p:sld xmlns:a="http://schemas.openxmlformats.org/drawingml/2006/main" xmlns:r="http://schemas.openxmlformats.org/officeDocument/2006/relationships" xmlns:p="http://schemas.openxmlformats.org/presentationml/2006/main">
   <p:cSld>
     <p:spTree>
@@ -5332,64 +8244,80 @@
       </p:grpSpPr>
       <p:sp>
         <p:nvSpPr>
-          <p:cNvPr id="4" name="ZoneTexte 3"/>
-          <p:cNvSpPr txBox="1"/>
-          <p:nvPr/>
-        </p:nvSpPr>
-        <p:spPr>
-          <a:xfrm>
-            <a:off x="285720" y="214290"/>
-            <a:ext cx="3446777" cy="400110"/>
-          </a:xfrm>
-          <a:prstGeom prst="rect">
-            <a:avLst/>
-          </a:prstGeom>
-          <a:noFill/>
-        </p:spPr>
-        <p:txBody>
-          <a:bodyPr wrap="none" rtlCol="0">
-            <a:spAutoFit/>
-          </a:bodyPr>
+          <p:cNvPr id="2" name="Titre 1"/>
+          <p:cNvSpPr>
+            <a:spLocks noGrp="1"/>
+          </p:cNvSpPr>
+          <p:nvPr>
+            <p:ph type="title"/>
+          </p:nvPr>
+        </p:nvSpPr>
+        <p:spPr/>
+        <p:txBody>
+          <a:bodyPr/>
           <a:lstStyle/>
           <a:p>
             <a:r>
-              <a:rPr lang="fr-FR" sz="2000" dirty="0" smtClean="0">
-                <a:ln>
+              <a:rPr lang="fr-FR" dirty="0" smtClean="0">
+                <a:ln w="18415" cmpd="sng">
                   <a:solidFill>
-                    <a:schemeClr val="bg2"/>
+                    <a:srgbClr val="FFFFFF"/>
                   </a:solidFill>
+                  <a:prstDash val="solid"/>
                 </a:ln>
+                <a:solidFill>
+                  <a:srgbClr val="FFFFFF"/>
+                </a:solidFill>
+                <a:effectLst>
+                  <a:outerShdw blurRad="63500" dir="3600000" algn="tl" rotWithShape="0">
+                    <a:srgbClr val="000000">
+                      <a:alpha val="70000"/>
+                    </a:srgbClr>
+                  </a:outerShdw>
+                </a:effectLst>
               </a:rPr>
-              <a:t>Diagramme séquence web : </a:t>
-            </a:r>
-            <a:endParaRPr lang="fr-FR" sz="2000" dirty="0">
-              <a:ln>
+              <a:t>Scénario serveur web</a:t>
+            </a:r>
+            <a:endParaRPr lang="fr-FR" dirty="0">
+              <a:ln w="18415" cmpd="sng">
                 <a:solidFill>
-                  <a:schemeClr val="bg2"/>
+                  <a:srgbClr val="FFFFFF"/>
                 </a:solidFill>
+                <a:prstDash val="solid"/>
               </a:ln>
+              <a:solidFill>
+                <a:srgbClr val="FFFFFF"/>
+              </a:solidFill>
+              <a:effectLst>
+                <a:outerShdw blurRad="63500" dir="3600000" algn="tl" rotWithShape="0">
+                  <a:srgbClr val="000000">
+                    <a:alpha val="70000"/>
+                  </a:srgbClr>
+                </a:outerShdw>
+              </a:effectLst>
             </a:endParaRPr>
           </a:p>
         </p:txBody>
       </p:sp>
       <p:pic>
         <p:nvPicPr>
-          <p:cNvPr id="5" name="Image 4" descr="Sequence_web.PNG"/>
+          <p:cNvPr id="4098" name="Picture 2"/>
           <p:cNvPicPr>
-            <a:picLocks noChangeAspect="1"/>
+            <a:picLocks noChangeAspect="1" noChangeArrowheads="1"/>
           </p:cNvPicPr>
           <p:nvPr/>
         </p:nvPicPr>
         <p:blipFill>
           <a:blip r:embed="rId2"/>
+          <a:srcRect/>
           <a:stretch>
             <a:fillRect/>
           </a:stretch>
         </p:blipFill>
-        <p:spPr>
+        <p:spPr bwMode="auto">
           <a:xfrm>
-            <a:off x="285720" y="993876"/>
-            <a:ext cx="8572560" cy="5218079"/>
+            <a:off x="659132" y="1643054"/>
+            <a:ext cx="7825737" cy="2577055"/>
           </a:xfrm>
           <a:prstGeom prst="rect">
             <a:avLst/>
@@ -5415,10 +8343,17 @@
   <p:clrMapOvr>
     <a:masterClrMapping/>
   </p:clrMapOvr>
+  <p:timing>
+    <p:tnLst>
+      <p:par>
+        <p:cTn id="1" dur="indefinite" restart="never" nodeType="tmRoot"/>
+      </p:par>
+    </p:tnLst>
+  </p:timing>
 </p:sld>
 </file>
 
-<file path=ppt/slides/slide8.xml><?xml version="1.0" encoding="utf-8"?>
+<file path=ppt/slides/slide9.xml><?xml version="1.0" encoding="utf-8"?>
 <p:sld xmlns:a="http://schemas.openxmlformats.org/drawingml/2006/main" xmlns:r="http://schemas.openxmlformats.org/officeDocument/2006/relationships" xmlns:p="http://schemas.openxmlformats.org/presentationml/2006/main">
   <p:cSld>
     <p:spTree>
@@ -5443,8 +8378,8 @@
         </p:nvSpPr>
         <p:spPr>
           <a:xfrm>
-            <a:off x="285720" y="214290"/>
-            <a:ext cx="3873176" cy="400110"/>
+            <a:off x="71406" y="71418"/>
+            <a:ext cx="5014514" cy="461665"/>
           </a:xfrm>
           <a:prstGeom prst="rect">
             <a:avLst/>
@@ -5458,43 +8393,62 @@
           <a:lstStyle/>
           <a:p>
             <a:r>
-              <a:rPr lang="fr-FR" sz="2000" dirty="0" smtClean="0">
-                <a:ln>
-                  <a:solidFill>
-                    <a:schemeClr val="bg2"/>
-                  </a:solidFill>
+              <a:rPr lang="fr-FR" sz="2400" dirty="0" smtClean="0">
+                <a:ln w="18415" cmpd="sng">
+                  <a:noFill/>
+                  <a:prstDash val="solid"/>
                 </a:ln>
+                <a:solidFill>
+                  <a:srgbClr val="FFFFFF"/>
+                </a:solidFill>
+                <a:effectLst>
+                  <a:outerShdw blurRad="63500" dir="3600000" algn="tl" rotWithShape="0">
+                    <a:srgbClr val="000000">
+                      <a:alpha val="70000"/>
+                    </a:srgbClr>
+                  </a:outerShdw>
+                </a:effectLst>
               </a:rPr>
-              <a:t>Diagramme séquence sécurité : </a:t>
-            </a:r>
-            <a:endParaRPr lang="fr-FR" sz="2000" dirty="0">
-              <a:ln>
-                <a:solidFill>
-                  <a:schemeClr val="bg2"/>
-                </a:solidFill>
+              <a:t>Diagramme séquence application : </a:t>
+            </a:r>
+            <a:endParaRPr lang="fr-FR" sz="2400" dirty="0">
+              <a:ln w="18415" cmpd="sng">
+                <a:noFill/>
+                <a:prstDash val="solid"/>
               </a:ln>
+              <a:solidFill>
+                <a:srgbClr val="FFFFFF"/>
+              </a:solidFill>
+              <a:effectLst>
+                <a:outerShdw blurRad="63500" dir="3600000" algn="tl" rotWithShape="0">
+                  <a:srgbClr val="000000">
+                    <a:alpha val="70000"/>
+                  </a:srgbClr>
+                </a:outerShdw>
+              </a:effectLst>
             </a:endParaRPr>
           </a:p>
         </p:txBody>
       </p:sp>
       <p:pic>
         <p:nvPicPr>
-          <p:cNvPr id="5" name="Image 4" descr="Sequence_securite.PNG"/>
+          <p:cNvPr id="2050" name="Picture 2"/>
           <p:cNvPicPr>
-            <a:picLocks noChangeAspect="1"/>
+            <a:picLocks noChangeAspect="1" noChangeArrowheads="1"/>
           </p:cNvPicPr>
           <p:nvPr/>
         </p:nvPicPr>
         <p:blipFill>
           <a:blip r:embed="rId2"/>
+          <a:srcRect/>
           <a:stretch>
             <a:fillRect/>
           </a:stretch>
         </p:blipFill>
-        <p:spPr>
+        <p:spPr bwMode="auto">
           <a:xfrm>
-            <a:off x="894829" y="785794"/>
-            <a:ext cx="7354343" cy="5607969"/>
+            <a:off x="1032706" y="571484"/>
+            <a:ext cx="7078588" cy="5000640"/>
           </a:xfrm>
           <a:prstGeom prst="rect">
             <a:avLst/>
@@ -5520,127 +8474,13 @@
   <p:clrMapOvr>
     <a:masterClrMapping/>
   </p:clrMapOvr>
-</p:sld>
-</file>
-
-<file path=ppt/slides/slide9.xml><?xml version="1.0" encoding="utf-8"?>
-<p:sld xmlns:a="http://schemas.openxmlformats.org/drawingml/2006/main" xmlns:r="http://schemas.openxmlformats.org/officeDocument/2006/relationships" xmlns:p="http://schemas.openxmlformats.org/presentationml/2006/main">
-  <p:cSld>
-    <p:spTree>
-      <p:nvGrpSpPr>
-        <p:cNvPr id="1" name=""/>
-        <p:cNvGrpSpPr/>
-        <p:nvPr/>
-      </p:nvGrpSpPr>
-      <p:grpSpPr>
-        <a:xfrm>
-          <a:off x="0" y="0"/>
-          <a:ext cx="0" cy="0"/>
-          <a:chOff x="0" y="0"/>
-          <a:chExt cx="0" cy="0"/>
-        </a:xfrm>
-      </p:grpSpPr>
-      <p:sp>
-        <p:nvSpPr>
-          <p:cNvPr id="2" name="Titre 1"/>
-          <p:cNvSpPr>
-            <a:spLocks noGrp="1"/>
-          </p:cNvSpPr>
-          <p:nvPr>
-            <p:ph type="title"/>
-          </p:nvPr>
-        </p:nvSpPr>
-        <p:spPr/>
-        <p:txBody>
-          <a:bodyPr/>
-          <a:lstStyle/>
-          <a:p>
-            <a:r>
-              <a:rPr lang="fr-FR" dirty="0" smtClean="0">
-                <a:ln w="18415" cmpd="sng">
-                  <a:solidFill>
-                    <a:srgbClr val="FFFFFF"/>
-                  </a:solidFill>
-                  <a:prstDash val="solid"/>
-                </a:ln>
-                <a:solidFill>
-                  <a:srgbClr val="FFFFFF"/>
-                </a:solidFill>
-                <a:effectLst>
-                  <a:outerShdw blurRad="63500" dir="3600000" algn="tl" rotWithShape="0">
-                    <a:srgbClr val="000000">
-                      <a:alpha val="70000"/>
-                    </a:srgbClr>
-                  </a:outerShdw>
-                </a:effectLst>
-              </a:rPr>
-              <a:t>Scénario d’alerte sécurité </a:t>
-            </a:r>
-            <a:endParaRPr lang="fr-FR" dirty="0">
-              <a:ln w="18415" cmpd="sng">
-                <a:solidFill>
-                  <a:srgbClr val="FFFFFF"/>
-                </a:solidFill>
-                <a:prstDash val="solid"/>
-              </a:ln>
-              <a:solidFill>
-                <a:srgbClr val="FFFFFF"/>
-              </a:solidFill>
-              <a:effectLst>
-                <a:outerShdw blurRad="63500" dir="3600000" algn="tl" rotWithShape="0">
-                  <a:srgbClr val="000000">
-                    <a:alpha val="70000"/>
-                  </a:srgbClr>
-                </a:outerShdw>
-              </a:effectLst>
-            </a:endParaRPr>
-          </a:p>
-        </p:txBody>
-      </p:sp>
-      <p:pic>
-        <p:nvPicPr>
-          <p:cNvPr id="2050" name="Picture 2"/>
-          <p:cNvPicPr>
-            <a:picLocks noChangeAspect="1" noChangeArrowheads="1"/>
-          </p:cNvPicPr>
-          <p:nvPr/>
-        </p:nvPicPr>
-        <p:blipFill>
-          <a:blip r:embed="rId2"/>
-          <a:srcRect/>
-          <a:stretch>
-            <a:fillRect/>
-          </a:stretch>
-        </p:blipFill>
-        <p:spPr bwMode="auto">
-          <a:xfrm>
-            <a:off x="959181" y="1500174"/>
-            <a:ext cx="7225638" cy="5010162"/>
-          </a:xfrm>
-          <a:prstGeom prst="rect">
-            <a:avLst/>
-          </a:prstGeom>
-          <a:ln w="38100" cap="sq">
-            <a:solidFill>
-              <a:schemeClr val="accent2"/>
-            </a:solidFill>
-            <a:prstDash val="solid"/>
-            <a:miter lim="800000"/>
-          </a:ln>
-          <a:effectLst>
-            <a:outerShdw blurRad="50800" dist="38100" dir="2700000" algn="tl" rotWithShape="0">
-              <a:srgbClr val="000000">
-                <a:alpha val="43000"/>
-              </a:srgbClr>
-            </a:outerShdw>
-          </a:effectLst>
-        </p:spPr>
-      </p:pic>
-    </p:spTree>
-  </p:cSld>
-  <p:clrMapOvr>
-    <a:masterClrMapping/>
-  </p:clrMapOvr>
+  <p:timing>
+    <p:tnLst>
+      <p:par>
+        <p:cTn id="1" dur="indefinite" restart="never" nodeType="tmRoot"/>
+      </p:par>
+    </p:tnLst>
+  </p:timing>
 </p:sld>
 </file>
 
